--- a/source/Security/images_Authorization/materialAuthorization.pptx
+++ b/source/Security/images_Authorization/materialAuthorization.pptx
@@ -5,10 +5,11 @@
     <p:sldMasterId id="2147483648" r:id="rId1"/>
   </p:sldMasterIdLst>
   <p:notesMasterIdLst>
-    <p:notesMasterId r:id="rId3"/>
+    <p:notesMasterId r:id="rId4"/>
   </p:notesMasterIdLst>
   <p:sldIdLst>
-    <p:sldId id="256" r:id="rId2"/>
+    <p:sldId id="257" r:id="rId2"/>
+    <p:sldId id="256" r:id="rId3"/>
   </p:sldIdLst>
   <p:sldSz cx="9144000" cy="6858000" type="screen4x3"/>
   <p:notesSz cx="6858000" cy="9144000"/>
@@ -209,7 +210,7 @@
             <a:fld id="{3BB47352-BF5A-4CD2-B029-996118CD8E01}" type="datetimeFigureOut">
               <a:rPr kumimoji="1" lang="ja-JP" altLang="en-US" smtClean="0"/>
               <a:pPr/>
-              <a:t>2015/10/13</a:t>
+              <a:t>2016/1/14</a:t>
             </a:fld>
             <a:endParaRPr kumimoji="1" lang="ja-JP" altLang="en-US"/>
           </a:p>
@@ -692,7 +693,7 @@
             <a:fld id="{7B9B12EC-6AA0-374B-A2D3-850081A07A26}" type="datetimeFigureOut">
               <a:rPr kumimoji="1" lang="ja-JP" altLang="en-US" smtClean="0"/>
               <a:pPr/>
-              <a:t>2015/10/13</a:t>
+              <a:t>2016/1/14</a:t>
             </a:fld>
             <a:endParaRPr kumimoji="1" lang="ja-JP" altLang="en-US"/>
           </a:p>
@@ -896,7 +897,7 @@
             <a:fld id="{7B9B12EC-6AA0-374B-A2D3-850081A07A26}" type="datetimeFigureOut">
               <a:rPr kumimoji="1" lang="ja-JP" altLang="en-US" smtClean="0"/>
               <a:pPr/>
-              <a:t>2015/10/13</a:t>
+              <a:t>2016/1/14</a:t>
             </a:fld>
             <a:endParaRPr kumimoji="1" lang="ja-JP" altLang="en-US"/>
           </a:p>
@@ -1110,7 +1111,7 @@
             <a:fld id="{7B9B12EC-6AA0-374B-A2D3-850081A07A26}" type="datetimeFigureOut">
               <a:rPr kumimoji="1" lang="ja-JP" altLang="en-US" smtClean="0"/>
               <a:pPr/>
-              <a:t>2015/10/13</a:t>
+              <a:t>2016/1/14</a:t>
             </a:fld>
             <a:endParaRPr kumimoji="1" lang="ja-JP" altLang="en-US"/>
           </a:p>
@@ -1314,7 +1315,7 @@
             <a:fld id="{7B9B12EC-6AA0-374B-A2D3-850081A07A26}" type="datetimeFigureOut">
               <a:rPr kumimoji="1" lang="ja-JP" altLang="en-US" smtClean="0"/>
               <a:pPr/>
-              <a:t>2015/10/13</a:t>
+              <a:t>2016/1/14</a:t>
             </a:fld>
             <a:endParaRPr kumimoji="1" lang="ja-JP" altLang="en-US"/>
           </a:p>
@@ -1562,7 +1563,7 @@
             <a:fld id="{7B9B12EC-6AA0-374B-A2D3-850081A07A26}" type="datetimeFigureOut">
               <a:rPr kumimoji="1" lang="ja-JP" altLang="en-US" smtClean="0"/>
               <a:pPr/>
-              <a:t>2015/10/13</a:t>
+              <a:t>2016/1/14</a:t>
             </a:fld>
             <a:endParaRPr kumimoji="1" lang="ja-JP" altLang="en-US"/>
           </a:p>
@@ -1916,7 +1917,7 @@
             <a:fld id="{7B9B12EC-6AA0-374B-A2D3-850081A07A26}" type="datetimeFigureOut">
               <a:rPr kumimoji="1" lang="ja-JP" altLang="en-US" smtClean="0"/>
               <a:pPr/>
-              <a:t>2015/10/13</a:t>
+              <a:t>2016/1/14</a:t>
             </a:fld>
             <a:endParaRPr kumimoji="1" lang="ja-JP" altLang="en-US"/>
           </a:p>
@@ -2404,7 +2405,7 @@
             <a:fld id="{7B9B12EC-6AA0-374B-A2D3-850081A07A26}" type="datetimeFigureOut">
               <a:rPr kumimoji="1" lang="ja-JP" altLang="en-US" smtClean="0"/>
               <a:pPr/>
-              <a:t>2015/10/13</a:t>
+              <a:t>2016/1/14</a:t>
             </a:fld>
             <a:endParaRPr kumimoji="1" lang="ja-JP" altLang="en-US"/>
           </a:p>
@@ -2524,7 +2525,7 @@
             <a:fld id="{7B9B12EC-6AA0-374B-A2D3-850081A07A26}" type="datetimeFigureOut">
               <a:rPr kumimoji="1" lang="ja-JP" altLang="en-US" smtClean="0"/>
               <a:pPr/>
-              <a:t>2015/10/13</a:t>
+              <a:t>2016/1/14</a:t>
             </a:fld>
             <a:endParaRPr kumimoji="1" lang="ja-JP" altLang="en-US"/>
           </a:p>
@@ -2621,7 +2622,7 @@
             <a:fld id="{7B9B12EC-6AA0-374B-A2D3-850081A07A26}" type="datetimeFigureOut">
               <a:rPr kumimoji="1" lang="ja-JP" altLang="en-US" smtClean="0"/>
               <a:pPr/>
-              <a:t>2015/10/13</a:t>
+              <a:t>2016/1/14</a:t>
             </a:fld>
             <a:endParaRPr kumimoji="1" lang="ja-JP" altLang="en-US"/>
           </a:p>
@@ -2932,7 +2933,7 @@
             <a:fld id="{7B9B12EC-6AA0-374B-A2D3-850081A07A26}" type="datetimeFigureOut">
               <a:rPr kumimoji="1" lang="ja-JP" altLang="en-US" smtClean="0"/>
               <a:pPr/>
-              <a:t>2015/10/13</a:t>
+              <a:t>2016/1/14</a:t>
             </a:fld>
             <a:endParaRPr kumimoji="1" lang="ja-JP" altLang="en-US"/>
           </a:p>
@@ -3187,7 +3188,7 @@
             <a:fld id="{7B9B12EC-6AA0-374B-A2D3-850081A07A26}" type="datetimeFigureOut">
               <a:rPr kumimoji="1" lang="ja-JP" altLang="en-US" smtClean="0"/>
               <a:pPr/>
-              <a:t>2015/10/13</a:t>
+              <a:t>2016/1/14</a:t>
             </a:fld>
             <a:endParaRPr kumimoji="1" lang="ja-JP" altLang="en-US"/>
           </a:p>
@@ -3434,7 +3435,7 @@
             <a:fld id="{7B9B12EC-6AA0-374B-A2D3-850081A07A26}" type="datetimeFigureOut">
               <a:rPr kumimoji="1" lang="ja-JP" altLang="en-US" smtClean="0"/>
               <a:pPr/>
-              <a:t>2015/10/13</a:t>
+              <a:t>2016/1/14</a:t>
             </a:fld>
             <a:endParaRPr kumimoji="1" lang="ja-JP" altLang="en-US"/>
           </a:p>
@@ -3812,6 +3813,2214 @@
       </p:grpSpPr>
       <p:sp>
         <p:nvSpPr>
+          <p:cNvPr id="39" name="正方形/長方形 38"/>
+          <p:cNvSpPr/>
+          <p:nvPr/>
+        </p:nvSpPr>
+        <p:spPr>
+          <a:xfrm>
+            <a:off x="1758000" y="1208583"/>
+            <a:ext cx="2244349" cy="3660577"/>
+          </a:xfrm>
+          <a:prstGeom prst="rect">
+            <a:avLst/>
+          </a:prstGeom>
+          <a:solidFill>
+            <a:schemeClr val="bg1"/>
+          </a:solidFill>
+          <a:ln w="60325">
+            <a:solidFill>
+              <a:schemeClr val="bg1">
+                <a:lumMod val="65000"/>
+              </a:schemeClr>
+            </a:solidFill>
+            <a:miter lim="800000"/>
+          </a:ln>
+          <a:effectLst/>
+        </p:spPr>
+        <p:style>
+          <a:lnRef idx="1">
+            <a:schemeClr val="accent1"/>
+          </a:lnRef>
+          <a:fillRef idx="3">
+            <a:schemeClr val="accent1"/>
+          </a:fillRef>
+          <a:effectRef idx="2">
+            <a:schemeClr val="accent1"/>
+          </a:effectRef>
+          <a:fontRef idx="minor">
+            <a:schemeClr val="lt1"/>
+          </a:fontRef>
+        </p:style>
+        <p:txBody>
+          <a:bodyPr rtlCol="0" anchor="t" anchorCtr="0"/>
+          <a:lstStyle/>
+          <a:p>
+            <a:pPr algn="ctr"/>
+            <a:r>
+              <a:rPr kumimoji="1" lang="en-US" altLang="ja-JP" sz="2000" dirty="0" smtClean="0">
+                <a:solidFill>
+                  <a:schemeClr val="tx1">
+                    <a:lumMod val="50000"/>
+                    <a:lumOff val="50000"/>
+                  </a:schemeClr>
+                </a:solidFill>
+              </a:rPr>
+              <a:t>spring-security-web</a:t>
+            </a:r>
+          </a:p>
+        </p:txBody>
+      </p:sp>
+      <p:sp>
+        <p:nvSpPr>
+          <p:cNvPr id="40" name="正方形/長方形 39"/>
+          <p:cNvSpPr/>
+          <p:nvPr/>
+        </p:nvSpPr>
+        <p:spPr>
+          <a:xfrm>
+            <a:off x="2097450" y="1980062"/>
+            <a:ext cx="1629867" cy="974823"/>
+          </a:xfrm>
+          <a:prstGeom prst="rect">
+            <a:avLst/>
+          </a:prstGeom>
+          <a:solidFill>
+            <a:schemeClr val="accent6">
+              <a:lumMod val="60000"/>
+              <a:lumOff val="40000"/>
+            </a:schemeClr>
+          </a:solidFill>
+          <a:ln>
+            <a:noFill/>
+          </a:ln>
+        </p:spPr>
+        <p:style>
+          <a:lnRef idx="2">
+            <a:schemeClr val="accent1">
+              <a:shade val="50000"/>
+            </a:schemeClr>
+          </a:lnRef>
+          <a:fillRef idx="1">
+            <a:schemeClr val="accent1"/>
+          </a:fillRef>
+          <a:effectRef idx="0">
+            <a:schemeClr val="accent1"/>
+          </a:effectRef>
+          <a:fontRef idx="minor">
+            <a:schemeClr val="lt1"/>
+          </a:fontRef>
+        </p:style>
+        <p:txBody>
+          <a:bodyPr rtlCol="0" anchor="ctr"/>
+          <a:lstStyle/>
+          <a:p>
+            <a:pPr algn="ctr"/>
+            <a:r>
+              <a:rPr lang="en-US" altLang="ja-JP" dirty="0">
+                <a:solidFill>
+                  <a:schemeClr val="tx1">
+                    <a:lumMod val="75000"/>
+                    <a:lumOff val="25000"/>
+                  </a:schemeClr>
+                </a:solidFill>
+                <a:latin typeface="HGP創英角ｺﾞｼｯｸUB" panose="020B0900000000000000" pitchFamily="50" charset="-128"/>
+                <a:ea typeface="HGP創英角ｺﾞｼｯｸUB" panose="020B0900000000000000" pitchFamily="50" charset="-128"/>
+              </a:rPr>
+              <a:t>Exception</a:t>
+            </a:r>
+          </a:p>
+          <a:p>
+            <a:pPr algn="ctr"/>
+            <a:r>
+              <a:rPr lang="en-US" altLang="ja-JP" dirty="0">
+                <a:solidFill>
+                  <a:schemeClr val="tx1">
+                    <a:lumMod val="75000"/>
+                    <a:lumOff val="25000"/>
+                  </a:schemeClr>
+                </a:solidFill>
+                <a:latin typeface="HGP創英角ｺﾞｼｯｸUB" panose="020B0900000000000000" pitchFamily="50" charset="-128"/>
+                <a:ea typeface="HGP創英角ｺﾞｼｯｸUB" panose="020B0900000000000000" pitchFamily="50" charset="-128"/>
+              </a:rPr>
+              <a:t>Translation</a:t>
+            </a:r>
+          </a:p>
+          <a:p>
+            <a:pPr algn="ctr"/>
+            <a:r>
+              <a:rPr lang="en-US" altLang="ja-JP" dirty="0" smtClean="0">
+                <a:solidFill>
+                  <a:schemeClr val="tx1">
+                    <a:lumMod val="75000"/>
+                    <a:lumOff val="25000"/>
+                  </a:schemeClr>
+                </a:solidFill>
+                <a:latin typeface="HGP創英角ｺﾞｼｯｸUB" panose="020B0900000000000000" pitchFamily="50" charset="-128"/>
+                <a:ea typeface="HGP創英角ｺﾞｼｯｸUB" panose="020B0900000000000000" pitchFamily="50" charset="-128"/>
+              </a:rPr>
+              <a:t>Filter</a:t>
+            </a:r>
+            <a:endParaRPr lang="en-US" altLang="ja-JP" dirty="0">
+              <a:solidFill>
+                <a:schemeClr val="tx1">
+                  <a:lumMod val="75000"/>
+                  <a:lumOff val="25000"/>
+                </a:schemeClr>
+              </a:solidFill>
+              <a:latin typeface="HGP創英角ｺﾞｼｯｸUB" panose="020B0900000000000000" pitchFamily="50" charset="-128"/>
+              <a:ea typeface="HGP創英角ｺﾞｼｯｸUB" panose="020B0900000000000000" pitchFamily="50" charset="-128"/>
+            </a:endParaRPr>
+          </a:p>
+        </p:txBody>
+      </p:sp>
+      <p:sp>
+        <p:nvSpPr>
+          <p:cNvPr id="67" name="laptop"/>
+          <p:cNvSpPr>
+            <a:spLocks noEditPoints="1" noChangeArrowheads="1"/>
+          </p:cNvSpPr>
+          <p:nvPr/>
+        </p:nvSpPr>
+        <p:spPr bwMode="auto">
+          <a:xfrm>
+            <a:off x="186758" y="2198777"/>
+            <a:ext cx="1071417" cy="806382"/>
+          </a:xfrm>
+          <a:custGeom>
+            <a:avLst/>
+            <a:gdLst>
+              <a:gd name="T0" fmla="*/ 3362 w 21600"/>
+              <a:gd name="T1" fmla="*/ 0 h 21600"/>
+              <a:gd name="T2" fmla="*/ 3362 w 21600"/>
+              <a:gd name="T3" fmla="*/ 7173 h 21600"/>
+              <a:gd name="T4" fmla="*/ 18327 w 21600"/>
+              <a:gd name="T5" fmla="*/ 0 h 21600"/>
+              <a:gd name="T6" fmla="*/ 18327 w 21600"/>
+              <a:gd name="T7" fmla="*/ 7173 h 21600"/>
+              <a:gd name="T8" fmla="*/ 10800 w 21600"/>
+              <a:gd name="T9" fmla="*/ 0 h 21600"/>
+              <a:gd name="T10" fmla="*/ 10800 w 21600"/>
+              <a:gd name="T11" fmla="*/ 21600 h 21600"/>
+              <a:gd name="T12" fmla="*/ 0 w 21600"/>
+              <a:gd name="T13" fmla="*/ 21600 h 21600"/>
+              <a:gd name="T14" fmla="*/ 21600 w 21600"/>
+              <a:gd name="T15" fmla="*/ 21600 h 21600"/>
+              <a:gd name="T16" fmla="*/ 4445 w 21600"/>
+              <a:gd name="T17" fmla="*/ 1858 h 21600"/>
+              <a:gd name="T18" fmla="*/ 17311 w 21600"/>
+              <a:gd name="T19" fmla="*/ 12323 h 21600"/>
+            </a:gdLst>
+            <a:ahLst/>
+            <a:cxnLst>
+              <a:cxn ang="0">
+                <a:pos x="T0" y="T1"/>
+              </a:cxn>
+              <a:cxn ang="0">
+                <a:pos x="T2" y="T3"/>
+              </a:cxn>
+              <a:cxn ang="0">
+                <a:pos x="T4" y="T5"/>
+              </a:cxn>
+              <a:cxn ang="0">
+                <a:pos x="T6" y="T7"/>
+              </a:cxn>
+              <a:cxn ang="0">
+                <a:pos x="T8" y="T9"/>
+              </a:cxn>
+              <a:cxn ang="0">
+                <a:pos x="T10" y="T11"/>
+              </a:cxn>
+              <a:cxn ang="0">
+                <a:pos x="T12" y="T13"/>
+              </a:cxn>
+              <a:cxn ang="0">
+                <a:pos x="T14" y="T15"/>
+              </a:cxn>
+            </a:cxnLst>
+            <a:rect l="T16" t="T17" r="T18" b="T19"/>
+            <a:pathLst>
+              <a:path w="21600" h="21600" extrusionOk="0">
+                <a:moveTo>
+                  <a:pt x="3362" y="0"/>
+                </a:moveTo>
+                <a:lnTo>
+                  <a:pt x="18327" y="0"/>
+                </a:lnTo>
+                <a:lnTo>
+                  <a:pt x="18327" y="14347"/>
+                </a:lnTo>
+                <a:lnTo>
+                  <a:pt x="3362" y="14347"/>
+                </a:lnTo>
+                <a:lnTo>
+                  <a:pt x="3362" y="0"/>
+                </a:lnTo>
+                <a:close/>
+              </a:path>
+              <a:path w="21600" h="21600" extrusionOk="0">
+                <a:moveTo>
+                  <a:pt x="3340" y="15068"/>
+                </a:moveTo>
+                <a:lnTo>
+                  <a:pt x="0" y="19877"/>
+                </a:lnTo>
+                <a:lnTo>
+                  <a:pt x="21600" y="19877"/>
+                </a:lnTo>
+                <a:lnTo>
+                  <a:pt x="18327" y="15068"/>
+                </a:lnTo>
+                <a:lnTo>
+                  <a:pt x="3340" y="15068"/>
+                </a:lnTo>
+                <a:close/>
+              </a:path>
+              <a:path w="21600" h="21600" extrusionOk="0">
+                <a:moveTo>
+                  <a:pt x="0" y="19877"/>
+                </a:moveTo>
+                <a:lnTo>
+                  <a:pt x="0" y="21600"/>
+                </a:lnTo>
+                <a:lnTo>
+                  <a:pt x="21600" y="21600"/>
+                </a:lnTo>
+                <a:lnTo>
+                  <a:pt x="21600" y="19877"/>
+                </a:lnTo>
+                <a:lnTo>
+                  <a:pt x="0" y="19877"/>
+                </a:lnTo>
+                <a:close/>
+              </a:path>
+              <a:path w="21600" h="21600" extrusionOk="0">
+                <a:moveTo>
+                  <a:pt x="4186" y="1523"/>
+                </a:moveTo>
+                <a:lnTo>
+                  <a:pt x="17547" y="1523"/>
+                </a:lnTo>
+                <a:lnTo>
+                  <a:pt x="17547" y="12744"/>
+                </a:lnTo>
+                <a:lnTo>
+                  <a:pt x="4186" y="12744"/>
+                </a:lnTo>
+                <a:lnTo>
+                  <a:pt x="4186" y="1523"/>
+                </a:lnTo>
+                <a:close/>
+              </a:path>
+              <a:path w="21600" h="21600" extrusionOk="0">
+                <a:moveTo>
+                  <a:pt x="3318" y="15549"/>
+                </a:moveTo>
+                <a:lnTo>
+                  <a:pt x="2917" y="16110"/>
+                </a:lnTo>
+                <a:lnTo>
+                  <a:pt x="18727" y="16110"/>
+                </a:lnTo>
+                <a:lnTo>
+                  <a:pt x="18327" y="15549"/>
+                </a:lnTo>
+                <a:lnTo>
+                  <a:pt x="3318" y="15549"/>
+                </a:lnTo>
+                <a:close/>
+              </a:path>
+              <a:path w="21600" h="21600" extrusionOk="0">
+                <a:moveTo>
+                  <a:pt x="6213" y="18314"/>
+                </a:moveTo>
+                <a:lnTo>
+                  <a:pt x="5946" y="18875"/>
+                </a:lnTo>
+                <a:lnTo>
+                  <a:pt x="15766" y="18875"/>
+                </a:lnTo>
+                <a:lnTo>
+                  <a:pt x="15499" y="18314"/>
+                </a:lnTo>
+                <a:lnTo>
+                  <a:pt x="6213" y="18314"/>
+                </a:lnTo>
+                <a:close/>
+              </a:path>
+              <a:path w="21600" h="21600" extrusionOk="0">
+                <a:moveTo>
+                  <a:pt x="2828" y="16471"/>
+                </a:moveTo>
+                <a:lnTo>
+                  <a:pt x="2405" y="17072"/>
+                </a:lnTo>
+                <a:lnTo>
+                  <a:pt x="19284" y="17072"/>
+                </a:lnTo>
+                <a:lnTo>
+                  <a:pt x="18839" y="16471"/>
+                </a:lnTo>
+                <a:lnTo>
+                  <a:pt x="2828" y="16471"/>
+                </a:lnTo>
+                <a:close/>
+              </a:path>
+              <a:path w="21600" h="21600" extrusionOk="0">
+                <a:moveTo>
+                  <a:pt x="2316" y="17352"/>
+                </a:moveTo>
+                <a:lnTo>
+                  <a:pt x="1871" y="17953"/>
+                </a:lnTo>
+                <a:lnTo>
+                  <a:pt x="19863" y="17953"/>
+                </a:lnTo>
+                <a:lnTo>
+                  <a:pt x="19395" y="17352"/>
+                </a:lnTo>
+                <a:lnTo>
+                  <a:pt x="2316" y="17352"/>
+                </a:lnTo>
+                <a:close/>
+              </a:path>
+            </a:pathLst>
+          </a:custGeom>
+          <a:solidFill>
+            <a:schemeClr val="bg1">
+              <a:lumMod val="95000"/>
+            </a:schemeClr>
+          </a:solidFill>
+          <a:ln w="0">
+            <a:headEnd/>
+            <a:tailEnd/>
+          </a:ln>
+        </p:spPr>
+        <p:style>
+          <a:lnRef idx="2">
+            <a:schemeClr val="dk1"/>
+          </a:lnRef>
+          <a:fillRef idx="1">
+            <a:schemeClr val="lt1"/>
+          </a:fillRef>
+          <a:effectRef idx="0">
+            <a:schemeClr val="dk1"/>
+          </a:effectRef>
+          <a:fontRef idx="minor">
+            <a:schemeClr val="dk1"/>
+          </a:fontRef>
+        </p:style>
+        <p:txBody>
+          <a:bodyPr vert="horz" wrap="square" lIns="91440" tIns="45720" rIns="91440" bIns="45720" numCol="1" anchor="t" anchorCtr="0" compatLnSpc="1">
+            <a:prstTxWarp prst="textNoShape">
+              <a:avLst/>
+            </a:prstTxWarp>
+          </a:bodyPr>
+          <a:lstStyle/>
+          <a:p>
+            <a:endParaRPr lang="ja-JP" altLang="en-US"/>
+          </a:p>
+        </p:txBody>
+      </p:sp>
+      <p:sp>
+        <p:nvSpPr>
+          <p:cNvPr id="78" name="テキスト ボックス 77"/>
+          <p:cNvSpPr txBox="1"/>
+          <p:nvPr/>
+        </p:nvSpPr>
+        <p:spPr>
+          <a:xfrm>
+            <a:off x="107504" y="1655166"/>
+            <a:ext cx="1229923" cy="338554"/>
+          </a:xfrm>
+          <a:prstGeom prst="rect">
+            <a:avLst/>
+          </a:prstGeom>
+          <a:noFill/>
+        </p:spPr>
+        <p:txBody>
+          <a:bodyPr wrap="square" rtlCol="0">
+            <a:spAutoFit/>
+          </a:bodyPr>
+          <a:lstStyle/>
+          <a:p>
+            <a:pPr algn="ctr"/>
+            <a:r>
+              <a:rPr lang="en-US" altLang="ja-JP" sz="1600" b="1" dirty="0" smtClean="0">
+                <a:solidFill>
+                  <a:schemeClr val="tx1">
+                    <a:lumMod val="75000"/>
+                    <a:lumOff val="25000"/>
+                  </a:schemeClr>
+                </a:solidFill>
+                <a:latin typeface="HGP創英角ｺﾞｼｯｸUB" panose="020B0900000000000000" pitchFamily="50" charset="-128"/>
+                <a:ea typeface="HGP創英角ｺﾞｼｯｸUB" panose="020B0900000000000000" pitchFamily="50" charset="-128"/>
+              </a:rPr>
+              <a:t>Client</a:t>
+            </a:r>
+            <a:endParaRPr kumimoji="1" lang="ja-JP" altLang="en-US" sz="1600" b="1" dirty="0">
+              <a:solidFill>
+                <a:schemeClr val="tx1">
+                  <a:lumMod val="75000"/>
+                  <a:lumOff val="25000"/>
+                </a:schemeClr>
+              </a:solidFill>
+              <a:latin typeface="HGP創英角ｺﾞｼｯｸUB" panose="020B0900000000000000" pitchFamily="50" charset="-128"/>
+              <a:ea typeface="HGP創英角ｺﾞｼｯｸUB" panose="020B0900000000000000" pitchFamily="50" charset="-128"/>
+            </a:endParaRPr>
+          </a:p>
+        </p:txBody>
+      </p:sp>
+      <p:sp>
+        <p:nvSpPr>
+          <p:cNvPr id="35" name="正方形/長方形 34"/>
+          <p:cNvSpPr/>
+          <p:nvPr/>
+        </p:nvSpPr>
+        <p:spPr>
+          <a:xfrm>
+            <a:off x="4617730" y="1196752"/>
+            <a:ext cx="4346758" cy="3834306"/>
+          </a:xfrm>
+          <a:prstGeom prst="rect">
+            <a:avLst/>
+          </a:prstGeom>
+          <a:solidFill>
+            <a:schemeClr val="bg1"/>
+          </a:solidFill>
+          <a:ln w="60325">
+            <a:solidFill>
+              <a:schemeClr val="bg1">
+                <a:lumMod val="65000"/>
+              </a:schemeClr>
+            </a:solidFill>
+            <a:miter lim="800000"/>
+          </a:ln>
+          <a:effectLst/>
+        </p:spPr>
+        <p:style>
+          <a:lnRef idx="1">
+            <a:schemeClr val="accent1"/>
+          </a:lnRef>
+          <a:fillRef idx="3">
+            <a:schemeClr val="accent1"/>
+          </a:fillRef>
+          <a:effectRef idx="2">
+            <a:schemeClr val="accent1"/>
+          </a:effectRef>
+          <a:fontRef idx="minor">
+            <a:schemeClr val="lt1"/>
+          </a:fontRef>
+        </p:style>
+        <p:txBody>
+          <a:bodyPr rtlCol="0" anchor="t" anchorCtr="0"/>
+          <a:lstStyle/>
+          <a:p>
+            <a:pPr algn="ctr"/>
+            <a:r>
+              <a:rPr kumimoji="1" lang="en-US" altLang="ja-JP" sz="2000" dirty="0" smtClean="0">
+                <a:solidFill>
+                  <a:schemeClr val="tx1">
+                    <a:lumMod val="50000"/>
+                    <a:lumOff val="50000"/>
+                  </a:schemeClr>
+                </a:solidFill>
+              </a:rPr>
+              <a:t>spring-security-core</a:t>
+            </a:r>
+          </a:p>
+        </p:txBody>
+      </p:sp>
+      <p:sp>
+        <p:nvSpPr>
+          <p:cNvPr id="36" name="正方形/長方形 35"/>
+          <p:cNvSpPr/>
+          <p:nvPr/>
+        </p:nvSpPr>
+        <p:spPr>
+          <a:xfrm>
+            <a:off x="4932400" y="1981323"/>
+            <a:ext cx="1756618" cy="974823"/>
+          </a:xfrm>
+          <a:prstGeom prst="rect">
+            <a:avLst/>
+          </a:prstGeom>
+          <a:solidFill>
+            <a:schemeClr val="accent6">
+              <a:lumMod val="60000"/>
+              <a:lumOff val="40000"/>
+            </a:schemeClr>
+          </a:solidFill>
+          <a:ln>
+            <a:noFill/>
+          </a:ln>
+        </p:spPr>
+        <p:style>
+          <a:lnRef idx="2">
+            <a:schemeClr val="accent1">
+              <a:shade val="50000"/>
+            </a:schemeClr>
+          </a:lnRef>
+          <a:fillRef idx="1">
+            <a:schemeClr val="accent1"/>
+          </a:fillRef>
+          <a:effectRef idx="0">
+            <a:schemeClr val="accent1"/>
+          </a:effectRef>
+          <a:fontRef idx="minor">
+            <a:schemeClr val="lt1"/>
+          </a:fontRef>
+        </p:style>
+        <p:txBody>
+          <a:bodyPr rtlCol="0" anchor="ctr"/>
+          <a:lstStyle/>
+          <a:p>
+            <a:pPr algn="ctr"/>
+            <a:r>
+              <a:rPr lang="en-US" altLang="ja-JP" sz="1100" dirty="0">
+                <a:solidFill>
+                  <a:schemeClr val="tx1">
+                    <a:lumMod val="75000"/>
+                    <a:lumOff val="25000"/>
+                  </a:schemeClr>
+                </a:solidFill>
+                <a:latin typeface="HGP創英角ｺﾞｼｯｸUB" panose="020B0900000000000000" pitchFamily="50" charset="-128"/>
+                <a:ea typeface="HGP創英角ｺﾞｼｯｸUB" panose="020B0900000000000000" pitchFamily="50" charset="-128"/>
+              </a:rPr>
+              <a:t>&lt;interface&gt; </a:t>
+            </a:r>
+            <a:r>
+              <a:rPr lang="en-US" altLang="ja-JP" dirty="0" err="1">
+                <a:solidFill>
+                  <a:schemeClr val="tx1">
+                    <a:lumMod val="75000"/>
+                    <a:lumOff val="25000"/>
+                  </a:schemeClr>
+                </a:solidFill>
+                <a:latin typeface="HGP創英角ｺﾞｼｯｸUB" panose="020B0900000000000000" pitchFamily="50" charset="-128"/>
+                <a:ea typeface="HGP創英角ｺﾞｼｯｸUB" panose="020B0900000000000000" pitchFamily="50" charset="-128"/>
+              </a:rPr>
+              <a:t>AccessDecision</a:t>
+            </a:r>
+            <a:endParaRPr lang="en-US" altLang="ja-JP" dirty="0">
+              <a:solidFill>
+                <a:schemeClr val="tx1">
+                  <a:lumMod val="75000"/>
+                  <a:lumOff val="25000"/>
+                </a:schemeClr>
+              </a:solidFill>
+              <a:latin typeface="HGP創英角ｺﾞｼｯｸUB" panose="020B0900000000000000" pitchFamily="50" charset="-128"/>
+              <a:ea typeface="HGP創英角ｺﾞｼｯｸUB" panose="020B0900000000000000" pitchFamily="50" charset="-128"/>
+            </a:endParaRPr>
+          </a:p>
+          <a:p>
+            <a:pPr algn="ctr"/>
+            <a:r>
+              <a:rPr lang="en-US" altLang="ja-JP" dirty="0">
+                <a:solidFill>
+                  <a:schemeClr val="tx1">
+                    <a:lumMod val="75000"/>
+                    <a:lumOff val="25000"/>
+                  </a:schemeClr>
+                </a:solidFill>
+                <a:latin typeface="HGP創英角ｺﾞｼｯｸUB" panose="020B0900000000000000" pitchFamily="50" charset="-128"/>
+                <a:ea typeface="HGP創英角ｺﾞｼｯｸUB" panose="020B0900000000000000" pitchFamily="50" charset="-128"/>
+              </a:rPr>
+              <a:t>Manager</a:t>
+            </a:r>
+          </a:p>
+        </p:txBody>
+      </p:sp>
+      <p:sp>
+        <p:nvSpPr>
+          <p:cNvPr id="38" name="正方形/長方形 37"/>
+          <p:cNvSpPr/>
+          <p:nvPr/>
+        </p:nvSpPr>
+        <p:spPr>
+          <a:xfrm>
+            <a:off x="6948264" y="1980232"/>
+            <a:ext cx="1629867" cy="974823"/>
+          </a:xfrm>
+          <a:prstGeom prst="rect">
+            <a:avLst/>
+          </a:prstGeom>
+          <a:solidFill>
+            <a:schemeClr val="accent6">
+              <a:lumMod val="60000"/>
+              <a:lumOff val="40000"/>
+            </a:schemeClr>
+          </a:solidFill>
+          <a:ln>
+            <a:noFill/>
+          </a:ln>
+        </p:spPr>
+        <p:style>
+          <a:lnRef idx="2">
+            <a:schemeClr val="accent1">
+              <a:shade val="50000"/>
+            </a:schemeClr>
+          </a:lnRef>
+          <a:fillRef idx="1">
+            <a:schemeClr val="accent1"/>
+          </a:fillRef>
+          <a:effectRef idx="0">
+            <a:schemeClr val="accent1"/>
+          </a:effectRef>
+          <a:fontRef idx="minor">
+            <a:schemeClr val="lt1"/>
+          </a:fontRef>
+        </p:style>
+        <p:txBody>
+          <a:bodyPr rtlCol="0" anchor="ctr"/>
+          <a:lstStyle/>
+          <a:p>
+            <a:pPr algn="ctr"/>
+            <a:r>
+              <a:rPr lang="en-US" altLang="ja-JP" sz="1100" dirty="0">
+                <a:solidFill>
+                  <a:schemeClr val="tx1">
+                    <a:lumMod val="75000"/>
+                    <a:lumOff val="25000"/>
+                  </a:schemeClr>
+                </a:solidFill>
+                <a:latin typeface="HGP創英角ｺﾞｼｯｸUB" panose="020B0900000000000000" pitchFamily="50" charset="-128"/>
+                <a:ea typeface="HGP創英角ｺﾞｼｯｸUB" panose="020B0900000000000000" pitchFamily="50" charset="-128"/>
+              </a:rPr>
+              <a:t>&lt;interface&gt; </a:t>
+            </a:r>
+            <a:r>
+              <a:rPr lang="en-US" altLang="ja-JP" dirty="0" smtClean="0">
+                <a:solidFill>
+                  <a:schemeClr val="tx1">
+                    <a:lumMod val="75000"/>
+                    <a:lumOff val="25000"/>
+                  </a:schemeClr>
+                </a:solidFill>
+                <a:latin typeface="HGP創英角ｺﾞｼｯｸUB" panose="020B0900000000000000" pitchFamily="50" charset="-128"/>
+                <a:ea typeface="HGP創英角ｺﾞｼｯｸUB" panose="020B0900000000000000" pitchFamily="50" charset="-128"/>
+              </a:rPr>
+              <a:t>Access</a:t>
+            </a:r>
+          </a:p>
+          <a:p>
+            <a:pPr algn="ctr"/>
+            <a:r>
+              <a:rPr lang="en-US" altLang="ja-JP" dirty="0" err="1" smtClean="0">
+                <a:solidFill>
+                  <a:schemeClr val="tx1">
+                    <a:lumMod val="75000"/>
+                    <a:lumOff val="25000"/>
+                  </a:schemeClr>
+                </a:solidFill>
+                <a:latin typeface="HGP創英角ｺﾞｼｯｸUB" panose="020B0900000000000000" pitchFamily="50" charset="-128"/>
+                <a:ea typeface="HGP創英角ｺﾞｼｯｸUB" panose="020B0900000000000000" pitchFamily="50" charset="-128"/>
+              </a:rPr>
+              <a:t>DecisionVoter</a:t>
+            </a:r>
+            <a:endParaRPr lang="en-US" altLang="ja-JP" dirty="0">
+              <a:solidFill>
+                <a:schemeClr val="tx1">
+                  <a:lumMod val="75000"/>
+                  <a:lumOff val="25000"/>
+                </a:schemeClr>
+              </a:solidFill>
+              <a:latin typeface="HGP創英角ｺﾞｼｯｸUB" panose="020B0900000000000000" pitchFamily="50" charset="-128"/>
+              <a:ea typeface="HGP創英角ｺﾞｼｯｸUB" panose="020B0900000000000000" pitchFamily="50" charset="-128"/>
+            </a:endParaRPr>
+          </a:p>
+        </p:txBody>
+      </p:sp>
+      <p:sp>
+        <p:nvSpPr>
+          <p:cNvPr id="41" name="正方形/長方形 40"/>
+          <p:cNvSpPr/>
+          <p:nvPr/>
+        </p:nvSpPr>
+        <p:spPr>
+          <a:xfrm>
+            <a:off x="6919689" y="3632671"/>
+            <a:ext cx="1629867" cy="974823"/>
+          </a:xfrm>
+          <a:prstGeom prst="rect">
+            <a:avLst/>
+          </a:prstGeom>
+          <a:solidFill>
+            <a:schemeClr val="accent6">
+              <a:lumMod val="60000"/>
+              <a:lumOff val="40000"/>
+            </a:schemeClr>
+          </a:solidFill>
+          <a:ln>
+            <a:noFill/>
+          </a:ln>
+        </p:spPr>
+        <p:style>
+          <a:lnRef idx="2">
+            <a:schemeClr val="accent1">
+              <a:shade val="50000"/>
+            </a:schemeClr>
+          </a:lnRef>
+          <a:fillRef idx="1">
+            <a:schemeClr val="accent1"/>
+          </a:fillRef>
+          <a:effectRef idx="0">
+            <a:schemeClr val="accent1"/>
+          </a:effectRef>
+          <a:fontRef idx="minor">
+            <a:schemeClr val="lt1"/>
+          </a:fontRef>
+        </p:style>
+        <p:txBody>
+          <a:bodyPr rtlCol="0" anchor="ctr"/>
+          <a:lstStyle/>
+          <a:p>
+            <a:pPr algn="ctr"/>
+            <a:r>
+              <a:rPr lang="en-US" altLang="ja-JP" dirty="0" smtClean="0">
+                <a:solidFill>
+                  <a:schemeClr val="tx1">
+                    <a:lumMod val="75000"/>
+                    <a:lumOff val="25000"/>
+                  </a:schemeClr>
+                </a:solidFill>
+                <a:latin typeface="HGP創英角ｺﾞｼｯｸUB" panose="020B0900000000000000" pitchFamily="50" charset="-128"/>
+                <a:ea typeface="HGP創英角ｺﾞｼｯｸUB" panose="020B0900000000000000" pitchFamily="50" charset="-128"/>
+              </a:rPr>
+              <a:t>Web</a:t>
+            </a:r>
+          </a:p>
+          <a:p>
+            <a:pPr algn="ctr"/>
+            <a:r>
+              <a:rPr lang="en-US" altLang="ja-JP" dirty="0" smtClean="0">
+                <a:solidFill>
+                  <a:schemeClr val="tx1">
+                    <a:lumMod val="75000"/>
+                    <a:lumOff val="25000"/>
+                  </a:schemeClr>
+                </a:solidFill>
+                <a:latin typeface="HGP創英角ｺﾞｼｯｸUB" panose="020B0900000000000000" pitchFamily="50" charset="-128"/>
+                <a:ea typeface="HGP創英角ｺﾞｼｯｸUB" panose="020B0900000000000000" pitchFamily="50" charset="-128"/>
+              </a:rPr>
+              <a:t>Expression</a:t>
+            </a:r>
+          </a:p>
+          <a:p>
+            <a:pPr algn="ctr"/>
+            <a:r>
+              <a:rPr lang="en-US" altLang="ja-JP" dirty="0" smtClean="0">
+                <a:solidFill>
+                  <a:schemeClr val="tx1">
+                    <a:lumMod val="75000"/>
+                    <a:lumOff val="25000"/>
+                  </a:schemeClr>
+                </a:solidFill>
+                <a:latin typeface="HGP創英角ｺﾞｼｯｸUB" panose="020B0900000000000000" pitchFamily="50" charset="-128"/>
+                <a:ea typeface="HGP創英角ｺﾞｼｯｸUB" panose="020B0900000000000000" pitchFamily="50" charset="-128"/>
+              </a:rPr>
+              <a:t>Voter</a:t>
+            </a:r>
+            <a:endParaRPr lang="en-US" altLang="ja-JP" dirty="0">
+              <a:solidFill>
+                <a:schemeClr val="tx1">
+                  <a:lumMod val="75000"/>
+                  <a:lumOff val="25000"/>
+                </a:schemeClr>
+              </a:solidFill>
+              <a:latin typeface="HGP創英角ｺﾞｼｯｸUB" panose="020B0900000000000000" pitchFamily="50" charset="-128"/>
+              <a:ea typeface="HGP創英角ｺﾞｼｯｸUB" panose="020B0900000000000000" pitchFamily="50" charset="-128"/>
+            </a:endParaRPr>
+          </a:p>
+        </p:txBody>
+      </p:sp>
+      <p:cxnSp>
+        <p:nvCxnSpPr>
+          <p:cNvPr id="44" name="直線矢印コネクタ 73"/>
+          <p:cNvCxnSpPr>
+            <a:endCxn id="36" idx="2"/>
+          </p:cNvCxnSpPr>
+          <p:nvPr/>
+        </p:nvCxnSpPr>
+        <p:spPr bwMode="invGray">
+          <a:xfrm flipV="1">
+            <a:off x="5810709" y="2956146"/>
+            <a:ext cx="0" cy="650320"/>
+          </a:xfrm>
+          <a:prstGeom prst="straightConnector1">
+            <a:avLst/>
+          </a:prstGeom>
+          <a:ln w="50800">
+            <a:solidFill>
+              <a:schemeClr val="tx1">
+                <a:lumMod val="50000"/>
+                <a:lumOff val="50000"/>
+              </a:schemeClr>
+            </a:solidFill>
+            <a:prstDash val="sysDash"/>
+            <a:headEnd type="none" w="lg" len="lg"/>
+            <a:tailEnd type="triangle" w="lg" len="lg"/>
+          </a:ln>
+        </p:spPr>
+        <p:style>
+          <a:lnRef idx="1">
+            <a:schemeClr val="accent1"/>
+          </a:lnRef>
+          <a:fillRef idx="0">
+            <a:schemeClr val="accent1"/>
+          </a:fillRef>
+          <a:effectRef idx="0">
+            <a:schemeClr val="accent1"/>
+          </a:effectRef>
+          <a:fontRef idx="minor">
+            <a:schemeClr val="tx1"/>
+          </a:fontRef>
+        </p:style>
+      </p:cxnSp>
+      <p:cxnSp>
+        <p:nvCxnSpPr>
+          <p:cNvPr id="48" name="直線矢印コネクタ 73"/>
+          <p:cNvCxnSpPr/>
+          <p:nvPr/>
+        </p:nvCxnSpPr>
+        <p:spPr bwMode="invGray">
+          <a:xfrm flipV="1">
+            <a:off x="6588224" y="2954886"/>
+            <a:ext cx="386680" cy="677785"/>
+          </a:xfrm>
+          <a:prstGeom prst="straightConnector1">
+            <a:avLst/>
+          </a:prstGeom>
+          <a:ln w="50800">
+            <a:solidFill>
+              <a:schemeClr val="tx2">
+                <a:lumMod val="40000"/>
+                <a:lumOff val="60000"/>
+              </a:schemeClr>
+            </a:solidFill>
+            <a:headEnd type="triangle" w="lg" len="lg"/>
+            <a:tailEnd type="triangle" w="lg" len="lg"/>
+          </a:ln>
+        </p:spPr>
+        <p:style>
+          <a:lnRef idx="1">
+            <a:schemeClr val="accent1"/>
+          </a:lnRef>
+          <a:fillRef idx="0">
+            <a:schemeClr val="accent1"/>
+          </a:fillRef>
+          <a:effectRef idx="0">
+            <a:schemeClr val="accent1"/>
+          </a:effectRef>
+          <a:fontRef idx="minor">
+            <a:schemeClr val="tx1"/>
+          </a:fontRef>
+        </p:style>
+      </p:cxnSp>
+      <p:cxnSp>
+        <p:nvCxnSpPr>
+          <p:cNvPr id="51" name="直線矢印コネクタ 73"/>
+          <p:cNvCxnSpPr>
+            <a:endCxn id="38" idx="2"/>
+          </p:cNvCxnSpPr>
+          <p:nvPr/>
+        </p:nvCxnSpPr>
+        <p:spPr bwMode="invGray">
+          <a:xfrm flipV="1">
+            <a:off x="7763198" y="2955055"/>
+            <a:ext cx="0" cy="651411"/>
+          </a:xfrm>
+          <a:prstGeom prst="straightConnector1">
+            <a:avLst/>
+          </a:prstGeom>
+          <a:ln w="50800">
+            <a:solidFill>
+              <a:schemeClr val="tx1">
+                <a:lumMod val="50000"/>
+                <a:lumOff val="50000"/>
+              </a:schemeClr>
+            </a:solidFill>
+            <a:prstDash val="sysDash"/>
+            <a:headEnd type="none" w="lg" len="lg"/>
+            <a:tailEnd type="triangle" w="lg" len="lg"/>
+          </a:ln>
+        </p:spPr>
+        <p:style>
+          <a:lnRef idx="1">
+            <a:schemeClr val="accent1"/>
+          </a:lnRef>
+          <a:fillRef idx="0">
+            <a:schemeClr val="accent1"/>
+          </a:fillRef>
+          <a:effectRef idx="0">
+            <a:schemeClr val="accent1"/>
+          </a:effectRef>
+          <a:fontRef idx="minor">
+            <a:schemeClr val="tx1"/>
+          </a:fontRef>
+        </p:style>
+      </p:cxnSp>
+      <p:cxnSp>
+        <p:nvCxnSpPr>
+          <p:cNvPr id="58" name="直線矢印コネクタ 57"/>
+          <p:cNvCxnSpPr>
+            <a:stCxn id="40" idx="1"/>
+            <a:endCxn id="67" idx="3"/>
+          </p:cNvCxnSpPr>
+          <p:nvPr/>
+        </p:nvCxnSpPr>
+        <p:spPr bwMode="invGray">
+          <a:xfrm flipH="1" flipV="1">
+            <a:off x="1095826" y="2466563"/>
+            <a:ext cx="1001624" cy="911"/>
+          </a:xfrm>
+          <a:prstGeom prst="straightConnector1">
+            <a:avLst/>
+          </a:prstGeom>
+          <a:ln w="50800">
+            <a:solidFill>
+              <a:schemeClr val="tx2">
+                <a:lumMod val="40000"/>
+                <a:lumOff val="60000"/>
+              </a:schemeClr>
+            </a:solidFill>
+            <a:headEnd type="triangle" w="lg" len="lg"/>
+            <a:tailEnd type="triangle" w="lg" len="lg"/>
+          </a:ln>
+        </p:spPr>
+        <p:style>
+          <a:lnRef idx="1">
+            <a:schemeClr val="accent1"/>
+          </a:lnRef>
+          <a:fillRef idx="0">
+            <a:schemeClr val="accent1"/>
+          </a:fillRef>
+          <a:effectRef idx="0">
+            <a:schemeClr val="accent1"/>
+          </a:effectRef>
+          <a:fontRef idx="minor">
+            <a:schemeClr val="tx1"/>
+          </a:fontRef>
+        </p:style>
+      </p:cxnSp>
+      <p:sp>
+        <p:nvSpPr>
+          <p:cNvPr id="61" name="正方形/長方形 60"/>
+          <p:cNvSpPr/>
+          <p:nvPr/>
+        </p:nvSpPr>
+        <p:spPr>
+          <a:xfrm>
+            <a:off x="4783189" y="1758425"/>
+            <a:ext cx="4037283" cy="3111403"/>
+          </a:xfrm>
+          <a:prstGeom prst="rect">
+            <a:avLst/>
+          </a:prstGeom>
+          <a:noFill/>
+          <a:ln w="63500">
+            <a:solidFill>
+              <a:schemeClr val="accent6">
+                <a:lumMod val="60000"/>
+                <a:lumOff val="40000"/>
+              </a:schemeClr>
+            </a:solidFill>
+            <a:prstDash val="solid"/>
+            <a:miter lim="800000"/>
+          </a:ln>
+          <a:effectLst/>
+        </p:spPr>
+        <p:style>
+          <a:lnRef idx="1">
+            <a:schemeClr val="accent1"/>
+          </a:lnRef>
+          <a:fillRef idx="3">
+            <a:schemeClr val="accent1"/>
+          </a:fillRef>
+          <a:effectRef idx="2">
+            <a:schemeClr val="accent1"/>
+          </a:effectRef>
+          <a:fontRef idx="minor">
+            <a:schemeClr val="lt1"/>
+          </a:fontRef>
+        </p:style>
+        <p:txBody>
+          <a:bodyPr rtlCol="0" anchor="b" anchorCtr="1"/>
+          <a:lstStyle/>
+          <a:p>
+            <a:pPr algn="ctr"/>
+            <a:endParaRPr kumimoji="1" lang="en-US" altLang="ja-JP" sz="2000" dirty="0" smtClean="0">
+              <a:solidFill>
+                <a:schemeClr val="tx1">
+                  <a:lumMod val="50000"/>
+                  <a:lumOff val="50000"/>
+                </a:schemeClr>
+              </a:solidFill>
+            </a:endParaRPr>
+          </a:p>
+        </p:txBody>
+      </p:sp>
+      <p:cxnSp>
+        <p:nvCxnSpPr>
+          <p:cNvPr id="62" name="直線矢印コネクタ 73"/>
+          <p:cNvCxnSpPr>
+            <a:stCxn id="25" idx="3"/>
+            <a:endCxn id="36" idx="1"/>
+          </p:cNvCxnSpPr>
+          <p:nvPr/>
+        </p:nvCxnSpPr>
+        <p:spPr bwMode="invGray">
+          <a:xfrm flipV="1">
+            <a:off x="3727714" y="2468735"/>
+            <a:ext cx="1204686" cy="1591693"/>
+          </a:xfrm>
+          <a:prstGeom prst="bentConnector3">
+            <a:avLst>
+              <a:gd name="adj1" fmla="val 50000"/>
+            </a:avLst>
+          </a:prstGeom>
+          <a:ln w="50800">
+            <a:solidFill>
+              <a:schemeClr val="tx2">
+                <a:lumMod val="40000"/>
+                <a:lumOff val="60000"/>
+              </a:schemeClr>
+            </a:solidFill>
+            <a:headEnd type="triangle" w="lg" len="lg"/>
+            <a:tailEnd type="triangle" w="lg" len="lg"/>
+          </a:ln>
+        </p:spPr>
+        <p:style>
+          <a:lnRef idx="1">
+            <a:schemeClr val="accent1"/>
+          </a:lnRef>
+          <a:fillRef idx="0">
+            <a:schemeClr val="accent1"/>
+          </a:fillRef>
+          <a:effectRef idx="0">
+            <a:schemeClr val="accent1"/>
+          </a:effectRef>
+          <a:fontRef idx="minor">
+            <a:schemeClr val="tx1"/>
+          </a:fontRef>
+        </p:style>
+      </p:cxnSp>
+      <p:sp>
+        <p:nvSpPr>
+          <p:cNvPr id="66" name="テキスト ボックス 65"/>
+          <p:cNvSpPr txBox="1"/>
+          <p:nvPr/>
+        </p:nvSpPr>
+        <p:spPr>
+          <a:xfrm>
+            <a:off x="3968220" y="1941359"/>
+            <a:ext cx="723275" cy="461665"/>
+          </a:xfrm>
+          <a:prstGeom prst="rect">
+            <a:avLst/>
+          </a:prstGeom>
+          <a:noFill/>
+        </p:spPr>
+        <p:txBody>
+          <a:bodyPr wrap="none" rtlCol="0">
+            <a:spAutoFit/>
+          </a:bodyPr>
+          <a:lstStyle/>
+          <a:p>
+            <a:r>
+              <a:rPr kumimoji="1" lang="ja-JP" altLang="en-US" sz="2400" dirty="0" smtClean="0">
+                <a:solidFill>
+                  <a:schemeClr val="tx1">
+                    <a:lumMod val="65000"/>
+                    <a:lumOff val="35000"/>
+                  </a:schemeClr>
+                </a:solidFill>
+                <a:latin typeface="HGP創英角ｺﾞｼｯｸUB" panose="020B0900000000000000" pitchFamily="50" charset="-128"/>
+                <a:ea typeface="HGP創英角ｺﾞｼｯｸUB" panose="020B0900000000000000" pitchFamily="50" charset="-128"/>
+              </a:rPr>
+              <a:t>（２）</a:t>
+            </a:r>
+            <a:endParaRPr kumimoji="1" lang="ja-JP" altLang="en-US" sz="2400" dirty="0">
+              <a:solidFill>
+                <a:schemeClr val="tx1">
+                  <a:lumMod val="65000"/>
+                  <a:lumOff val="35000"/>
+                </a:schemeClr>
+              </a:solidFill>
+              <a:latin typeface="HGP創英角ｺﾞｼｯｸUB" panose="020B0900000000000000" pitchFamily="50" charset="-128"/>
+              <a:ea typeface="HGP創英角ｺﾞｼｯｸUB" panose="020B0900000000000000" pitchFamily="50" charset="-128"/>
+            </a:endParaRPr>
+          </a:p>
+        </p:txBody>
+      </p:sp>
+      <p:sp>
+        <p:nvSpPr>
+          <p:cNvPr id="69" name="テキスト ボックス 68"/>
+          <p:cNvSpPr txBox="1"/>
+          <p:nvPr/>
+        </p:nvSpPr>
+        <p:spPr>
+          <a:xfrm>
+            <a:off x="1071319" y="1917671"/>
+            <a:ext cx="723275" cy="461665"/>
+          </a:xfrm>
+          <a:prstGeom prst="rect">
+            <a:avLst/>
+          </a:prstGeom>
+          <a:noFill/>
+        </p:spPr>
+        <p:txBody>
+          <a:bodyPr wrap="none" rtlCol="0">
+            <a:spAutoFit/>
+          </a:bodyPr>
+          <a:lstStyle/>
+          <a:p>
+            <a:r>
+              <a:rPr kumimoji="1" lang="ja-JP" altLang="en-US" sz="2400" dirty="0" smtClean="0">
+                <a:solidFill>
+                  <a:schemeClr val="tx1">
+                    <a:lumMod val="65000"/>
+                    <a:lumOff val="35000"/>
+                  </a:schemeClr>
+                </a:solidFill>
+                <a:latin typeface="HGP創英角ｺﾞｼｯｸUB" panose="020B0900000000000000" pitchFamily="50" charset="-128"/>
+                <a:ea typeface="HGP創英角ｺﾞｼｯｸUB" panose="020B0900000000000000" pitchFamily="50" charset="-128"/>
+              </a:rPr>
+              <a:t>（１）</a:t>
+            </a:r>
+            <a:endParaRPr kumimoji="1" lang="ja-JP" altLang="en-US" sz="2400" dirty="0">
+              <a:solidFill>
+                <a:schemeClr val="tx1">
+                  <a:lumMod val="65000"/>
+                  <a:lumOff val="35000"/>
+                </a:schemeClr>
+              </a:solidFill>
+              <a:latin typeface="HGP創英角ｺﾞｼｯｸUB" panose="020B0900000000000000" pitchFamily="50" charset="-128"/>
+              <a:ea typeface="HGP創英角ｺﾞｼｯｸUB" panose="020B0900000000000000" pitchFamily="50" charset="-128"/>
+            </a:endParaRPr>
+          </a:p>
+        </p:txBody>
+      </p:sp>
+      <p:sp>
+        <p:nvSpPr>
+          <p:cNvPr id="70" name="テキスト ボックス 69"/>
+          <p:cNvSpPr txBox="1"/>
+          <p:nvPr/>
+        </p:nvSpPr>
+        <p:spPr>
+          <a:xfrm>
+            <a:off x="6866324" y="3128033"/>
+            <a:ext cx="723275" cy="461665"/>
+          </a:xfrm>
+          <a:prstGeom prst="rect">
+            <a:avLst/>
+          </a:prstGeom>
+          <a:noFill/>
+        </p:spPr>
+        <p:txBody>
+          <a:bodyPr wrap="none" rtlCol="0">
+            <a:spAutoFit/>
+          </a:bodyPr>
+          <a:lstStyle/>
+          <a:p>
+            <a:r>
+              <a:rPr kumimoji="1" lang="ja-JP" altLang="en-US" sz="2400" dirty="0" smtClean="0">
+                <a:solidFill>
+                  <a:schemeClr val="tx1">
+                    <a:lumMod val="65000"/>
+                    <a:lumOff val="35000"/>
+                  </a:schemeClr>
+                </a:solidFill>
+                <a:latin typeface="HGP創英角ｺﾞｼｯｸUB" panose="020B0900000000000000" pitchFamily="50" charset="-128"/>
+                <a:ea typeface="HGP創英角ｺﾞｼｯｸUB" panose="020B0900000000000000" pitchFamily="50" charset="-128"/>
+              </a:rPr>
+              <a:t>（３）</a:t>
+            </a:r>
+            <a:endParaRPr kumimoji="1" lang="ja-JP" altLang="en-US" sz="2400" dirty="0">
+              <a:solidFill>
+                <a:schemeClr val="tx1">
+                  <a:lumMod val="65000"/>
+                  <a:lumOff val="35000"/>
+                </a:schemeClr>
+              </a:solidFill>
+              <a:latin typeface="HGP創英角ｺﾞｼｯｸUB" panose="020B0900000000000000" pitchFamily="50" charset="-128"/>
+              <a:ea typeface="HGP創英角ｺﾞｼｯｸUB" panose="020B0900000000000000" pitchFamily="50" charset="-128"/>
+            </a:endParaRPr>
+          </a:p>
+        </p:txBody>
+      </p:sp>
+      <p:sp>
+        <p:nvSpPr>
+          <p:cNvPr id="25" name="正方形/長方形 24"/>
+          <p:cNvSpPr/>
+          <p:nvPr/>
+        </p:nvSpPr>
+        <p:spPr>
+          <a:xfrm>
+            <a:off x="2097847" y="3573016"/>
+            <a:ext cx="1629867" cy="974823"/>
+          </a:xfrm>
+          <a:prstGeom prst="rect">
+            <a:avLst/>
+          </a:prstGeom>
+          <a:solidFill>
+            <a:schemeClr val="accent6">
+              <a:lumMod val="60000"/>
+              <a:lumOff val="40000"/>
+            </a:schemeClr>
+          </a:solidFill>
+          <a:ln>
+            <a:noFill/>
+          </a:ln>
+        </p:spPr>
+        <p:style>
+          <a:lnRef idx="2">
+            <a:schemeClr val="accent1">
+              <a:shade val="50000"/>
+            </a:schemeClr>
+          </a:lnRef>
+          <a:fillRef idx="1">
+            <a:schemeClr val="accent1"/>
+          </a:fillRef>
+          <a:effectRef idx="0">
+            <a:schemeClr val="accent1"/>
+          </a:effectRef>
+          <a:fontRef idx="minor">
+            <a:schemeClr val="lt1"/>
+          </a:fontRef>
+        </p:style>
+        <p:txBody>
+          <a:bodyPr rtlCol="0" anchor="ctr"/>
+          <a:lstStyle/>
+          <a:p>
+            <a:pPr algn="ctr"/>
+            <a:r>
+              <a:rPr lang="en-US" altLang="ja-JP" dirty="0" err="1">
+                <a:solidFill>
+                  <a:schemeClr val="tx1">
+                    <a:lumMod val="75000"/>
+                    <a:lumOff val="25000"/>
+                  </a:schemeClr>
+                </a:solidFill>
+                <a:latin typeface="HGP創英角ｺﾞｼｯｸUB" panose="020B0900000000000000" pitchFamily="50" charset="-128"/>
+                <a:ea typeface="HGP創英角ｺﾞｼｯｸUB" panose="020B0900000000000000" pitchFamily="50" charset="-128"/>
+              </a:rPr>
+              <a:t>FilterSecurity</a:t>
+            </a:r>
+            <a:endParaRPr lang="en-US" altLang="ja-JP" dirty="0">
+              <a:solidFill>
+                <a:schemeClr val="tx1">
+                  <a:lumMod val="75000"/>
+                  <a:lumOff val="25000"/>
+                </a:schemeClr>
+              </a:solidFill>
+              <a:latin typeface="HGP創英角ｺﾞｼｯｸUB" panose="020B0900000000000000" pitchFamily="50" charset="-128"/>
+              <a:ea typeface="HGP創英角ｺﾞｼｯｸUB" panose="020B0900000000000000" pitchFamily="50" charset="-128"/>
+            </a:endParaRPr>
+          </a:p>
+          <a:p>
+            <a:pPr algn="ctr"/>
+            <a:r>
+              <a:rPr lang="en-US" altLang="ja-JP" dirty="0">
+                <a:solidFill>
+                  <a:schemeClr val="tx1">
+                    <a:lumMod val="75000"/>
+                    <a:lumOff val="25000"/>
+                  </a:schemeClr>
+                </a:solidFill>
+                <a:latin typeface="HGP創英角ｺﾞｼｯｸUB" panose="020B0900000000000000" pitchFamily="50" charset="-128"/>
+                <a:ea typeface="HGP創英角ｺﾞｼｯｸUB" panose="020B0900000000000000" pitchFamily="50" charset="-128"/>
+              </a:rPr>
+              <a:t>Interceptor</a:t>
+            </a:r>
+          </a:p>
+        </p:txBody>
+      </p:sp>
+      <p:cxnSp>
+        <p:nvCxnSpPr>
+          <p:cNvPr id="33" name="直線矢印コネクタ 73"/>
+          <p:cNvCxnSpPr>
+            <a:stCxn id="40" idx="2"/>
+            <a:endCxn id="25" idx="0"/>
+          </p:cNvCxnSpPr>
+          <p:nvPr/>
+        </p:nvCxnSpPr>
+        <p:spPr bwMode="invGray">
+          <a:xfrm>
+            <a:off x="2912384" y="2954885"/>
+            <a:ext cx="397" cy="618131"/>
+          </a:xfrm>
+          <a:prstGeom prst="straightConnector1">
+            <a:avLst/>
+          </a:prstGeom>
+          <a:ln w="50800">
+            <a:solidFill>
+              <a:schemeClr val="tx2">
+                <a:lumMod val="40000"/>
+                <a:lumOff val="60000"/>
+              </a:schemeClr>
+            </a:solidFill>
+            <a:headEnd type="triangle" w="lg" len="lg"/>
+            <a:tailEnd type="triangle" w="lg" len="lg"/>
+          </a:ln>
+        </p:spPr>
+        <p:style>
+          <a:lnRef idx="1">
+            <a:schemeClr val="accent1"/>
+          </a:lnRef>
+          <a:fillRef idx="0">
+            <a:schemeClr val="accent1"/>
+          </a:fillRef>
+          <a:effectRef idx="0">
+            <a:schemeClr val="accent1"/>
+          </a:effectRef>
+          <a:fontRef idx="minor">
+            <a:schemeClr val="tx1"/>
+          </a:fontRef>
+        </p:style>
+      </p:cxnSp>
+      <p:sp>
+        <p:nvSpPr>
+          <p:cNvPr id="42" name="円形吹き出し 41"/>
+          <p:cNvSpPr/>
+          <p:nvPr/>
+        </p:nvSpPr>
+        <p:spPr>
+          <a:xfrm>
+            <a:off x="5598448" y="5031057"/>
+            <a:ext cx="2235225" cy="898401"/>
+          </a:xfrm>
+          <a:prstGeom prst="wedgeEllipseCallout">
+            <a:avLst>
+              <a:gd name="adj1" fmla="val 920"/>
+              <a:gd name="adj2" fmla="val -73425"/>
+            </a:avLst>
+          </a:prstGeom>
+          <a:solidFill>
+            <a:schemeClr val="accent6">
+              <a:lumMod val="60000"/>
+              <a:lumOff val="40000"/>
+            </a:schemeClr>
+          </a:solidFill>
+          <a:ln w="12700">
+            <a:solidFill>
+              <a:schemeClr val="accent6">
+                <a:lumMod val="40000"/>
+                <a:lumOff val="60000"/>
+              </a:schemeClr>
+            </a:solidFill>
+          </a:ln>
+          <a:effectLst/>
+        </p:spPr>
+        <p:style>
+          <a:lnRef idx="3">
+            <a:schemeClr val="lt1"/>
+          </a:lnRef>
+          <a:fillRef idx="1">
+            <a:schemeClr val="accent6"/>
+          </a:fillRef>
+          <a:effectRef idx="1">
+            <a:schemeClr val="accent6"/>
+          </a:effectRef>
+          <a:fontRef idx="minor">
+            <a:schemeClr val="lt1"/>
+          </a:fontRef>
+        </p:style>
+        <p:txBody>
+          <a:bodyPr rtlCol="0" anchor="ctr"/>
+          <a:lstStyle/>
+          <a:p>
+            <a:pPr algn="ctr"/>
+            <a:r>
+              <a:rPr lang="en-US" altLang="ja-JP" dirty="0">
+                <a:solidFill>
+                  <a:schemeClr val="tx1">
+                    <a:lumMod val="75000"/>
+                    <a:lumOff val="25000"/>
+                  </a:schemeClr>
+                </a:solidFill>
+                <a:latin typeface="HGP創英角ｺﾞｼｯｸUB" panose="020B0900000000000000" pitchFamily="50" charset="-128"/>
+                <a:ea typeface="HGP創英角ｺﾞｼｯｸUB" panose="020B0900000000000000" pitchFamily="50" charset="-128"/>
+              </a:rPr>
+              <a:t>Provide an </a:t>
+            </a:r>
+            <a:r>
+              <a:rPr lang="en-US" altLang="ja-JP" dirty="0" smtClean="0">
+                <a:solidFill>
+                  <a:schemeClr val="tx1">
+                    <a:lumMod val="75000"/>
+                    <a:lumOff val="25000"/>
+                  </a:schemeClr>
+                </a:solidFill>
+                <a:latin typeface="HGP創英角ｺﾞｼｯｸUB" panose="020B0900000000000000" pitchFamily="50" charset="-128"/>
+                <a:ea typeface="HGP創英角ｺﾞｼｯｸUB" panose="020B0900000000000000" pitchFamily="50" charset="-128"/>
+              </a:rPr>
+              <a:t>authorization </a:t>
+            </a:r>
+            <a:r>
+              <a:rPr lang="en-US" altLang="ja-JP" dirty="0">
+                <a:solidFill>
+                  <a:schemeClr val="tx1">
+                    <a:lumMod val="75000"/>
+                    <a:lumOff val="25000"/>
+                  </a:schemeClr>
+                </a:solidFill>
+                <a:latin typeface="HGP創英角ｺﾞｼｯｸUB" panose="020B0900000000000000" pitchFamily="50" charset="-128"/>
+                <a:ea typeface="HGP創英角ｺﾞｼｯｸUB" panose="020B0900000000000000" pitchFamily="50" charset="-128"/>
+              </a:rPr>
+              <a:t>process</a:t>
+            </a:r>
+          </a:p>
+        </p:txBody>
+      </p:sp>
+      <p:sp>
+        <p:nvSpPr>
+          <p:cNvPr id="43" name="円形吹き出し 42"/>
+          <p:cNvSpPr/>
+          <p:nvPr/>
+        </p:nvSpPr>
+        <p:spPr>
+          <a:xfrm>
+            <a:off x="395536" y="4558388"/>
+            <a:ext cx="2276540" cy="909738"/>
+          </a:xfrm>
+          <a:prstGeom prst="wedgeEllipseCallout">
+            <a:avLst>
+              <a:gd name="adj1" fmla="val 27207"/>
+              <a:gd name="adj2" fmla="val -63317"/>
+            </a:avLst>
+          </a:prstGeom>
+          <a:solidFill>
+            <a:schemeClr val="accent6">
+              <a:lumMod val="60000"/>
+              <a:lumOff val="40000"/>
+            </a:schemeClr>
+          </a:solidFill>
+          <a:ln w="12700">
+            <a:solidFill>
+              <a:schemeClr val="accent6">
+                <a:lumMod val="40000"/>
+                <a:lumOff val="60000"/>
+              </a:schemeClr>
+            </a:solidFill>
+          </a:ln>
+          <a:effectLst/>
+        </p:spPr>
+        <p:style>
+          <a:lnRef idx="3">
+            <a:schemeClr val="lt1"/>
+          </a:lnRef>
+          <a:fillRef idx="1">
+            <a:schemeClr val="accent6"/>
+          </a:fillRef>
+          <a:effectRef idx="1">
+            <a:schemeClr val="accent6"/>
+          </a:effectRef>
+          <a:fontRef idx="minor">
+            <a:schemeClr val="lt1"/>
+          </a:fontRef>
+        </p:style>
+        <p:txBody>
+          <a:bodyPr rtlCol="0" anchor="ctr"/>
+          <a:lstStyle/>
+          <a:p>
+            <a:pPr algn="ctr"/>
+            <a:r>
+              <a:rPr lang="ja-JP" altLang="en-US" dirty="0" smtClean="0">
+                <a:solidFill>
+                  <a:schemeClr val="tx1">
+                    <a:lumMod val="75000"/>
+                    <a:lumOff val="25000"/>
+                  </a:schemeClr>
+                </a:solidFill>
+                <a:latin typeface="HGP創英角ｺﾞｼｯｸUB" panose="020B0900000000000000" pitchFamily="50" charset="-128"/>
+                <a:ea typeface="HGP創英角ｺﾞｼｯｸUB" panose="020B0900000000000000" pitchFamily="50" charset="-128"/>
+              </a:rPr>
+              <a:t>リソースのアクセスポリシーの連携</a:t>
+            </a:r>
+            <a:endParaRPr lang="en-US" altLang="ja-JP" dirty="0" smtClean="0">
+              <a:solidFill>
+                <a:schemeClr val="tx1">
+                  <a:lumMod val="75000"/>
+                  <a:lumOff val="25000"/>
+                </a:schemeClr>
+              </a:solidFill>
+              <a:latin typeface="HGP創英角ｺﾞｼｯｸUB" panose="020B0900000000000000" pitchFamily="50" charset="-128"/>
+              <a:ea typeface="HGP創英角ｺﾞｼｯｸUB" panose="020B0900000000000000" pitchFamily="50" charset="-128"/>
+            </a:endParaRPr>
+          </a:p>
+        </p:txBody>
+      </p:sp>
+      <p:sp>
+        <p:nvSpPr>
+          <p:cNvPr id="45" name="円形吹き出し 44"/>
+          <p:cNvSpPr/>
+          <p:nvPr/>
+        </p:nvSpPr>
+        <p:spPr>
+          <a:xfrm>
+            <a:off x="395536" y="3052055"/>
+            <a:ext cx="1732921" cy="736986"/>
+          </a:xfrm>
+          <a:prstGeom prst="wedgeEllipseCallout">
+            <a:avLst>
+              <a:gd name="adj1" fmla="val 44769"/>
+              <a:gd name="adj2" fmla="val -61691"/>
+            </a:avLst>
+          </a:prstGeom>
+          <a:solidFill>
+            <a:schemeClr val="accent6">
+              <a:lumMod val="60000"/>
+              <a:lumOff val="40000"/>
+            </a:schemeClr>
+          </a:solidFill>
+          <a:ln w="12700">
+            <a:solidFill>
+              <a:schemeClr val="accent6">
+                <a:lumMod val="40000"/>
+                <a:lumOff val="60000"/>
+              </a:schemeClr>
+            </a:solidFill>
+          </a:ln>
+          <a:effectLst/>
+        </p:spPr>
+        <p:style>
+          <a:lnRef idx="3">
+            <a:schemeClr val="lt1"/>
+          </a:lnRef>
+          <a:fillRef idx="1">
+            <a:schemeClr val="accent6"/>
+          </a:fillRef>
+          <a:effectRef idx="1">
+            <a:schemeClr val="accent6"/>
+          </a:effectRef>
+          <a:fontRef idx="minor">
+            <a:schemeClr val="lt1"/>
+          </a:fontRef>
+        </p:style>
+        <p:txBody>
+          <a:bodyPr rtlCol="0" anchor="ctr"/>
+          <a:lstStyle/>
+          <a:p>
+            <a:pPr algn="ctr"/>
+            <a:r>
+              <a:rPr lang="en-US" altLang="ja-JP" dirty="0">
+                <a:solidFill>
+                  <a:schemeClr val="tx1">
+                    <a:lumMod val="75000"/>
+                    <a:lumOff val="25000"/>
+                  </a:schemeClr>
+                </a:solidFill>
+                <a:latin typeface="HGP創英角ｺﾞｼｯｸUB" panose="020B0900000000000000" pitchFamily="50" charset="-128"/>
+                <a:ea typeface="HGP創英角ｺﾞｼｯｸUB" panose="020B0900000000000000" pitchFamily="50" charset="-128"/>
+              </a:rPr>
+              <a:t>Handling </a:t>
+            </a:r>
+            <a:r>
+              <a:rPr lang="en-US" altLang="ja-JP" dirty="0" smtClean="0">
+                <a:solidFill>
+                  <a:schemeClr val="tx1">
+                    <a:lumMod val="75000"/>
+                    <a:lumOff val="25000"/>
+                  </a:schemeClr>
+                </a:solidFill>
+                <a:latin typeface="HGP創英角ｺﾞｼｯｸUB" panose="020B0900000000000000" pitchFamily="50" charset="-128"/>
+                <a:ea typeface="HGP創英角ｺﾞｼｯｸUB" panose="020B0900000000000000" pitchFamily="50" charset="-128"/>
+              </a:rPr>
+              <a:t>exception</a:t>
+            </a:r>
+            <a:endParaRPr lang="ja-JP" altLang="en-US" dirty="0">
+              <a:solidFill>
+                <a:schemeClr val="tx1">
+                  <a:lumMod val="75000"/>
+                  <a:lumOff val="25000"/>
+                </a:schemeClr>
+              </a:solidFill>
+              <a:latin typeface="HGP創英角ｺﾞｼｯｸUB" panose="020B0900000000000000" pitchFamily="50" charset="-128"/>
+              <a:ea typeface="HGP創英角ｺﾞｼｯｸUB" panose="020B0900000000000000" pitchFamily="50" charset="-128"/>
+            </a:endParaRPr>
+          </a:p>
+        </p:txBody>
+      </p:sp>
+      <p:sp>
+        <p:nvSpPr>
+          <p:cNvPr id="46" name="正方形/長方形 45"/>
+          <p:cNvSpPr/>
+          <p:nvPr/>
+        </p:nvSpPr>
+        <p:spPr>
+          <a:xfrm>
+            <a:off x="2153342" y="5473799"/>
+            <a:ext cx="1516462" cy="517324"/>
+          </a:xfrm>
+          <a:prstGeom prst="rect">
+            <a:avLst/>
+          </a:prstGeom>
+          <a:solidFill>
+            <a:schemeClr val="bg1"/>
+          </a:solidFill>
+          <a:ln w="60325">
+            <a:solidFill>
+              <a:schemeClr val="bg1">
+                <a:lumMod val="65000"/>
+              </a:schemeClr>
+            </a:solidFill>
+            <a:miter lim="800000"/>
+          </a:ln>
+          <a:effectLst/>
+        </p:spPr>
+        <p:style>
+          <a:lnRef idx="1">
+            <a:schemeClr val="accent1"/>
+          </a:lnRef>
+          <a:fillRef idx="3">
+            <a:schemeClr val="accent1"/>
+          </a:fillRef>
+          <a:effectRef idx="2">
+            <a:schemeClr val="accent1"/>
+          </a:effectRef>
+          <a:fontRef idx="minor">
+            <a:schemeClr val="lt1"/>
+          </a:fontRef>
+        </p:style>
+        <p:txBody>
+          <a:bodyPr rtlCol="0" anchor="t" anchorCtr="0"/>
+          <a:lstStyle/>
+          <a:p>
+            <a:pPr algn="ctr"/>
+            <a:r>
+              <a:rPr kumimoji="1" lang="en-US" altLang="ja-JP" sz="2000" dirty="0" smtClean="0">
+                <a:solidFill>
+                  <a:schemeClr val="tx1">
+                    <a:lumMod val="50000"/>
+                    <a:lumOff val="50000"/>
+                  </a:schemeClr>
+                </a:solidFill>
+              </a:rPr>
+              <a:t>Resource</a:t>
+            </a:r>
+            <a:endParaRPr kumimoji="1" lang="en-US" altLang="ja-JP" sz="2000" dirty="0" smtClean="0">
+              <a:solidFill>
+                <a:schemeClr val="tx1">
+                  <a:lumMod val="50000"/>
+                  <a:lumOff val="50000"/>
+                </a:schemeClr>
+              </a:solidFill>
+            </a:endParaRPr>
+          </a:p>
+        </p:txBody>
+      </p:sp>
+      <p:cxnSp>
+        <p:nvCxnSpPr>
+          <p:cNvPr id="47" name="直線矢印コネクタ 73"/>
+          <p:cNvCxnSpPr>
+            <a:stCxn id="25" idx="2"/>
+            <a:endCxn id="46" idx="0"/>
+          </p:cNvCxnSpPr>
+          <p:nvPr/>
+        </p:nvCxnSpPr>
+        <p:spPr bwMode="invGray">
+          <a:xfrm rot="5400000">
+            <a:off x="2449197" y="5010215"/>
+            <a:ext cx="925960" cy="1208"/>
+          </a:xfrm>
+          <a:prstGeom prst="bentConnector3">
+            <a:avLst>
+              <a:gd name="adj1" fmla="val 50000"/>
+            </a:avLst>
+          </a:prstGeom>
+          <a:ln w="50800">
+            <a:solidFill>
+              <a:schemeClr val="tx2">
+                <a:lumMod val="40000"/>
+                <a:lumOff val="60000"/>
+              </a:schemeClr>
+            </a:solidFill>
+            <a:headEnd type="triangle" w="lg" len="lg"/>
+            <a:tailEnd type="triangle" w="lg" len="lg"/>
+          </a:ln>
+        </p:spPr>
+        <p:style>
+          <a:lnRef idx="1">
+            <a:schemeClr val="accent1"/>
+          </a:lnRef>
+          <a:fillRef idx="0">
+            <a:schemeClr val="accent1"/>
+          </a:fillRef>
+          <a:effectRef idx="0">
+            <a:schemeClr val="accent1"/>
+          </a:effectRef>
+          <a:fontRef idx="minor">
+            <a:schemeClr val="tx1"/>
+          </a:fontRef>
+        </p:style>
+      </p:cxnSp>
+      <p:sp>
+        <p:nvSpPr>
+          <p:cNvPr id="49" name="テキスト ボックス 48"/>
+          <p:cNvSpPr txBox="1"/>
+          <p:nvPr/>
+        </p:nvSpPr>
+        <p:spPr>
+          <a:xfrm>
+            <a:off x="2914319" y="4869829"/>
+            <a:ext cx="723275" cy="461665"/>
+          </a:xfrm>
+          <a:prstGeom prst="rect">
+            <a:avLst/>
+          </a:prstGeom>
+          <a:noFill/>
+        </p:spPr>
+        <p:txBody>
+          <a:bodyPr wrap="none" rtlCol="0">
+            <a:spAutoFit/>
+          </a:bodyPr>
+          <a:lstStyle/>
+          <a:p>
+            <a:r>
+              <a:rPr kumimoji="1" lang="ja-JP" altLang="en-US" sz="2400" dirty="0" smtClean="0">
+                <a:solidFill>
+                  <a:schemeClr val="tx1">
+                    <a:lumMod val="65000"/>
+                    <a:lumOff val="35000"/>
+                  </a:schemeClr>
+                </a:solidFill>
+                <a:latin typeface="HGP創英角ｺﾞｼｯｸUB" panose="020B0900000000000000" pitchFamily="50" charset="-128"/>
+                <a:ea typeface="HGP創英角ｺﾞｼｯｸUB" panose="020B0900000000000000" pitchFamily="50" charset="-128"/>
+              </a:rPr>
+              <a:t>（４）</a:t>
+            </a:r>
+            <a:endParaRPr kumimoji="1" lang="ja-JP" altLang="en-US" sz="2400" dirty="0">
+              <a:solidFill>
+                <a:schemeClr val="tx1">
+                  <a:lumMod val="65000"/>
+                  <a:lumOff val="35000"/>
+                </a:schemeClr>
+              </a:solidFill>
+              <a:latin typeface="HGP創英角ｺﾞｼｯｸUB" panose="020B0900000000000000" pitchFamily="50" charset="-128"/>
+              <a:ea typeface="HGP創英角ｺﾞｼｯｸUB" panose="020B0900000000000000" pitchFamily="50" charset="-128"/>
+            </a:endParaRPr>
+          </a:p>
+        </p:txBody>
+      </p:sp>
+      <p:sp>
+        <p:nvSpPr>
+          <p:cNvPr id="52" name="正方形/長方形 51"/>
+          <p:cNvSpPr/>
+          <p:nvPr/>
+        </p:nvSpPr>
+        <p:spPr>
+          <a:xfrm>
+            <a:off x="4947117" y="3620540"/>
+            <a:ext cx="1756616" cy="974823"/>
+          </a:xfrm>
+          <a:prstGeom prst="rect">
+            <a:avLst/>
+          </a:prstGeom>
+          <a:solidFill>
+            <a:schemeClr val="accent6">
+              <a:lumMod val="60000"/>
+              <a:lumOff val="40000"/>
+            </a:schemeClr>
+          </a:solidFill>
+          <a:ln>
+            <a:noFill/>
+          </a:ln>
+        </p:spPr>
+        <p:style>
+          <a:lnRef idx="2">
+            <a:schemeClr val="accent1">
+              <a:shade val="50000"/>
+            </a:schemeClr>
+          </a:lnRef>
+          <a:fillRef idx="1">
+            <a:schemeClr val="accent1"/>
+          </a:fillRef>
+          <a:effectRef idx="0">
+            <a:schemeClr val="accent1"/>
+          </a:effectRef>
+          <a:fontRef idx="minor">
+            <a:schemeClr val="lt1"/>
+          </a:fontRef>
+        </p:style>
+        <p:txBody>
+          <a:bodyPr rtlCol="0" anchor="ctr"/>
+          <a:lstStyle/>
+          <a:p>
+            <a:pPr algn="ctr"/>
+            <a:r>
+              <a:rPr lang="en-US" altLang="ja-JP" dirty="0">
+                <a:solidFill>
+                  <a:schemeClr val="tx1">
+                    <a:lumMod val="75000"/>
+                    <a:lumOff val="25000"/>
+                  </a:schemeClr>
+                </a:solidFill>
+                <a:latin typeface="HGP創英角ｺﾞｼｯｸUB" panose="020B0900000000000000" pitchFamily="50" charset="-128"/>
+                <a:ea typeface="HGP創英角ｺﾞｼｯｸUB" panose="020B0900000000000000" pitchFamily="50" charset="-128"/>
+              </a:rPr>
+              <a:t>Affirmative</a:t>
+            </a:r>
+          </a:p>
+          <a:p>
+            <a:pPr algn="ctr"/>
+            <a:r>
+              <a:rPr lang="en-US" altLang="ja-JP" dirty="0">
+                <a:solidFill>
+                  <a:schemeClr val="tx1">
+                    <a:lumMod val="75000"/>
+                    <a:lumOff val="25000"/>
+                  </a:schemeClr>
+                </a:solidFill>
+                <a:latin typeface="HGP創英角ｺﾞｼｯｸUB" panose="020B0900000000000000" pitchFamily="50" charset="-128"/>
+                <a:ea typeface="HGP創英角ｺﾞｼｯｸUB" panose="020B0900000000000000" pitchFamily="50" charset="-128"/>
+              </a:rPr>
+              <a:t>Based</a:t>
+            </a:r>
+          </a:p>
+        </p:txBody>
+      </p:sp>
+      <p:sp>
+        <p:nvSpPr>
+          <p:cNvPr id="55" name="正方形/長方形 54"/>
+          <p:cNvSpPr/>
+          <p:nvPr/>
+        </p:nvSpPr>
+        <p:spPr>
+          <a:xfrm>
+            <a:off x="6993632" y="3699346"/>
+            <a:ext cx="1629867" cy="974823"/>
+          </a:xfrm>
+          <a:prstGeom prst="rect">
+            <a:avLst/>
+          </a:prstGeom>
+          <a:solidFill>
+            <a:schemeClr val="accent6">
+              <a:lumMod val="60000"/>
+              <a:lumOff val="40000"/>
+            </a:schemeClr>
+          </a:solidFill>
+          <a:ln>
+            <a:noFill/>
+          </a:ln>
+        </p:spPr>
+        <p:style>
+          <a:lnRef idx="2">
+            <a:schemeClr val="accent1">
+              <a:shade val="50000"/>
+            </a:schemeClr>
+          </a:lnRef>
+          <a:fillRef idx="1">
+            <a:schemeClr val="accent1"/>
+          </a:fillRef>
+          <a:effectRef idx="0">
+            <a:schemeClr val="accent1"/>
+          </a:effectRef>
+          <a:fontRef idx="minor">
+            <a:schemeClr val="lt1"/>
+          </a:fontRef>
+        </p:style>
+        <p:txBody>
+          <a:bodyPr rtlCol="0" anchor="ctr"/>
+          <a:lstStyle/>
+          <a:p>
+            <a:pPr algn="ctr"/>
+            <a:r>
+              <a:rPr lang="en-US" altLang="ja-JP" dirty="0" smtClean="0">
+                <a:solidFill>
+                  <a:schemeClr val="tx1">
+                    <a:lumMod val="75000"/>
+                    <a:lumOff val="25000"/>
+                  </a:schemeClr>
+                </a:solidFill>
+                <a:latin typeface="HGP創英角ｺﾞｼｯｸUB" panose="020B0900000000000000" pitchFamily="50" charset="-128"/>
+                <a:ea typeface="HGP創英角ｺﾞｼｯｸUB" panose="020B0900000000000000" pitchFamily="50" charset="-128"/>
+              </a:rPr>
+              <a:t>Web</a:t>
+            </a:r>
+          </a:p>
+          <a:p>
+            <a:pPr algn="ctr"/>
+            <a:r>
+              <a:rPr lang="en-US" altLang="ja-JP" dirty="0" smtClean="0">
+                <a:solidFill>
+                  <a:schemeClr val="tx1">
+                    <a:lumMod val="75000"/>
+                    <a:lumOff val="25000"/>
+                  </a:schemeClr>
+                </a:solidFill>
+                <a:latin typeface="HGP創英角ｺﾞｼｯｸUB" panose="020B0900000000000000" pitchFamily="50" charset="-128"/>
+                <a:ea typeface="HGP創英角ｺﾞｼｯｸUB" panose="020B0900000000000000" pitchFamily="50" charset="-128"/>
+              </a:rPr>
+              <a:t>Expression</a:t>
+            </a:r>
+          </a:p>
+          <a:p>
+            <a:pPr algn="ctr"/>
+            <a:r>
+              <a:rPr lang="en-US" altLang="ja-JP" dirty="0" smtClean="0">
+                <a:solidFill>
+                  <a:schemeClr val="tx1">
+                    <a:lumMod val="75000"/>
+                    <a:lumOff val="25000"/>
+                  </a:schemeClr>
+                </a:solidFill>
+                <a:latin typeface="HGP創英角ｺﾞｼｯｸUB" panose="020B0900000000000000" pitchFamily="50" charset="-128"/>
+                <a:ea typeface="HGP創英角ｺﾞｼｯｸUB" panose="020B0900000000000000" pitchFamily="50" charset="-128"/>
+              </a:rPr>
+              <a:t>Voter</a:t>
+            </a:r>
+            <a:endParaRPr lang="en-US" altLang="ja-JP" dirty="0">
+              <a:solidFill>
+                <a:schemeClr val="tx1">
+                  <a:lumMod val="75000"/>
+                  <a:lumOff val="25000"/>
+                </a:schemeClr>
+              </a:solidFill>
+              <a:latin typeface="HGP創英角ｺﾞｼｯｸUB" panose="020B0900000000000000" pitchFamily="50" charset="-128"/>
+              <a:ea typeface="HGP創英角ｺﾞｼｯｸUB" panose="020B0900000000000000" pitchFamily="50" charset="-128"/>
+            </a:endParaRPr>
+          </a:p>
+        </p:txBody>
+      </p:sp>
+      <p:sp>
+        <p:nvSpPr>
+          <p:cNvPr id="57" name="正方形/長方形 56"/>
+          <p:cNvSpPr/>
+          <p:nvPr/>
+        </p:nvSpPr>
+        <p:spPr>
+          <a:xfrm>
+            <a:off x="7053857" y="3779515"/>
+            <a:ext cx="1629867" cy="974823"/>
+          </a:xfrm>
+          <a:prstGeom prst="rect">
+            <a:avLst/>
+          </a:prstGeom>
+          <a:solidFill>
+            <a:schemeClr val="accent6">
+              <a:lumMod val="60000"/>
+              <a:lumOff val="40000"/>
+            </a:schemeClr>
+          </a:solidFill>
+          <a:ln>
+            <a:noFill/>
+          </a:ln>
+        </p:spPr>
+        <p:style>
+          <a:lnRef idx="2">
+            <a:schemeClr val="accent1">
+              <a:shade val="50000"/>
+            </a:schemeClr>
+          </a:lnRef>
+          <a:fillRef idx="1">
+            <a:schemeClr val="accent1"/>
+          </a:fillRef>
+          <a:effectRef idx="0">
+            <a:schemeClr val="accent1"/>
+          </a:effectRef>
+          <a:fontRef idx="minor">
+            <a:schemeClr val="lt1"/>
+          </a:fontRef>
+        </p:style>
+        <p:txBody>
+          <a:bodyPr rtlCol="0" anchor="ctr"/>
+          <a:lstStyle/>
+          <a:p>
+            <a:pPr algn="ctr"/>
+            <a:r>
+              <a:rPr lang="en-US" altLang="ja-JP" dirty="0" smtClean="0">
+                <a:solidFill>
+                  <a:schemeClr val="tx1">
+                    <a:lumMod val="75000"/>
+                    <a:lumOff val="25000"/>
+                  </a:schemeClr>
+                </a:solidFill>
+                <a:latin typeface="HGP創英角ｺﾞｼｯｸUB" panose="020B0900000000000000" pitchFamily="50" charset="-128"/>
+                <a:ea typeface="HGP創英角ｺﾞｼｯｸUB" panose="020B0900000000000000" pitchFamily="50" charset="-128"/>
+              </a:rPr>
+              <a:t>Web</a:t>
+            </a:r>
+          </a:p>
+          <a:p>
+            <a:pPr algn="ctr"/>
+            <a:r>
+              <a:rPr lang="en-US" altLang="ja-JP" dirty="0" smtClean="0">
+                <a:solidFill>
+                  <a:schemeClr val="tx1">
+                    <a:lumMod val="75000"/>
+                    <a:lumOff val="25000"/>
+                  </a:schemeClr>
+                </a:solidFill>
+                <a:latin typeface="HGP創英角ｺﾞｼｯｸUB" panose="020B0900000000000000" pitchFamily="50" charset="-128"/>
+                <a:ea typeface="HGP創英角ｺﾞｼｯｸUB" panose="020B0900000000000000" pitchFamily="50" charset="-128"/>
+              </a:rPr>
+              <a:t>Expression</a:t>
+            </a:r>
+          </a:p>
+          <a:p>
+            <a:pPr algn="ctr"/>
+            <a:r>
+              <a:rPr lang="en-US" altLang="ja-JP" dirty="0" smtClean="0">
+                <a:solidFill>
+                  <a:schemeClr val="tx1">
+                    <a:lumMod val="75000"/>
+                    <a:lumOff val="25000"/>
+                  </a:schemeClr>
+                </a:solidFill>
+                <a:latin typeface="HGP創英角ｺﾞｼｯｸUB" panose="020B0900000000000000" pitchFamily="50" charset="-128"/>
+                <a:ea typeface="HGP創英角ｺﾞｼｯｸUB" panose="020B0900000000000000" pitchFamily="50" charset="-128"/>
+              </a:rPr>
+              <a:t>Voter</a:t>
+            </a:r>
+            <a:endParaRPr lang="en-US" altLang="ja-JP" dirty="0">
+              <a:solidFill>
+                <a:schemeClr val="tx1">
+                  <a:lumMod val="75000"/>
+                  <a:lumOff val="25000"/>
+                </a:schemeClr>
+              </a:solidFill>
+              <a:latin typeface="HGP創英角ｺﾞｼｯｸUB" panose="020B0900000000000000" pitchFamily="50" charset="-128"/>
+              <a:ea typeface="HGP創英角ｺﾞｼｯｸUB" panose="020B0900000000000000" pitchFamily="50" charset="-128"/>
+            </a:endParaRPr>
+          </a:p>
+        </p:txBody>
+      </p:sp>
+      <p:sp>
+        <p:nvSpPr>
+          <p:cNvPr id="32" name="テキスト ボックス 31"/>
+          <p:cNvSpPr txBox="1"/>
+          <p:nvPr/>
+        </p:nvSpPr>
+        <p:spPr>
+          <a:xfrm>
+            <a:off x="4705525" y="3206927"/>
+            <a:ext cx="1183337" cy="338554"/>
+          </a:xfrm>
+          <a:prstGeom prst="rect">
+            <a:avLst/>
+          </a:prstGeom>
+          <a:noFill/>
+        </p:spPr>
+        <p:txBody>
+          <a:bodyPr wrap="none" rtlCol="0">
+            <a:spAutoFit/>
+          </a:bodyPr>
+          <a:lstStyle/>
+          <a:p>
+            <a:r>
+              <a:rPr lang="en-US" altLang="ja-JP" sz="1600" dirty="0" smtClean="0">
+                <a:solidFill>
+                  <a:schemeClr val="tx1">
+                    <a:lumMod val="50000"/>
+                    <a:lumOff val="50000"/>
+                  </a:schemeClr>
+                </a:solidFill>
+                <a:latin typeface="HGP創英角ｺﾞｼｯｸUB" panose="020B0900000000000000" pitchFamily="50" charset="-128"/>
+                <a:ea typeface="HGP創英角ｺﾞｼｯｸUB" panose="020B0900000000000000" pitchFamily="50" charset="-128"/>
+              </a:rPr>
+              <a:t>implements</a:t>
+            </a:r>
+            <a:endParaRPr kumimoji="1" lang="ja-JP" altLang="en-US" sz="1600" dirty="0">
+              <a:solidFill>
+                <a:schemeClr val="tx1">
+                  <a:lumMod val="50000"/>
+                  <a:lumOff val="50000"/>
+                </a:schemeClr>
+              </a:solidFill>
+              <a:latin typeface="HGP創英角ｺﾞｼｯｸUB" panose="020B0900000000000000" pitchFamily="50" charset="-128"/>
+              <a:ea typeface="HGP創英角ｺﾞｼｯｸUB" panose="020B0900000000000000" pitchFamily="50" charset="-128"/>
+            </a:endParaRPr>
+          </a:p>
+        </p:txBody>
+      </p:sp>
+      <p:sp>
+        <p:nvSpPr>
+          <p:cNvPr id="34" name="テキスト ボックス 33"/>
+          <p:cNvSpPr txBox="1"/>
+          <p:nvPr/>
+        </p:nvSpPr>
+        <p:spPr>
+          <a:xfrm>
+            <a:off x="7734622" y="3201060"/>
+            <a:ext cx="1183337" cy="338554"/>
+          </a:xfrm>
+          <a:prstGeom prst="rect">
+            <a:avLst/>
+          </a:prstGeom>
+          <a:noFill/>
+        </p:spPr>
+        <p:txBody>
+          <a:bodyPr wrap="none" rtlCol="0">
+            <a:spAutoFit/>
+          </a:bodyPr>
+          <a:lstStyle/>
+          <a:p>
+            <a:r>
+              <a:rPr lang="en-US" altLang="ja-JP" sz="1600" dirty="0" smtClean="0">
+                <a:solidFill>
+                  <a:schemeClr val="tx1">
+                    <a:lumMod val="50000"/>
+                    <a:lumOff val="50000"/>
+                  </a:schemeClr>
+                </a:solidFill>
+                <a:latin typeface="HGP創英角ｺﾞｼｯｸUB" panose="020B0900000000000000" pitchFamily="50" charset="-128"/>
+                <a:ea typeface="HGP創英角ｺﾞｼｯｸUB" panose="020B0900000000000000" pitchFamily="50" charset="-128"/>
+              </a:rPr>
+              <a:t>implements</a:t>
+            </a:r>
+            <a:endParaRPr kumimoji="1" lang="ja-JP" altLang="en-US" sz="1600" dirty="0">
+              <a:solidFill>
+                <a:schemeClr val="tx1">
+                  <a:lumMod val="50000"/>
+                  <a:lumOff val="50000"/>
+                </a:schemeClr>
+              </a:solidFill>
+              <a:latin typeface="HGP創英角ｺﾞｼｯｸUB" panose="020B0900000000000000" pitchFamily="50" charset="-128"/>
+              <a:ea typeface="HGP創英角ｺﾞｼｯｸUB" panose="020B0900000000000000" pitchFamily="50" charset="-128"/>
+            </a:endParaRPr>
+          </a:p>
+        </p:txBody>
+      </p:sp>
+    </p:spTree>
+    <p:extLst>
+      <p:ext uri="{BB962C8B-B14F-4D97-AF65-F5344CB8AC3E}">
+        <p14:creationId xmlns:p14="http://schemas.microsoft.com/office/powerpoint/2010/main" val="4207008202"/>
+      </p:ext>
+    </p:extLst>
+  </p:cSld>
+  <p:clrMapOvr>
+    <a:masterClrMapping/>
+  </p:clrMapOvr>
+  <p:timing>
+    <p:tnLst>
+      <p:par>
+        <p:cTn id="1" dur="indefinite" restart="never" nodeType="tmRoot"/>
+      </p:par>
+    </p:tnLst>
+  </p:timing>
+</p:sld>
+</file>
+
+<file path=ppt/slides/slide2.xml><?xml version="1.0" encoding="utf-8"?>
+<p:sld xmlns:a="http://schemas.openxmlformats.org/drawingml/2006/main" xmlns:r="http://schemas.openxmlformats.org/officeDocument/2006/relationships" xmlns:p="http://schemas.openxmlformats.org/presentationml/2006/main">
+  <p:cSld>
+    <p:spTree>
+      <p:nvGrpSpPr>
+        <p:cNvPr id="1" name=""/>
+        <p:cNvGrpSpPr/>
+        <p:nvPr/>
+      </p:nvGrpSpPr>
+      <p:grpSpPr>
+        <a:xfrm>
+          <a:off x="0" y="0"/>
+          <a:ext cx="0" cy="0"/>
+          <a:chOff x="0" y="0"/>
+          <a:chExt cx="0" cy="0"/>
+        </a:xfrm>
+      </p:grpSpPr>
+      <p:sp>
+        <p:nvSpPr>
           <p:cNvPr id="27" name="正方形/長方形 26"/>
           <p:cNvSpPr/>
           <p:nvPr/>
@@ -5074,7 +7283,7 @@
           <a:p>
             <a:pPr algn="ctr"/>
             <a:r>
-              <a:rPr lang="ja-JP" altLang="en-US" dirty="0" smtClean="0">
+              <a:rPr lang="en-US" altLang="ja-JP" dirty="0">
                 <a:solidFill>
                   <a:schemeClr val="tx1">
                     <a:lumMod val="75000"/>
@@ -5084,7 +7293,7 @@
                 <a:latin typeface="HGP創英角ｺﾞｼｯｸUB" panose="020B0900000000000000" pitchFamily="50" charset="-128"/>
                 <a:ea typeface="HGP創英角ｺﾞｼｯｸUB" panose="020B0900000000000000" pitchFamily="50" charset="-128"/>
               </a:rPr>
-              <a:t>認可エラーのハンドリング</a:t>
+              <a:t>Handling authorization error</a:t>
             </a:r>
             <a:endParaRPr kumimoji="1" lang="ja-JP" altLang="en-US" dirty="0">
               <a:solidFill>
@@ -5317,34 +7526,14 @@
           <a:p>
             <a:pPr algn="ctr"/>
             <a:r>
-              <a:rPr lang="ja-JP" altLang="en-US" dirty="0" smtClean="0">
+              <a:rPr lang="en-US" altLang="ja-JP" dirty="0" smtClean="0">
                 <a:solidFill>
                   <a:srgbClr val="C00000"/>
                 </a:solidFill>
                 <a:latin typeface="HGP創英角ｺﾞｼｯｸUB" panose="020B0900000000000000" pitchFamily="50" charset="-128"/>
                 <a:ea typeface="HGP創英角ｺﾞｼｯｸUB" panose="020B0900000000000000" pitchFamily="50" charset="-128"/>
               </a:rPr>
-              <a:t>認可</a:t>
-            </a:r>
-            <a:endParaRPr lang="en-US" altLang="ja-JP" dirty="0" smtClean="0">
-              <a:solidFill>
-                <a:srgbClr val="C00000"/>
-              </a:solidFill>
-              <a:latin typeface="HGP創英角ｺﾞｼｯｸUB" panose="020B0900000000000000" pitchFamily="50" charset="-128"/>
-              <a:ea typeface="HGP創英角ｺﾞｼｯｸUB" panose="020B0900000000000000" pitchFamily="50" charset="-128"/>
-            </a:endParaRPr>
-          </a:p>
-          <a:p>
-            <a:pPr algn="ctr"/>
-            <a:r>
-              <a:rPr lang="ja-JP" altLang="en-US" dirty="0" smtClean="0">
-                <a:solidFill>
-                  <a:srgbClr val="C00000"/>
-                </a:solidFill>
-                <a:latin typeface="HGP創英角ｺﾞｼｯｸUB" panose="020B0900000000000000" pitchFamily="50" charset="-128"/>
-                <a:ea typeface="HGP創英角ｺﾞｼｯｸUB" panose="020B0900000000000000" pitchFamily="50" charset="-128"/>
-              </a:rPr>
-              <a:t>エラー</a:t>
+              <a:t>Error!</a:t>
             </a:r>
             <a:endParaRPr kumimoji="1" lang="ja-JP" altLang="en-US" dirty="0">
               <a:solidFill>
@@ -5378,8 +7567,9 @@
           </a:bodyPr>
           <a:lstStyle/>
           <a:p>
-            <a:r>
-              <a:rPr kumimoji="1" lang="ja-JP" altLang="en-US" sz="1600" b="1" dirty="0" smtClean="0">
+            <a:pPr algn="ctr"/>
+            <a:r>
+              <a:rPr lang="en-US" altLang="ja-JP" sz="1600" b="1" dirty="0" smtClean="0">
                 <a:solidFill>
                   <a:schemeClr val="tx1">
                     <a:lumMod val="75000"/>
@@ -5389,7 +7579,20 @@
                 <a:latin typeface="HGP創英角ｺﾞｼｯｸUB" panose="020B0900000000000000" pitchFamily="50" charset="-128"/>
                 <a:ea typeface="HGP創英角ｺﾞｼｯｸUB" panose="020B0900000000000000" pitchFamily="50" charset="-128"/>
               </a:rPr>
-              <a:t>クライアント</a:t>
+              <a:t>Clien</a:t>
+            </a:r>
+            <a:r>
+              <a:rPr lang="en-US" altLang="ja-JP" sz="1600" b="1" dirty="0">
+                <a:solidFill>
+                  <a:schemeClr val="tx1">
+                    <a:lumMod val="75000"/>
+                    <a:lumOff val="25000"/>
+                  </a:schemeClr>
+                </a:solidFill>
+                <a:latin typeface="HGP創英角ｺﾞｼｯｸUB" panose="020B0900000000000000" pitchFamily="50" charset="-128"/>
+                <a:ea typeface="HGP創英角ｺﾞｼｯｸUB" panose="020B0900000000000000" pitchFamily="50" charset="-128"/>
+              </a:rPr>
+              <a:t>t</a:t>
             </a:r>
             <a:endParaRPr kumimoji="1" lang="ja-JP" altLang="en-US" sz="1600" b="1" dirty="0">
               <a:solidFill>

--- a/source/Security/images_Authorization/materialAuthorization.pptx
+++ b/source/Security/images_Authorization/materialAuthorization.pptx
@@ -5,13 +5,11 @@
     <p:sldMasterId id="2147483648" r:id="rId1"/>
   </p:sldMasterIdLst>
   <p:notesMasterIdLst>
-    <p:notesMasterId r:id="rId6"/>
+    <p:notesMasterId r:id="rId4"/>
   </p:notesMasterIdLst>
   <p:sldIdLst>
-    <p:sldId id="272" r:id="rId2"/>
-    <p:sldId id="273" r:id="rId3"/>
-    <p:sldId id="274" r:id="rId4"/>
-    <p:sldId id="271" r:id="rId5"/>
+    <p:sldId id="257" r:id="rId2"/>
+    <p:sldId id="256" r:id="rId3"/>
   </p:sldIdLst>
   <p:sldSz cx="9144000" cy="6858000" type="screen4x3"/>
   <p:notesSz cx="6858000" cy="9144000"/>
@@ -110,6 +108,22 @@
       </a:defRPr>
     </a:lvl9pPr>
   </p:defaultTextStyle>
+  <p:extLst>
+    <p:ext uri="{EFAFB233-063F-42B5-8137-9DF3F51BA10A}">
+      <p15:sldGuideLst xmlns:p15="http://schemas.microsoft.com/office/powerpoint/2012/main">
+        <p15:guide id="1" orient="horz" pos="2160">
+          <p15:clr>
+            <a:srgbClr val="A4A3A4"/>
+          </p15:clr>
+        </p15:guide>
+        <p15:guide id="2" pos="2880">
+          <p15:clr>
+            <a:srgbClr val="A4A3A4"/>
+          </p15:clr>
+        </p15:guide>
+      </p15:sldGuideLst>
+    </p:ext>
+  </p:extLst>
 </p:presentation>
 </file>
 
@@ -196,7 +210,7 @@
             <a:fld id="{3BB47352-BF5A-4CD2-B029-996118CD8E01}" type="datetimeFigureOut">
               <a:rPr kumimoji="1" lang="ja-JP" altLang="en-US" smtClean="0"/>
               <a:pPr/>
-              <a:t>2014/10/16</a:t>
+              <a:t>2016/1/14</a:t>
             </a:fld>
             <a:endParaRPr kumimoji="1" lang="ja-JP" altLang="en-US"/>
           </a:p>
@@ -679,7 +693,7 @@
             <a:fld id="{7B9B12EC-6AA0-374B-A2D3-850081A07A26}" type="datetimeFigureOut">
               <a:rPr kumimoji="1" lang="ja-JP" altLang="en-US" smtClean="0"/>
               <a:pPr/>
-              <a:t>2014/10/16</a:t>
+              <a:t>2016/1/14</a:t>
             </a:fld>
             <a:endParaRPr kumimoji="1" lang="ja-JP" altLang="en-US"/>
           </a:p>
@@ -883,7 +897,7 @@
             <a:fld id="{7B9B12EC-6AA0-374B-A2D3-850081A07A26}" type="datetimeFigureOut">
               <a:rPr kumimoji="1" lang="ja-JP" altLang="en-US" smtClean="0"/>
               <a:pPr/>
-              <a:t>2014/10/16</a:t>
+              <a:t>2016/1/14</a:t>
             </a:fld>
             <a:endParaRPr kumimoji="1" lang="ja-JP" altLang="en-US"/>
           </a:p>
@@ -1097,7 +1111,7 @@
             <a:fld id="{7B9B12EC-6AA0-374B-A2D3-850081A07A26}" type="datetimeFigureOut">
               <a:rPr kumimoji="1" lang="ja-JP" altLang="en-US" smtClean="0"/>
               <a:pPr/>
-              <a:t>2014/10/16</a:t>
+              <a:t>2016/1/14</a:t>
             </a:fld>
             <a:endParaRPr kumimoji="1" lang="ja-JP" altLang="en-US"/>
           </a:p>
@@ -1301,7 +1315,7 @@
             <a:fld id="{7B9B12EC-6AA0-374B-A2D3-850081A07A26}" type="datetimeFigureOut">
               <a:rPr kumimoji="1" lang="ja-JP" altLang="en-US" smtClean="0"/>
               <a:pPr/>
-              <a:t>2014/10/16</a:t>
+              <a:t>2016/1/14</a:t>
             </a:fld>
             <a:endParaRPr kumimoji="1" lang="ja-JP" altLang="en-US"/>
           </a:p>
@@ -1549,7 +1563,7 @@
             <a:fld id="{7B9B12EC-6AA0-374B-A2D3-850081A07A26}" type="datetimeFigureOut">
               <a:rPr kumimoji="1" lang="ja-JP" altLang="en-US" smtClean="0"/>
               <a:pPr/>
-              <a:t>2014/10/16</a:t>
+              <a:t>2016/1/14</a:t>
             </a:fld>
             <a:endParaRPr kumimoji="1" lang="ja-JP" altLang="en-US"/>
           </a:p>
@@ -1903,7 +1917,7 @@
             <a:fld id="{7B9B12EC-6AA0-374B-A2D3-850081A07A26}" type="datetimeFigureOut">
               <a:rPr kumimoji="1" lang="ja-JP" altLang="en-US" smtClean="0"/>
               <a:pPr/>
-              <a:t>2014/10/16</a:t>
+              <a:t>2016/1/14</a:t>
             </a:fld>
             <a:endParaRPr kumimoji="1" lang="ja-JP" altLang="en-US"/>
           </a:p>
@@ -2391,7 +2405,7 @@
             <a:fld id="{7B9B12EC-6AA0-374B-A2D3-850081A07A26}" type="datetimeFigureOut">
               <a:rPr kumimoji="1" lang="ja-JP" altLang="en-US" smtClean="0"/>
               <a:pPr/>
-              <a:t>2014/10/16</a:t>
+              <a:t>2016/1/14</a:t>
             </a:fld>
             <a:endParaRPr kumimoji="1" lang="ja-JP" altLang="en-US"/>
           </a:p>
@@ -2511,7 +2525,7 @@
             <a:fld id="{7B9B12EC-6AA0-374B-A2D3-850081A07A26}" type="datetimeFigureOut">
               <a:rPr kumimoji="1" lang="ja-JP" altLang="en-US" smtClean="0"/>
               <a:pPr/>
-              <a:t>2014/10/16</a:t>
+              <a:t>2016/1/14</a:t>
             </a:fld>
             <a:endParaRPr kumimoji="1" lang="ja-JP" altLang="en-US"/>
           </a:p>
@@ -2608,7 +2622,7 @@
             <a:fld id="{7B9B12EC-6AA0-374B-A2D3-850081A07A26}" type="datetimeFigureOut">
               <a:rPr kumimoji="1" lang="ja-JP" altLang="en-US" smtClean="0"/>
               <a:pPr/>
-              <a:t>2014/10/16</a:t>
+              <a:t>2016/1/14</a:t>
             </a:fld>
             <a:endParaRPr kumimoji="1" lang="ja-JP" altLang="en-US"/>
           </a:p>
@@ -2919,7 +2933,7 @@
             <a:fld id="{7B9B12EC-6AA0-374B-A2D3-850081A07A26}" type="datetimeFigureOut">
               <a:rPr kumimoji="1" lang="ja-JP" altLang="en-US" smtClean="0"/>
               <a:pPr/>
-              <a:t>2014/10/16</a:t>
+              <a:t>2016/1/14</a:t>
             </a:fld>
             <a:endParaRPr kumimoji="1" lang="ja-JP" altLang="en-US"/>
           </a:p>
@@ -3174,7 +3188,7 @@
             <a:fld id="{7B9B12EC-6AA0-374B-A2D3-850081A07A26}" type="datetimeFigureOut">
               <a:rPr kumimoji="1" lang="ja-JP" altLang="en-US" smtClean="0"/>
               <a:pPr/>
-              <a:t>2014/10/16</a:t>
+              <a:t>2016/1/14</a:t>
             </a:fld>
             <a:endParaRPr kumimoji="1" lang="ja-JP" altLang="en-US"/>
           </a:p>
@@ -3421,7 +3435,7 @@
             <a:fld id="{7B9B12EC-6AA0-374B-A2D3-850081A07A26}" type="datetimeFigureOut">
               <a:rPr kumimoji="1" lang="ja-JP" altLang="en-US" smtClean="0"/>
               <a:pPr/>
-              <a:t>2014/10/16</a:t>
+              <a:t>2016/1/14</a:t>
             </a:fld>
             <a:endParaRPr kumimoji="1" lang="ja-JP" altLang="en-US"/>
           </a:p>
@@ -3797,1174 +3811,2194 @@
           <a:chExt cx="0" cy="0"/>
         </a:xfrm>
       </p:grpSpPr>
-      <p:grpSp>
-        <p:nvGrpSpPr>
-          <p:cNvPr id="29" name="グループ化 28"/>
-          <p:cNvGrpSpPr/>
+      <p:sp>
+        <p:nvSpPr>
+          <p:cNvPr id="39" name="正方形/長方形 38"/>
+          <p:cNvSpPr/>
           <p:nvPr/>
-        </p:nvGrpSpPr>
-        <p:grpSpPr>
+        </p:nvSpPr>
+        <p:spPr>
           <a:xfrm>
-            <a:off x="241300" y="232475"/>
-            <a:ext cx="8623730" cy="6472218"/>
-            <a:chOff x="241300" y="232475"/>
-            <a:chExt cx="8623730" cy="6472218"/>
+            <a:off x="1758000" y="1208583"/>
+            <a:ext cx="2244349" cy="3660577"/>
           </a:xfrm>
-        </p:grpSpPr>
-        <p:sp>
-          <p:nvSpPr>
-            <p:cNvPr id="4" name="正方形/長方形 3"/>
-            <p:cNvSpPr/>
-            <p:nvPr/>
-          </p:nvSpPr>
-          <p:spPr>
-            <a:xfrm>
-              <a:off x="1612899" y="232475"/>
-              <a:ext cx="7252131" cy="5789139"/>
-            </a:xfrm>
-            <a:prstGeom prst="rect">
+          <a:prstGeom prst="rect">
+            <a:avLst/>
+          </a:prstGeom>
+          <a:solidFill>
+            <a:schemeClr val="bg1"/>
+          </a:solidFill>
+          <a:ln w="60325">
+            <a:solidFill>
+              <a:schemeClr val="bg1">
+                <a:lumMod val="65000"/>
+              </a:schemeClr>
+            </a:solidFill>
+            <a:miter lim="800000"/>
+          </a:ln>
+          <a:effectLst/>
+        </p:spPr>
+        <p:style>
+          <a:lnRef idx="1">
+            <a:schemeClr val="accent1"/>
+          </a:lnRef>
+          <a:fillRef idx="3">
+            <a:schemeClr val="accent1"/>
+          </a:fillRef>
+          <a:effectRef idx="2">
+            <a:schemeClr val="accent1"/>
+          </a:effectRef>
+          <a:fontRef idx="minor">
+            <a:schemeClr val="lt1"/>
+          </a:fontRef>
+        </p:style>
+        <p:txBody>
+          <a:bodyPr rtlCol="0" anchor="t" anchorCtr="0"/>
+          <a:lstStyle/>
+          <a:p>
+            <a:pPr algn="ctr"/>
+            <a:r>
+              <a:rPr kumimoji="1" lang="en-US" altLang="ja-JP" sz="2000" dirty="0" smtClean="0">
+                <a:solidFill>
+                  <a:schemeClr val="tx1">
+                    <a:lumMod val="50000"/>
+                    <a:lumOff val="50000"/>
+                  </a:schemeClr>
+                </a:solidFill>
+              </a:rPr>
+              <a:t>spring-security-web</a:t>
+            </a:r>
+          </a:p>
+        </p:txBody>
+      </p:sp>
+      <p:sp>
+        <p:nvSpPr>
+          <p:cNvPr id="40" name="正方形/長方形 39"/>
+          <p:cNvSpPr/>
+          <p:nvPr/>
+        </p:nvSpPr>
+        <p:spPr>
+          <a:xfrm>
+            <a:off x="2097450" y="1980062"/>
+            <a:ext cx="1629867" cy="974823"/>
+          </a:xfrm>
+          <a:prstGeom prst="rect">
+            <a:avLst/>
+          </a:prstGeom>
+          <a:solidFill>
+            <a:schemeClr val="accent6">
+              <a:lumMod val="60000"/>
+              <a:lumOff val="40000"/>
+            </a:schemeClr>
+          </a:solidFill>
+          <a:ln>
+            <a:noFill/>
+          </a:ln>
+        </p:spPr>
+        <p:style>
+          <a:lnRef idx="2">
+            <a:schemeClr val="accent1">
+              <a:shade val="50000"/>
+            </a:schemeClr>
+          </a:lnRef>
+          <a:fillRef idx="1">
+            <a:schemeClr val="accent1"/>
+          </a:fillRef>
+          <a:effectRef idx="0">
+            <a:schemeClr val="accent1"/>
+          </a:effectRef>
+          <a:fontRef idx="minor">
+            <a:schemeClr val="lt1"/>
+          </a:fontRef>
+        </p:style>
+        <p:txBody>
+          <a:bodyPr rtlCol="0" anchor="ctr"/>
+          <a:lstStyle/>
+          <a:p>
+            <a:pPr algn="ctr"/>
+            <a:r>
+              <a:rPr lang="en-US" altLang="ja-JP" dirty="0">
+                <a:solidFill>
+                  <a:schemeClr val="tx1">
+                    <a:lumMod val="75000"/>
+                    <a:lumOff val="25000"/>
+                  </a:schemeClr>
+                </a:solidFill>
+                <a:latin typeface="HGP創英角ｺﾞｼｯｸUB" panose="020B0900000000000000" pitchFamily="50" charset="-128"/>
+                <a:ea typeface="HGP創英角ｺﾞｼｯｸUB" panose="020B0900000000000000" pitchFamily="50" charset="-128"/>
+              </a:rPr>
+              <a:t>Exception</a:t>
+            </a:r>
+          </a:p>
+          <a:p>
+            <a:pPr algn="ctr"/>
+            <a:r>
+              <a:rPr lang="en-US" altLang="ja-JP" dirty="0">
+                <a:solidFill>
+                  <a:schemeClr val="tx1">
+                    <a:lumMod val="75000"/>
+                    <a:lumOff val="25000"/>
+                  </a:schemeClr>
+                </a:solidFill>
+                <a:latin typeface="HGP創英角ｺﾞｼｯｸUB" panose="020B0900000000000000" pitchFamily="50" charset="-128"/>
+                <a:ea typeface="HGP創英角ｺﾞｼｯｸUB" panose="020B0900000000000000" pitchFamily="50" charset="-128"/>
+              </a:rPr>
+              <a:t>Translation</a:t>
+            </a:r>
+          </a:p>
+          <a:p>
+            <a:pPr algn="ctr"/>
+            <a:r>
+              <a:rPr lang="en-US" altLang="ja-JP" dirty="0" smtClean="0">
+                <a:solidFill>
+                  <a:schemeClr val="tx1">
+                    <a:lumMod val="75000"/>
+                    <a:lumOff val="25000"/>
+                  </a:schemeClr>
+                </a:solidFill>
+                <a:latin typeface="HGP創英角ｺﾞｼｯｸUB" panose="020B0900000000000000" pitchFamily="50" charset="-128"/>
+                <a:ea typeface="HGP創英角ｺﾞｼｯｸUB" panose="020B0900000000000000" pitchFamily="50" charset="-128"/>
+              </a:rPr>
+              <a:t>Filter</a:t>
+            </a:r>
+            <a:endParaRPr lang="en-US" altLang="ja-JP" dirty="0">
+              <a:solidFill>
+                <a:schemeClr val="tx1">
+                  <a:lumMod val="75000"/>
+                  <a:lumOff val="25000"/>
+                </a:schemeClr>
+              </a:solidFill>
+              <a:latin typeface="HGP創英角ｺﾞｼｯｸUB" panose="020B0900000000000000" pitchFamily="50" charset="-128"/>
+              <a:ea typeface="HGP創英角ｺﾞｼｯｸUB" panose="020B0900000000000000" pitchFamily="50" charset="-128"/>
+            </a:endParaRPr>
+          </a:p>
+        </p:txBody>
+      </p:sp>
+      <p:sp>
+        <p:nvSpPr>
+          <p:cNvPr id="67" name="laptop"/>
+          <p:cNvSpPr>
+            <a:spLocks noEditPoints="1" noChangeArrowheads="1"/>
+          </p:cNvSpPr>
+          <p:nvPr/>
+        </p:nvSpPr>
+        <p:spPr bwMode="auto">
+          <a:xfrm>
+            <a:off x="186758" y="2198777"/>
+            <a:ext cx="1071417" cy="806382"/>
+          </a:xfrm>
+          <a:custGeom>
+            <a:avLst/>
+            <a:gdLst>
+              <a:gd name="T0" fmla="*/ 3362 w 21600"/>
+              <a:gd name="T1" fmla="*/ 0 h 21600"/>
+              <a:gd name="T2" fmla="*/ 3362 w 21600"/>
+              <a:gd name="T3" fmla="*/ 7173 h 21600"/>
+              <a:gd name="T4" fmla="*/ 18327 w 21600"/>
+              <a:gd name="T5" fmla="*/ 0 h 21600"/>
+              <a:gd name="T6" fmla="*/ 18327 w 21600"/>
+              <a:gd name="T7" fmla="*/ 7173 h 21600"/>
+              <a:gd name="T8" fmla="*/ 10800 w 21600"/>
+              <a:gd name="T9" fmla="*/ 0 h 21600"/>
+              <a:gd name="T10" fmla="*/ 10800 w 21600"/>
+              <a:gd name="T11" fmla="*/ 21600 h 21600"/>
+              <a:gd name="T12" fmla="*/ 0 w 21600"/>
+              <a:gd name="T13" fmla="*/ 21600 h 21600"/>
+              <a:gd name="T14" fmla="*/ 21600 w 21600"/>
+              <a:gd name="T15" fmla="*/ 21600 h 21600"/>
+              <a:gd name="T16" fmla="*/ 4445 w 21600"/>
+              <a:gd name="T17" fmla="*/ 1858 h 21600"/>
+              <a:gd name="T18" fmla="*/ 17311 w 21600"/>
+              <a:gd name="T19" fmla="*/ 12323 h 21600"/>
+            </a:gdLst>
+            <a:ahLst/>
+            <a:cxnLst>
+              <a:cxn ang="0">
+                <a:pos x="T0" y="T1"/>
+              </a:cxn>
+              <a:cxn ang="0">
+                <a:pos x="T2" y="T3"/>
+              </a:cxn>
+              <a:cxn ang="0">
+                <a:pos x="T4" y="T5"/>
+              </a:cxn>
+              <a:cxn ang="0">
+                <a:pos x="T6" y="T7"/>
+              </a:cxn>
+              <a:cxn ang="0">
+                <a:pos x="T8" y="T9"/>
+              </a:cxn>
+              <a:cxn ang="0">
+                <a:pos x="T10" y="T11"/>
+              </a:cxn>
+              <a:cxn ang="0">
+                <a:pos x="T12" y="T13"/>
+              </a:cxn>
+              <a:cxn ang="0">
+                <a:pos x="T14" y="T15"/>
+              </a:cxn>
+            </a:cxnLst>
+            <a:rect l="T16" t="T17" r="T18" b="T19"/>
+            <a:pathLst>
+              <a:path w="21600" h="21600" extrusionOk="0">
+                <a:moveTo>
+                  <a:pt x="3362" y="0"/>
+                </a:moveTo>
+                <a:lnTo>
+                  <a:pt x="18327" y="0"/>
+                </a:lnTo>
+                <a:lnTo>
+                  <a:pt x="18327" y="14347"/>
+                </a:lnTo>
+                <a:lnTo>
+                  <a:pt x="3362" y="14347"/>
+                </a:lnTo>
+                <a:lnTo>
+                  <a:pt x="3362" y="0"/>
+                </a:lnTo>
+                <a:close/>
+              </a:path>
+              <a:path w="21600" h="21600" extrusionOk="0">
+                <a:moveTo>
+                  <a:pt x="3340" y="15068"/>
+                </a:moveTo>
+                <a:lnTo>
+                  <a:pt x="0" y="19877"/>
+                </a:lnTo>
+                <a:lnTo>
+                  <a:pt x="21600" y="19877"/>
+                </a:lnTo>
+                <a:lnTo>
+                  <a:pt x="18327" y="15068"/>
+                </a:lnTo>
+                <a:lnTo>
+                  <a:pt x="3340" y="15068"/>
+                </a:lnTo>
+                <a:close/>
+              </a:path>
+              <a:path w="21600" h="21600" extrusionOk="0">
+                <a:moveTo>
+                  <a:pt x="0" y="19877"/>
+                </a:moveTo>
+                <a:lnTo>
+                  <a:pt x="0" y="21600"/>
+                </a:lnTo>
+                <a:lnTo>
+                  <a:pt x="21600" y="21600"/>
+                </a:lnTo>
+                <a:lnTo>
+                  <a:pt x="21600" y="19877"/>
+                </a:lnTo>
+                <a:lnTo>
+                  <a:pt x="0" y="19877"/>
+                </a:lnTo>
+                <a:close/>
+              </a:path>
+              <a:path w="21600" h="21600" extrusionOk="0">
+                <a:moveTo>
+                  <a:pt x="4186" y="1523"/>
+                </a:moveTo>
+                <a:lnTo>
+                  <a:pt x="17547" y="1523"/>
+                </a:lnTo>
+                <a:lnTo>
+                  <a:pt x="17547" y="12744"/>
+                </a:lnTo>
+                <a:lnTo>
+                  <a:pt x="4186" y="12744"/>
+                </a:lnTo>
+                <a:lnTo>
+                  <a:pt x="4186" y="1523"/>
+                </a:lnTo>
+                <a:close/>
+              </a:path>
+              <a:path w="21600" h="21600" extrusionOk="0">
+                <a:moveTo>
+                  <a:pt x="3318" y="15549"/>
+                </a:moveTo>
+                <a:lnTo>
+                  <a:pt x="2917" y="16110"/>
+                </a:lnTo>
+                <a:lnTo>
+                  <a:pt x="18727" y="16110"/>
+                </a:lnTo>
+                <a:lnTo>
+                  <a:pt x="18327" y="15549"/>
+                </a:lnTo>
+                <a:lnTo>
+                  <a:pt x="3318" y="15549"/>
+                </a:lnTo>
+                <a:close/>
+              </a:path>
+              <a:path w="21600" h="21600" extrusionOk="0">
+                <a:moveTo>
+                  <a:pt x="6213" y="18314"/>
+                </a:moveTo>
+                <a:lnTo>
+                  <a:pt x="5946" y="18875"/>
+                </a:lnTo>
+                <a:lnTo>
+                  <a:pt x="15766" y="18875"/>
+                </a:lnTo>
+                <a:lnTo>
+                  <a:pt x="15499" y="18314"/>
+                </a:lnTo>
+                <a:lnTo>
+                  <a:pt x="6213" y="18314"/>
+                </a:lnTo>
+                <a:close/>
+              </a:path>
+              <a:path w="21600" h="21600" extrusionOk="0">
+                <a:moveTo>
+                  <a:pt x="2828" y="16471"/>
+                </a:moveTo>
+                <a:lnTo>
+                  <a:pt x="2405" y="17072"/>
+                </a:lnTo>
+                <a:lnTo>
+                  <a:pt x="19284" y="17072"/>
+                </a:lnTo>
+                <a:lnTo>
+                  <a:pt x="18839" y="16471"/>
+                </a:lnTo>
+                <a:lnTo>
+                  <a:pt x="2828" y="16471"/>
+                </a:lnTo>
+                <a:close/>
+              </a:path>
+              <a:path w="21600" h="21600" extrusionOk="0">
+                <a:moveTo>
+                  <a:pt x="2316" y="17352"/>
+                </a:moveTo>
+                <a:lnTo>
+                  <a:pt x="1871" y="17953"/>
+                </a:lnTo>
+                <a:lnTo>
+                  <a:pt x="19863" y="17953"/>
+                </a:lnTo>
+                <a:lnTo>
+                  <a:pt x="19395" y="17352"/>
+                </a:lnTo>
+                <a:lnTo>
+                  <a:pt x="2316" y="17352"/>
+                </a:lnTo>
+                <a:close/>
+              </a:path>
+            </a:pathLst>
+          </a:custGeom>
+          <a:solidFill>
+            <a:schemeClr val="bg1">
+              <a:lumMod val="95000"/>
+            </a:schemeClr>
+          </a:solidFill>
+          <a:ln w="0">
+            <a:headEnd/>
+            <a:tailEnd/>
+          </a:ln>
+        </p:spPr>
+        <p:style>
+          <a:lnRef idx="2">
+            <a:schemeClr val="dk1"/>
+          </a:lnRef>
+          <a:fillRef idx="1">
+            <a:schemeClr val="lt1"/>
+          </a:fillRef>
+          <a:effectRef idx="0">
+            <a:schemeClr val="dk1"/>
+          </a:effectRef>
+          <a:fontRef idx="minor">
+            <a:schemeClr val="dk1"/>
+          </a:fontRef>
+        </p:style>
+        <p:txBody>
+          <a:bodyPr vert="horz" wrap="square" lIns="91440" tIns="45720" rIns="91440" bIns="45720" numCol="1" anchor="t" anchorCtr="0" compatLnSpc="1">
+            <a:prstTxWarp prst="textNoShape">
               <a:avLst/>
-            </a:prstGeom>
-            <a:ln/>
-          </p:spPr>
-          <p:style>
-            <a:lnRef idx="0">
-              <a:schemeClr val="accent3"/>
-            </a:lnRef>
-            <a:fillRef idx="3">
-              <a:schemeClr val="accent3"/>
-            </a:fillRef>
-            <a:effectRef idx="3">
-              <a:schemeClr val="accent3"/>
-            </a:effectRef>
-            <a:fontRef idx="minor">
-              <a:schemeClr val="lt1"/>
-            </a:fontRef>
-          </p:style>
-          <p:txBody>
-            <a:bodyPr rtlCol="0" anchor="ctr"/>
-            <a:lstStyle/>
-            <a:p>
-              <a:endParaRPr kumimoji="1" lang="ja-JP" altLang="en-US" dirty="0"/>
-            </a:p>
-          </p:txBody>
-        </p:sp>
-        <p:sp>
-          <p:nvSpPr>
-            <p:cNvPr id="5" name="テキスト ボックス 4"/>
-            <p:cNvSpPr txBox="1"/>
-            <p:nvPr/>
-          </p:nvSpPr>
-          <p:spPr>
-            <a:xfrm>
-              <a:off x="1612899" y="232475"/>
-              <a:ext cx="3719594" cy="338554"/>
-            </a:xfrm>
-            <a:prstGeom prst="rect">
-              <a:avLst/>
-            </a:prstGeom>
+            </a:prstTxWarp>
+          </a:bodyPr>
+          <a:lstStyle/>
+          <a:p>
+            <a:endParaRPr lang="ja-JP" altLang="en-US"/>
+          </a:p>
+        </p:txBody>
+      </p:sp>
+      <p:sp>
+        <p:nvSpPr>
+          <p:cNvPr id="78" name="テキスト ボックス 77"/>
+          <p:cNvSpPr txBox="1"/>
+          <p:nvPr/>
+        </p:nvSpPr>
+        <p:spPr>
+          <a:xfrm>
+            <a:off x="107504" y="1655166"/>
+            <a:ext cx="1229923" cy="338554"/>
+          </a:xfrm>
+          <a:prstGeom prst="rect">
+            <a:avLst/>
+          </a:prstGeom>
+          <a:noFill/>
+        </p:spPr>
+        <p:txBody>
+          <a:bodyPr wrap="square" rtlCol="0">
+            <a:spAutoFit/>
+          </a:bodyPr>
+          <a:lstStyle/>
+          <a:p>
+            <a:pPr algn="ctr"/>
+            <a:r>
+              <a:rPr lang="en-US" altLang="ja-JP" sz="1600" b="1" dirty="0" smtClean="0">
+                <a:solidFill>
+                  <a:schemeClr val="tx1">
+                    <a:lumMod val="75000"/>
+                    <a:lumOff val="25000"/>
+                  </a:schemeClr>
+                </a:solidFill>
+                <a:latin typeface="HGP創英角ｺﾞｼｯｸUB" panose="020B0900000000000000" pitchFamily="50" charset="-128"/>
+                <a:ea typeface="HGP創英角ｺﾞｼｯｸUB" panose="020B0900000000000000" pitchFamily="50" charset="-128"/>
+              </a:rPr>
+              <a:t>Client</a:t>
+            </a:r>
+            <a:endParaRPr kumimoji="1" lang="ja-JP" altLang="en-US" sz="1600" b="1" dirty="0">
+              <a:solidFill>
+                <a:schemeClr val="tx1">
+                  <a:lumMod val="75000"/>
+                  <a:lumOff val="25000"/>
+                </a:schemeClr>
+              </a:solidFill>
+              <a:latin typeface="HGP創英角ｺﾞｼｯｸUB" panose="020B0900000000000000" pitchFamily="50" charset="-128"/>
+              <a:ea typeface="HGP創英角ｺﾞｼｯｸUB" panose="020B0900000000000000" pitchFamily="50" charset="-128"/>
+            </a:endParaRPr>
+          </a:p>
+        </p:txBody>
+      </p:sp>
+      <p:sp>
+        <p:nvSpPr>
+          <p:cNvPr id="35" name="正方形/長方形 34"/>
+          <p:cNvSpPr/>
+          <p:nvPr/>
+        </p:nvSpPr>
+        <p:spPr>
+          <a:xfrm>
+            <a:off x="4617730" y="1196752"/>
+            <a:ext cx="4346758" cy="3834306"/>
+          </a:xfrm>
+          <a:prstGeom prst="rect">
+            <a:avLst/>
+          </a:prstGeom>
+          <a:solidFill>
+            <a:schemeClr val="bg1"/>
+          </a:solidFill>
+          <a:ln w="60325">
+            <a:solidFill>
+              <a:schemeClr val="bg1">
+                <a:lumMod val="65000"/>
+              </a:schemeClr>
+            </a:solidFill>
+            <a:miter lim="800000"/>
+          </a:ln>
+          <a:effectLst/>
+        </p:spPr>
+        <p:style>
+          <a:lnRef idx="1">
+            <a:schemeClr val="accent1"/>
+          </a:lnRef>
+          <a:fillRef idx="3">
+            <a:schemeClr val="accent1"/>
+          </a:fillRef>
+          <a:effectRef idx="2">
+            <a:schemeClr val="accent1"/>
+          </a:effectRef>
+          <a:fontRef idx="minor">
+            <a:schemeClr val="lt1"/>
+          </a:fontRef>
+        </p:style>
+        <p:txBody>
+          <a:bodyPr rtlCol="0" anchor="t" anchorCtr="0"/>
+          <a:lstStyle/>
+          <a:p>
+            <a:pPr algn="ctr"/>
+            <a:r>
+              <a:rPr kumimoji="1" lang="en-US" altLang="ja-JP" sz="2000" dirty="0" smtClean="0">
+                <a:solidFill>
+                  <a:schemeClr val="tx1">
+                    <a:lumMod val="50000"/>
+                    <a:lumOff val="50000"/>
+                  </a:schemeClr>
+                </a:solidFill>
+              </a:rPr>
+              <a:t>spring-security-core</a:t>
+            </a:r>
+          </a:p>
+        </p:txBody>
+      </p:sp>
+      <p:sp>
+        <p:nvSpPr>
+          <p:cNvPr id="36" name="正方形/長方形 35"/>
+          <p:cNvSpPr/>
+          <p:nvPr/>
+        </p:nvSpPr>
+        <p:spPr>
+          <a:xfrm>
+            <a:off x="4932400" y="1981323"/>
+            <a:ext cx="1756618" cy="974823"/>
+          </a:xfrm>
+          <a:prstGeom prst="rect">
+            <a:avLst/>
+          </a:prstGeom>
+          <a:solidFill>
+            <a:schemeClr val="accent6">
+              <a:lumMod val="60000"/>
+              <a:lumOff val="40000"/>
+            </a:schemeClr>
+          </a:solidFill>
+          <a:ln>
             <a:noFill/>
-          </p:spPr>
-          <p:txBody>
-            <a:bodyPr wrap="square" rtlCol="0">
-              <a:spAutoFit/>
-            </a:bodyPr>
-            <a:lstStyle/>
-            <a:p>
-              <a:r>
-                <a:rPr kumimoji="1" lang="en-US" altLang="ja-JP" sz="1600" dirty="0" smtClean="0">
-                  <a:effectLst>
-                    <a:outerShdw blurRad="38100" dist="38100" dir="2700000" algn="tl">
-                      <a:srgbClr val="000000">
-                        <a:alpha val="43137"/>
-                      </a:srgbClr>
-                    </a:outerShdw>
-                  </a:effectLst>
-                </a:rPr>
-                <a:t>Spring Security</a:t>
-              </a:r>
-              <a:endParaRPr kumimoji="1" lang="ja-JP" altLang="en-US" sz="1600" dirty="0">
-                <a:effectLst>
-                  <a:outerShdw blurRad="38100" dist="38100" dir="2700000" algn="tl">
-                    <a:srgbClr val="000000">
-                      <a:alpha val="43137"/>
-                    </a:srgbClr>
-                  </a:outerShdw>
-                </a:effectLst>
-              </a:endParaRPr>
-            </a:p>
-          </p:txBody>
-        </p:sp>
-        <p:sp>
-          <p:nvSpPr>
-            <p:cNvPr id="6" name="角丸四角形 5"/>
-            <p:cNvSpPr/>
-            <p:nvPr/>
-          </p:nvSpPr>
-          <p:spPr>
-            <a:xfrm>
-              <a:off x="241300" y="1094016"/>
-              <a:ext cx="1175657" cy="455386"/>
-            </a:xfrm>
-            <a:prstGeom prst="roundRect">
-              <a:avLst/>
-            </a:prstGeom>
-            <a:ln/>
-          </p:spPr>
-          <p:style>
-            <a:lnRef idx="1">
-              <a:schemeClr val="dk1"/>
-            </a:lnRef>
-            <a:fillRef idx="2">
-              <a:schemeClr val="dk1"/>
-            </a:fillRef>
-            <a:effectRef idx="1">
-              <a:schemeClr val="dk1"/>
-            </a:effectRef>
-            <a:fontRef idx="minor">
-              <a:schemeClr val="dk1"/>
-            </a:fontRef>
-          </p:style>
-          <p:txBody>
-            <a:bodyPr rtlCol="0" anchor="ctr"/>
-            <a:lstStyle/>
-            <a:p>
-              <a:pPr algn="ctr"/>
-              <a:r>
-                <a:rPr kumimoji="1" lang="en-US" altLang="ja-JP" sz="1400" dirty="0" smtClean="0">
-                  <a:solidFill>
-                    <a:schemeClr val="tx1"/>
-                  </a:solidFill>
-                </a:rPr>
-                <a:t>Client</a:t>
-              </a:r>
-              <a:endParaRPr kumimoji="1" lang="ja-JP" altLang="en-US" sz="1400" dirty="0">
-                <a:solidFill>
-                  <a:schemeClr val="tx1"/>
-                </a:solidFill>
-              </a:endParaRPr>
-            </a:p>
-          </p:txBody>
-        </p:sp>
-        <p:sp>
-          <p:nvSpPr>
-            <p:cNvPr id="7" name="正方形/長方形 6"/>
-            <p:cNvSpPr/>
-            <p:nvPr/>
-          </p:nvSpPr>
-          <p:spPr>
-            <a:xfrm>
-              <a:off x="2032000" y="601807"/>
-              <a:ext cx="6273800" cy="1341293"/>
-            </a:xfrm>
-            <a:prstGeom prst="rect">
-              <a:avLst/>
-            </a:prstGeom>
-            <a:ln/>
-          </p:spPr>
-          <p:style>
-            <a:lnRef idx="1">
-              <a:schemeClr val="accent5"/>
-            </a:lnRef>
-            <a:fillRef idx="2">
-              <a:schemeClr val="accent5"/>
-            </a:fillRef>
-            <a:effectRef idx="1">
-              <a:schemeClr val="accent5"/>
-            </a:effectRef>
-            <a:fontRef idx="minor">
-              <a:schemeClr val="dk1"/>
-            </a:fontRef>
-          </p:style>
-          <p:txBody>
-            <a:bodyPr rtlCol="0" anchor="ctr"/>
-            <a:lstStyle/>
-            <a:p>
-              <a:pPr algn="ctr"/>
-              <a:endParaRPr kumimoji="1" lang="ja-JP" altLang="en-US"/>
-            </a:p>
-          </p:txBody>
-        </p:sp>
-        <p:sp>
-          <p:nvSpPr>
-            <p:cNvPr id="8" name="正方形/長方形 7"/>
-            <p:cNvSpPr/>
-            <p:nvPr/>
-          </p:nvSpPr>
-          <p:spPr>
-            <a:xfrm>
-              <a:off x="2031998" y="2997200"/>
-              <a:ext cx="6273801" cy="1409700"/>
-            </a:xfrm>
-            <a:prstGeom prst="rect">
-              <a:avLst/>
-            </a:prstGeom>
-            <a:ln/>
-          </p:spPr>
-          <p:style>
-            <a:lnRef idx="1">
-              <a:schemeClr val="accent2"/>
-            </a:lnRef>
-            <a:fillRef idx="2">
-              <a:schemeClr val="accent2"/>
-            </a:fillRef>
-            <a:effectRef idx="1">
-              <a:schemeClr val="accent2"/>
-            </a:effectRef>
-            <a:fontRef idx="minor">
-              <a:schemeClr val="dk1"/>
-            </a:fontRef>
-          </p:style>
-          <p:txBody>
-            <a:bodyPr rtlCol="0" anchor="ctr"/>
-            <a:lstStyle/>
-            <a:p>
-              <a:pPr algn="ctr"/>
-              <a:endParaRPr kumimoji="1" lang="ja-JP" altLang="en-US" dirty="0"/>
-            </a:p>
-          </p:txBody>
-        </p:sp>
-        <p:sp>
-          <p:nvSpPr>
-            <p:cNvPr id="9" name="角丸四角形 8"/>
-            <p:cNvSpPr/>
-            <p:nvPr/>
-          </p:nvSpPr>
-          <p:spPr>
-            <a:xfrm>
-              <a:off x="3492500" y="6249307"/>
-              <a:ext cx="1843869" cy="455386"/>
-            </a:xfrm>
-            <a:prstGeom prst="roundRect">
-              <a:avLst/>
-            </a:prstGeom>
-            <a:ln/>
-          </p:spPr>
-          <p:style>
-            <a:lnRef idx="1">
-              <a:schemeClr val="dk1"/>
-            </a:lnRef>
-            <a:fillRef idx="2">
-              <a:schemeClr val="dk1"/>
-            </a:fillRef>
-            <a:effectRef idx="1">
-              <a:schemeClr val="dk1"/>
-            </a:effectRef>
-            <a:fontRef idx="minor">
-              <a:schemeClr val="dk1"/>
-            </a:fontRef>
-          </p:style>
-          <p:txBody>
-            <a:bodyPr rtlCol="0" anchor="ctr"/>
-            <a:lstStyle/>
-            <a:p>
-              <a:pPr algn="ctr"/>
-              <a:r>
-                <a:rPr kumimoji="1" lang="en-US" altLang="ja-JP" sz="1400" dirty="0" smtClean="0">
-                  <a:solidFill>
-                    <a:schemeClr val="tx1"/>
-                  </a:solidFill>
-                </a:rPr>
-                <a:t>Resource</a:t>
-              </a:r>
-              <a:r>
-                <a:rPr lang="en-US" altLang="ja-JP" sz="1400" dirty="0" smtClean="0">
-                  <a:solidFill>
-                    <a:schemeClr val="tx1"/>
-                  </a:solidFill>
-                </a:rPr>
-                <a:t>(URL Etc.)</a:t>
-              </a:r>
-              <a:endParaRPr kumimoji="1" lang="ja-JP" altLang="en-US" sz="1400" dirty="0">
-                <a:solidFill>
-                  <a:schemeClr val="tx1"/>
-                </a:solidFill>
-              </a:endParaRPr>
-            </a:p>
-          </p:txBody>
-        </p:sp>
-        <p:sp>
-          <p:nvSpPr>
-            <p:cNvPr id="10" name="正方形/長方形 9"/>
-            <p:cNvSpPr/>
-            <p:nvPr/>
-          </p:nvSpPr>
-          <p:spPr>
-            <a:xfrm>
-              <a:off x="3784600" y="916215"/>
-              <a:ext cx="1272369" cy="810987"/>
-            </a:xfrm>
-            <a:prstGeom prst="rect">
-              <a:avLst/>
-            </a:prstGeom>
-            <a:ln/>
-          </p:spPr>
-          <p:style>
-            <a:lnRef idx="0">
-              <a:schemeClr val="accent5"/>
-            </a:lnRef>
-            <a:fillRef idx="3">
-              <a:schemeClr val="accent5"/>
-            </a:fillRef>
-            <a:effectRef idx="3">
-              <a:schemeClr val="accent5"/>
-            </a:effectRef>
-            <a:fontRef idx="minor">
-              <a:schemeClr val="lt1"/>
-            </a:fontRef>
-          </p:style>
-          <p:txBody>
-            <a:bodyPr rtlCol="0" anchor="ctr"/>
-            <a:lstStyle/>
-            <a:p>
-              <a:pPr algn="ctr"/>
-              <a:r>
-                <a:rPr kumimoji="1" lang="en-US" altLang="ja-JP" sz="1400" dirty="0" smtClean="0">
-                  <a:solidFill>
-                    <a:schemeClr val="tx1"/>
-                  </a:solidFill>
-                </a:rPr>
-                <a:t>Authentication Filter</a:t>
-              </a:r>
-              <a:endParaRPr kumimoji="1" lang="ja-JP" altLang="en-US" sz="1400" dirty="0">
-                <a:solidFill>
-                  <a:schemeClr val="tx1"/>
-                </a:solidFill>
-              </a:endParaRPr>
-            </a:p>
-          </p:txBody>
-        </p:sp>
-        <p:sp>
-          <p:nvSpPr>
-            <p:cNvPr id="13" name="正方形/長方形 12"/>
-            <p:cNvSpPr/>
-            <p:nvPr/>
-          </p:nvSpPr>
-          <p:spPr>
-            <a:xfrm>
-              <a:off x="6759788" y="930696"/>
-              <a:ext cx="1272369" cy="810987"/>
-            </a:xfrm>
-            <a:prstGeom prst="rect">
-              <a:avLst/>
-            </a:prstGeom>
-            <a:ln/>
-          </p:spPr>
-          <p:style>
-            <a:lnRef idx="0">
-              <a:schemeClr val="accent5"/>
-            </a:lnRef>
-            <a:fillRef idx="3">
-              <a:schemeClr val="accent5"/>
-            </a:fillRef>
-            <a:effectRef idx="3">
-              <a:schemeClr val="accent5"/>
-            </a:effectRef>
-            <a:fontRef idx="minor">
-              <a:schemeClr val="lt1"/>
-            </a:fontRef>
-          </p:style>
-          <p:txBody>
-            <a:bodyPr rtlCol="0" anchor="ctr"/>
-            <a:lstStyle/>
-            <a:p>
-              <a:pPr algn="ctr"/>
-              <a:r>
-                <a:rPr lang="en-US" altLang="ja-JP" sz="1400" dirty="0" smtClean="0">
-                  <a:solidFill>
-                    <a:schemeClr val="tx1"/>
-                  </a:solidFill>
-                </a:rPr>
-                <a:t>Authentication Info</a:t>
-              </a:r>
-              <a:endParaRPr lang="ja-JP" altLang="en-US" sz="1400" dirty="0" smtClean="0">
-                <a:solidFill>
-                  <a:schemeClr val="tx1"/>
-                </a:solidFill>
-              </a:endParaRPr>
-            </a:p>
-          </p:txBody>
-        </p:sp>
-        <p:sp>
-          <p:nvSpPr>
-            <p:cNvPr id="14" name="テキスト ボックス 13"/>
-            <p:cNvSpPr txBox="1"/>
-            <p:nvPr/>
-          </p:nvSpPr>
-          <p:spPr>
-            <a:xfrm>
-              <a:off x="2031997" y="2997200"/>
-              <a:ext cx="3719594" cy="307777"/>
-            </a:xfrm>
-            <a:prstGeom prst="rect">
-              <a:avLst/>
-            </a:prstGeom>
+          </a:ln>
+        </p:spPr>
+        <p:style>
+          <a:lnRef idx="2">
+            <a:schemeClr val="accent1">
+              <a:shade val="50000"/>
+            </a:schemeClr>
+          </a:lnRef>
+          <a:fillRef idx="1">
+            <a:schemeClr val="accent1"/>
+          </a:fillRef>
+          <a:effectRef idx="0">
+            <a:schemeClr val="accent1"/>
+          </a:effectRef>
+          <a:fontRef idx="minor">
+            <a:schemeClr val="lt1"/>
+          </a:fontRef>
+        </p:style>
+        <p:txBody>
+          <a:bodyPr rtlCol="0" anchor="ctr"/>
+          <a:lstStyle/>
+          <a:p>
+            <a:pPr algn="ctr"/>
+            <a:r>
+              <a:rPr lang="en-US" altLang="ja-JP" sz="1100" dirty="0">
+                <a:solidFill>
+                  <a:schemeClr val="tx1">
+                    <a:lumMod val="75000"/>
+                    <a:lumOff val="25000"/>
+                  </a:schemeClr>
+                </a:solidFill>
+                <a:latin typeface="HGP創英角ｺﾞｼｯｸUB" panose="020B0900000000000000" pitchFamily="50" charset="-128"/>
+                <a:ea typeface="HGP創英角ｺﾞｼｯｸUB" panose="020B0900000000000000" pitchFamily="50" charset="-128"/>
+              </a:rPr>
+              <a:t>&lt;interface&gt; </a:t>
+            </a:r>
+            <a:r>
+              <a:rPr lang="en-US" altLang="ja-JP" dirty="0" err="1">
+                <a:solidFill>
+                  <a:schemeClr val="tx1">
+                    <a:lumMod val="75000"/>
+                    <a:lumOff val="25000"/>
+                  </a:schemeClr>
+                </a:solidFill>
+                <a:latin typeface="HGP創英角ｺﾞｼｯｸUB" panose="020B0900000000000000" pitchFamily="50" charset="-128"/>
+                <a:ea typeface="HGP創英角ｺﾞｼｯｸUB" panose="020B0900000000000000" pitchFamily="50" charset="-128"/>
+              </a:rPr>
+              <a:t>AccessDecision</a:t>
+            </a:r>
+            <a:endParaRPr lang="en-US" altLang="ja-JP" dirty="0">
+              <a:solidFill>
+                <a:schemeClr val="tx1">
+                  <a:lumMod val="75000"/>
+                  <a:lumOff val="25000"/>
+                </a:schemeClr>
+              </a:solidFill>
+              <a:latin typeface="HGP創英角ｺﾞｼｯｸUB" panose="020B0900000000000000" pitchFamily="50" charset="-128"/>
+              <a:ea typeface="HGP創英角ｺﾞｼｯｸUB" panose="020B0900000000000000" pitchFamily="50" charset="-128"/>
+            </a:endParaRPr>
+          </a:p>
+          <a:p>
+            <a:pPr algn="ctr"/>
+            <a:r>
+              <a:rPr lang="en-US" altLang="ja-JP" dirty="0">
+                <a:solidFill>
+                  <a:schemeClr val="tx1">
+                    <a:lumMod val="75000"/>
+                    <a:lumOff val="25000"/>
+                  </a:schemeClr>
+                </a:solidFill>
+                <a:latin typeface="HGP創英角ｺﾞｼｯｸUB" panose="020B0900000000000000" pitchFamily="50" charset="-128"/>
+                <a:ea typeface="HGP創英角ｺﾞｼｯｸUB" panose="020B0900000000000000" pitchFamily="50" charset="-128"/>
+              </a:rPr>
+              <a:t>Manager</a:t>
+            </a:r>
+          </a:p>
+        </p:txBody>
+      </p:sp>
+      <p:sp>
+        <p:nvSpPr>
+          <p:cNvPr id="38" name="正方形/長方形 37"/>
+          <p:cNvSpPr/>
+          <p:nvPr/>
+        </p:nvSpPr>
+        <p:spPr>
+          <a:xfrm>
+            <a:off x="6948264" y="1980232"/>
+            <a:ext cx="1629867" cy="974823"/>
+          </a:xfrm>
+          <a:prstGeom prst="rect">
+            <a:avLst/>
+          </a:prstGeom>
+          <a:solidFill>
+            <a:schemeClr val="accent6">
+              <a:lumMod val="60000"/>
+              <a:lumOff val="40000"/>
+            </a:schemeClr>
+          </a:solidFill>
+          <a:ln>
             <a:noFill/>
-          </p:spPr>
-          <p:txBody>
-            <a:bodyPr wrap="square" rtlCol="0">
-              <a:spAutoFit/>
-            </a:bodyPr>
-            <a:lstStyle/>
-            <a:p>
-              <a:r>
-                <a:rPr lang="en-US" altLang="ja-JP" sz="1400" dirty="0" smtClean="0">
-                  <a:effectLst>
-                    <a:outerShdw blurRad="38100" dist="38100" dir="2700000" algn="tl">
-                      <a:srgbClr val="000000">
-                        <a:alpha val="43137"/>
-                      </a:srgbClr>
-                    </a:outerShdw>
-                  </a:effectLst>
-                </a:rPr>
-                <a:t>Authorization</a:t>
-              </a:r>
-              <a:endParaRPr kumimoji="1" lang="ja-JP" altLang="en-US" sz="1400" dirty="0">
-                <a:effectLst>
-                  <a:outerShdw blurRad="38100" dist="38100" dir="2700000" algn="tl">
-                    <a:srgbClr val="000000">
-                      <a:alpha val="43137"/>
-                    </a:srgbClr>
-                  </a:outerShdw>
-                </a:effectLst>
-              </a:endParaRPr>
-            </a:p>
-          </p:txBody>
-        </p:sp>
-        <p:sp>
-          <p:nvSpPr>
-            <p:cNvPr id="15" name="テキスト ボックス 14"/>
-            <p:cNvSpPr txBox="1"/>
-            <p:nvPr/>
-          </p:nvSpPr>
-          <p:spPr>
-            <a:xfrm>
-              <a:off x="2032000" y="601807"/>
-              <a:ext cx="3719594" cy="307777"/>
-            </a:xfrm>
-            <a:prstGeom prst="rect">
-              <a:avLst/>
-            </a:prstGeom>
+          </a:ln>
+        </p:spPr>
+        <p:style>
+          <a:lnRef idx="2">
+            <a:schemeClr val="accent1">
+              <a:shade val="50000"/>
+            </a:schemeClr>
+          </a:lnRef>
+          <a:fillRef idx="1">
+            <a:schemeClr val="accent1"/>
+          </a:fillRef>
+          <a:effectRef idx="0">
+            <a:schemeClr val="accent1"/>
+          </a:effectRef>
+          <a:fontRef idx="minor">
+            <a:schemeClr val="lt1"/>
+          </a:fontRef>
+        </p:style>
+        <p:txBody>
+          <a:bodyPr rtlCol="0" anchor="ctr"/>
+          <a:lstStyle/>
+          <a:p>
+            <a:pPr algn="ctr"/>
+            <a:r>
+              <a:rPr lang="en-US" altLang="ja-JP" sz="1100" dirty="0">
+                <a:solidFill>
+                  <a:schemeClr val="tx1">
+                    <a:lumMod val="75000"/>
+                    <a:lumOff val="25000"/>
+                  </a:schemeClr>
+                </a:solidFill>
+                <a:latin typeface="HGP創英角ｺﾞｼｯｸUB" panose="020B0900000000000000" pitchFamily="50" charset="-128"/>
+                <a:ea typeface="HGP創英角ｺﾞｼｯｸUB" panose="020B0900000000000000" pitchFamily="50" charset="-128"/>
+              </a:rPr>
+              <a:t>&lt;interface&gt; </a:t>
+            </a:r>
+            <a:r>
+              <a:rPr lang="en-US" altLang="ja-JP" dirty="0" smtClean="0">
+                <a:solidFill>
+                  <a:schemeClr val="tx1">
+                    <a:lumMod val="75000"/>
+                    <a:lumOff val="25000"/>
+                  </a:schemeClr>
+                </a:solidFill>
+                <a:latin typeface="HGP創英角ｺﾞｼｯｸUB" panose="020B0900000000000000" pitchFamily="50" charset="-128"/>
+                <a:ea typeface="HGP創英角ｺﾞｼｯｸUB" panose="020B0900000000000000" pitchFamily="50" charset="-128"/>
+              </a:rPr>
+              <a:t>Access</a:t>
+            </a:r>
+          </a:p>
+          <a:p>
+            <a:pPr algn="ctr"/>
+            <a:r>
+              <a:rPr lang="en-US" altLang="ja-JP" dirty="0" err="1" smtClean="0">
+                <a:solidFill>
+                  <a:schemeClr val="tx1">
+                    <a:lumMod val="75000"/>
+                    <a:lumOff val="25000"/>
+                  </a:schemeClr>
+                </a:solidFill>
+                <a:latin typeface="HGP創英角ｺﾞｼｯｸUB" panose="020B0900000000000000" pitchFamily="50" charset="-128"/>
+                <a:ea typeface="HGP創英角ｺﾞｼｯｸUB" panose="020B0900000000000000" pitchFamily="50" charset="-128"/>
+              </a:rPr>
+              <a:t>DecisionVoter</a:t>
+            </a:r>
+            <a:endParaRPr lang="en-US" altLang="ja-JP" dirty="0">
+              <a:solidFill>
+                <a:schemeClr val="tx1">
+                  <a:lumMod val="75000"/>
+                  <a:lumOff val="25000"/>
+                </a:schemeClr>
+              </a:solidFill>
+              <a:latin typeface="HGP創英角ｺﾞｼｯｸUB" panose="020B0900000000000000" pitchFamily="50" charset="-128"/>
+              <a:ea typeface="HGP創英角ｺﾞｼｯｸUB" panose="020B0900000000000000" pitchFamily="50" charset="-128"/>
+            </a:endParaRPr>
+          </a:p>
+        </p:txBody>
+      </p:sp>
+      <p:sp>
+        <p:nvSpPr>
+          <p:cNvPr id="41" name="正方形/長方形 40"/>
+          <p:cNvSpPr/>
+          <p:nvPr/>
+        </p:nvSpPr>
+        <p:spPr>
+          <a:xfrm>
+            <a:off x="6919689" y="3632671"/>
+            <a:ext cx="1629867" cy="974823"/>
+          </a:xfrm>
+          <a:prstGeom prst="rect">
+            <a:avLst/>
+          </a:prstGeom>
+          <a:solidFill>
+            <a:schemeClr val="accent6">
+              <a:lumMod val="60000"/>
+              <a:lumOff val="40000"/>
+            </a:schemeClr>
+          </a:solidFill>
+          <a:ln>
             <a:noFill/>
-          </p:spPr>
-          <p:txBody>
-            <a:bodyPr wrap="square" rtlCol="0">
-              <a:spAutoFit/>
-            </a:bodyPr>
-            <a:lstStyle/>
-            <a:p>
-              <a:r>
-                <a:rPr lang="ja-JP" altLang="en-US" sz="1400" dirty="0" smtClean="0">
-                  <a:effectLst>
-                    <a:outerShdw blurRad="38100" dist="38100" dir="2700000" algn="tl">
-                      <a:srgbClr val="000000">
-                        <a:alpha val="43137"/>
-                      </a:srgbClr>
-                    </a:outerShdw>
-                  </a:effectLst>
-                </a:rPr>
-                <a:t> </a:t>
-              </a:r>
-              <a:r>
-                <a:rPr lang="en-US" altLang="ja-JP" sz="1400" dirty="0" smtClean="0">
-                  <a:effectLst>
-                    <a:outerShdw blurRad="38100" dist="38100" dir="2700000" algn="tl">
-                      <a:srgbClr val="000000">
-                        <a:alpha val="43137"/>
-                      </a:srgbClr>
-                    </a:outerShdw>
-                  </a:effectLst>
-                </a:rPr>
-                <a:t>Authentication</a:t>
-              </a:r>
-              <a:endParaRPr kumimoji="1" lang="ja-JP" altLang="en-US" sz="1400" dirty="0">
-                <a:effectLst>
-                  <a:outerShdw blurRad="38100" dist="38100" dir="2700000" algn="tl">
-                    <a:srgbClr val="000000">
-                      <a:alpha val="43137"/>
-                    </a:srgbClr>
-                  </a:outerShdw>
-                </a:effectLst>
-              </a:endParaRPr>
-            </a:p>
-          </p:txBody>
-        </p:sp>
-        <p:sp>
-          <p:nvSpPr>
-            <p:cNvPr id="16" name="正方形/長方形 15"/>
-            <p:cNvSpPr/>
-            <p:nvPr/>
-          </p:nvSpPr>
-          <p:spPr>
-            <a:xfrm>
-              <a:off x="3777972" y="3417332"/>
-              <a:ext cx="1272369" cy="810987"/>
-            </a:xfrm>
-            <a:prstGeom prst="rect">
-              <a:avLst/>
-            </a:prstGeom>
-            <a:ln/>
-          </p:spPr>
-          <p:style>
-            <a:lnRef idx="0">
-              <a:schemeClr val="accent2"/>
-            </a:lnRef>
-            <a:fillRef idx="3">
-              <a:schemeClr val="accent2"/>
-            </a:fillRef>
-            <a:effectRef idx="3">
-              <a:schemeClr val="accent2"/>
-            </a:effectRef>
-            <a:fontRef idx="minor">
-              <a:schemeClr val="lt1"/>
-            </a:fontRef>
-          </p:style>
-          <p:txBody>
-            <a:bodyPr rtlCol="0" anchor="ctr"/>
-            <a:lstStyle/>
-            <a:p>
-              <a:pPr algn="ctr"/>
-              <a:r>
-                <a:rPr lang="en-US" altLang="ja-JP" sz="1400" dirty="0" smtClean="0">
-                  <a:solidFill>
-                    <a:schemeClr val="tx1"/>
-                  </a:solidFill>
-                </a:rPr>
-                <a:t>(1) Access Authorization Filter</a:t>
-              </a:r>
-            </a:p>
-          </p:txBody>
-        </p:sp>
-        <p:sp>
-          <p:nvSpPr>
-            <p:cNvPr id="17" name="正方形/長方形 16"/>
-            <p:cNvSpPr/>
-            <p:nvPr/>
-          </p:nvSpPr>
-          <p:spPr>
-            <a:xfrm>
-              <a:off x="6766731" y="3417332"/>
-              <a:ext cx="1272369" cy="810987"/>
-            </a:xfrm>
-            <a:prstGeom prst="rect">
-              <a:avLst/>
-            </a:prstGeom>
-            <a:ln/>
-          </p:spPr>
-          <p:style>
-            <a:lnRef idx="0">
-              <a:schemeClr val="accent2"/>
-            </a:lnRef>
-            <a:fillRef idx="3">
-              <a:schemeClr val="accent2"/>
-            </a:fillRef>
-            <a:effectRef idx="3">
-              <a:schemeClr val="accent2"/>
-            </a:effectRef>
-            <a:fontRef idx="minor">
-              <a:schemeClr val="lt1"/>
-            </a:fontRef>
-          </p:style>
-          <p:txBody>
-            <a:bodyPr rtlCol="0" anchor="ctr"/>
-            <a:lstStyle/>
-            <a:p>
-              <a:pPr algn="ctr"/>
-              <a:r>
-                <a:rPr lang="en-US" altLang="ja-JP" sz="1400" dirty="0" smtClean="0">
-                  <a:solidFill>
-                    <a:schemeClr val="tx1"/>
-                  </a:solidFill>
-                </a:rPr>
-                <a:t>Access Authorization Manager</a:t>
-              </a:r>
-            </a:p>
-          </p:txBody>
-        </p:sp>
-        <p:cxnSp>
-          <p:nvCxnSpPr>
-            <p:cNvPr id="18" name="直線矢印コネクタ 17"/>
-            <p:cNvCxnSpPr>
-              <a:stCxn id="6" idx="3"/>
-              <a:endCxn id="10" idx="1"/>
-            </p:cNvCxnSpPr>
-            <p:nvPr/>
-          </p:nvCxnSpPr>
-          <p:spPr>
-            <a:xfrm>
-              <a:off x="1416957" y="1321709"/>
-              <a:ext cx="2367643" cy="0"/>
-            </a:xfrm>
-            <a:prstGeom prst="straightConnector1">
-              <a:avLst/>
-            </a:prstGeom>
-            <a:ln w="9525">
+          </a:ln>
+        </p:spPr>
+        <p:style>
+          <a:lnRef idx="2">
+            <a:schemeClr val="accent1">
+              <a:shade val="50000"/>
+            </a:schemeClr>
+          </a:lnRef>
+          <a:fillRef idx="1">
+            <a:schemeClr val="accent1"/>
+          </a:fillRef>
+          <a:effectRef idx="0">
+            <a:schemeClr val="accent1"/>
+          </a:effectRef>
+          <a:fontRef idx="minor">
+            <a:schemeClr val="lt1"/>
+          </a:fontRef>
+        </p:style>
+        <p:txBody>
+          <a:bodyPr rtlCol="0" anchor="ctr"/>
+          <a:lstStyle/>
+          <a:p>
+            <a:pPr algn="ctr"/>
+            <a:r>
+              <a:rPr lang="en-US" altLang="ja-JP" dirty="0" smtClean="0">
+                <a:solidFill>
+                  <a:schemeClr val="tx1">
+                    <a:lumMod val="75000"/>
+                    <a:lumOff val="25000"/>
+                  </a:schemeClr>
+                </a:solidFill>
+                <a:latin typeface="HGP創英角ｺﾞｼｯｸUB" panose="020B0900000000000000" pitchFamily="50" charset="-128"/>
+                <a:ea typeface="HGP創英角ｺﾞｼｯｸUB" panose="020B0900000000000000" pitchFamily="50" charset="-128"/>
+              </a:rPr>
+              <a:t>Web</a:t>
+            </a:r>
+          </a:p>
+          <a:p>
+            <a:pPr algn="ctr"/>
+            <a:r>
+              <a:rPr lang="en-US" altLang="ja-JP" dirty="0" smtClean="0">
+                <a:solidFill>
+                  <a:schemeClr val="tx1">
+                    <a:lumMod val="75000"/>
+                    <a:lumOff val="25000"/>
+                  </a:schemeClr>
+                </a:solidFill>
+                <a:latin typeface="HGP創英角ｺﾞｼｯｸUB" panose="020B0900000000000000" pitchFamily="50" charset="-128"/>
+                <a:ea typeface="HGP創英角ｺﾞｼｯｸUB" panose="020B0900000000000000" pitchFamily="50" charset="-128"/>
+              </a:rPr>
+              <a:t>Expression</a:t>
+            </a:r>
+          </a:p>
+          <a:p>
+            <a:pPr algn="ctr"/>
+            <a:r>
+              <a:rPr lang="en-US" altLang="ja-JP" dirty="0" smtClean="0">
+                <a:solidFill>
+                  <a:schemeClr val="tx1">
+                    <a:lumMod val="75000"/>
+                    <a:lumOff val="25000"/>
+                  </a:schemeClr>
+                </a:solidFill>
+                <a:latin typeface="HGP創英角ｺﾞｼｯｸUB" panose="020B0900000000000000" pitchFamily="50" charset="-128"/>
+                <a:ea typeface="HGP創英角ｺﾞｼｯｸUB" panose="020B0900000000000000" pitchFamily="50" charset="-128"/>
+              </a:rPr>
+              <a:t>Voter</a:t>
+            </a:r>
+            <a:endParaRPr lang="en-US" altLang="ja-JP" dirty="0">
               <a:solidFill>
-                <a:schemeClr val="tx1"/>
+                <a:schemeClr val="tx1">
+                  <a:lumMod val="75000"/>
+                  <a:lumOff val="25000"/>
+                </a:schemeClr>
               </a:solidFill>
-              <a:tailEnd type="arrow"/>
-            </a:ln>
-          </p:spPr>
-          <p:style>
-            <a:lnRef idx="2">
-              <a:schemeClr val="accent1"/>
-            </a:lnRef>
-            <a:fillRef idx="0">
-              <a:schemeClr val="accent1"/>
-            </a:fillRef>
-            <a:effectRef idx="1">
-              <a:schemeClr val="accent1"/>
-            </a:effectRef>
-            <a:fontRef idx="minor">
-              <a:schemeClr val="tx1"/>
-            </a:fontRef>
-          </p:style>
-        </p:cxnSp>
-        <p:cxnSp>
-          <p:nvCxnSpPr>
-            <p:cNvPr id="21" name="カギ線コネクタ 20"/>
-            <p:cNvCxnSpPr>
-              <a:stCxn id="10" idx="2"/>
-              <a:endCxn id="16" idx="0"/>
-            </p:cNvCxnSpPr>
-            <p:nvPr/>
-          </p:nvCxnSpPr>
-          <p:spPr>
-            <a:xfrm rot="5400000">
-              <a:off x="3572406" y="2568953"/>
-              <a:ext cx="1690130" cy="6628"/>
-            </a:xfrm>
-            <a:prstGeom prst="bentConnector3">
-              <a:avLst>
-                <a:gd name="adj1" fmla="val 50000"/>
-              </a:avLst>
-            </a:prstGeom>
-            <a:ln w="9525">
+              <a:latin typeface="HGP創英角ｺﾞｼｯｸUB" panose="020B0900000000000000" pitchFamily="50" charset="-128"/>
+              <a:ea typeface="HGP創英角ｺﾞｼｯｸUB" panose="020B0900000000000000" pitchFamily="50" charset="-128"/>
+            </a:endParaRPr>
+          </a:p>
+        </p:txBody>
+      </p:sp>
+      <p:cxnSp>
+        <p:nvCxnSpPr>
+          <p:cNvPr id="44" name="直線矢印コネクタ 73"/>
+          <p:cNvCxnSpPr>
+            <a:endCxn id="36" idx="2"/>
+          </p:cNvCxnSpPr>
+          <p:nvPr/>
+        </p:nvCxnSpPr>
+        <p:spPr bwMode="invGray">
+          <a:xfrm flipV="1">
+            <a:off x="5810709" y="2956146"/>
+            <a:ext cx="0" cy="650320"/>
+          </a:xfrm>
+          <a:prstGeom prst="straightConnector1">
+            <a:avLst/>
+          </a:prstGeom>
+          <a:ln w="50800">
+            <a:solidFill>
+              <a:schemeClr val="tx1">
+                <a:lumMod val="50000"/>
+                <a:lumOff val="50000"/>
+              </a:schemeClr>
+            </a:solidFill>
+            <a:prstDash val="sysDash"/>
+            <a:headEnd type="none" w="lg" len="lg"/>
+            <a:tailEnd type="triangle" w="lg" len="lg"/>
+          </a:ln>
+        </p:spPr>
+        <p:style>
+          <a:lnRef idx="1">
+            <a:schemeClr val="accent1"/>
+          </a:lnRef>
+          <a:fillRef idx="0">
+            <a:schemeClr val="accent1"/>
+          </a:fillRef>
+          <a:effectRef idx="0">
+            <a:schemeClr val="accent1"/>
+          </a:effectRef>
+          <a:fontRef idx="minor">
+            <a:schemeClr val="tx1"/>
+          </a:fontRef>
+        </p:style>
+      </p:cxnSp>
+      <p:cxnSp>
+        <p:nvCxnSpPr>
+          <p:cNvPr id="48" name="直線矢印コネクタ 73"/>
+          <p:cNvCxnSpPr/>
+          <p:nvPr/>
+        </p:nvCxnSpPr>
+        <p:spPr bwMode="invGray">
+          <a:xfrm flipV="1">
+            <a:off x="6588224" y="2954886"/>
+            <a:ext cx="386680" cy="677785"/>
+          </a:xfrm>
+          <a:prstGeom prst="straightConnector1">
+            <a:avLst/>
+          </a:prstGeom>
+          <a:ln w="50800">
+            <a:solidFill>
+              <a:schemeClr val="tx2">
+                <a:lumMod val="40000"/>
+                <a:lumOff val="60000"/>
+              </a:schemeClr>
+            </a:solidFill>
+            <a:headEnd type="triangle" w="lg" len="lg"/>
+            <a:tailEnd type="triangle" w="lg" len="lg"/>
+          </a:ln>
+        </p:spPr>
+        <p:style>
+          <a:lnRef idx="1">
+            <a:schemeClr val="accent1"/>
+          </a:lnRef>
+          <a:fillRef idx="0">
+            <a:schemeClr val="accent1"/>
+          </a:fillRef>
+          <a:effectRef idx="0">
+            <a:schemeClr val="accent1"/>
+          </a:effectRef>
+          <a:fontRef idx="minor">
+            <a:schemeClr val="tx1"/>
+          </a:fontRef>
+        </p:style>
+      </p:cxnSp>
+      <p:cxnSp>
+        <p:nvCxnSpPr>
+          <p:cNvPr id="51" name="直線矢印コネクタ 73"/>
+          <p:cNvCxnSpPr>
+            <a:endCxn id="38" idx="2"/>
+          </p:cNvCxnSpPr>
+          <p:nvPr/>
+        </p:nvCxnSpPr>
+        <p:spPr bwMode="invGray">
+          <a:xfrm flipV="1">
+            <a:off x="7763198" y="2955055"/>
+            <a:ext cx="0" cy="651411"/>
+          </a:xfrm>
+          <a:prstGeom prst="straightConnector1">
+            <a:avLst/>
+          </a:prstGeom>
+          <a:ln w="50800">
+            <a:solidFill>
+              <a:schemeClr val="tx1">
+                <a:lumMod val="50000"/>
+                <a:lumOff val="50000"/>
+              </a:schemeClr>
+            </a:solidFill>
+            <a:prstDash val="sysDash"/>
+            <a:headEnd type="none" w="lg" len="lg"/>
+            <a:tailEnd type="triangle" w="lg" len="lg"/>
+          </a:ln>
+        </p:spPr>
+        <p:style>
+          <a:lnRef idx="1">
+            <a:schemeClr val="accent1"/>
+          </a:lnRef>
+          <a:fillRef idx="0">
+            <a:schemeClr val="accent1"/>
+          </a:fillRef>
+          <a:effectRef idx="0">
+            <a:schemeClr val="accent1"/>
+          </a:effectRef>
+          <a:fontRef idx="minor">
+            <a:schemeClr val="tx1"/>
+          </a:fontRef>
+        </p:style>
+      </p:cxnSp>
+      <p:cxnSp>
+        <p:nvCxnSpPr>
+          <p:cNvPr id="58" name="直線矢印コネクタ 57"/>
+          <p:cNvCxnSpPr>
+            <a:stCxn id="40" idx="1"/>
+            <a:endCxn id="67" idx="3"/>
+          </p:cNvCxnSpPr>
+          <p:nvPr/>
+        </p:nvCxnSpPr>
+        <p:spPr bwMode="invGray">
+          <a:xfrm flipH="1" flipV="1">
+            <a:off x="1095826" y="2466563"/>
+            <a:ext cx="1001624" cy="911"/>
+          </a:xfrm>
+          <a:prstGeom prst="straightConnector1">
+            <a:avLst/>
+          </a:prstGeom>
+          <a:ln w="50800">
+            <a:solidFill>
+              <a:schemeClr val="tx2">
+                <a:lumMod val="40000"/>
+                <a:lumOff val="60000"/>
+              </a:schemeClr>
+            </a:solidFill>
+            <a:headEnd type="triangle" w="lg" len="lg"/>
+            <a:tailEnd type="triangle" w="lg" len="lg"/>
+          </a:ln>
+        </p:spPr>
+        <p:style>
+          <a:lnRef idx="1">
+            <a:schemeClr val="accent1"/>
+          </a:lnRef>
+          <a:fillRef idx="0">
+            <a:schemeClr val="accent1"/>
+          </a:fillRef>
+          <a:effectRef idx="0">
+            <a:schemeClr val="accent1"/>
+          </a:effectRef>
+          <a:fontRef idx="minor">
+            <a:schemeClr val="tx1"/>
+          </a:fontRef>
+        </p:style>
+      </p:cxnSp>
+      <p:sp>
+        <p:nvSpPr>
+          <p:cNvPr id="61" name="正方形/長方形 60"/>
+          <p:cNvSpPr/>
+          <p:nvPr/>
+        </p:nvSpPr>
+        <p:spPr>
+          <a:xfrm>
+            <a:off x="4783189" y="1758425"/>
+            <a:ext cx="4037283" cy="3111403"/>
+          </a:xfrm>
+          <a:prstGeom prst="rect">
+            <a:avLst/>
+          </a:prstGeom>
+          <a:noFill/>
+          <a:ln w="63500">
+            <a:solidFill>
+              <a:schemeClr val="accent6">
+                <a:lumMod val="60000"/>
+                <a:lumOff val="40000"/>
+              </a:schemeClr>
+            </a:solidFill>
+            <a:prstDash val="solid"/>
+            <a:miter lim="800000"/>
+          </a:ln>
+          <a:effectLst/>
+        </p:spPr>
+        <p:style>
+          <a:lnRef idx="1">
+            <a:schemeClr val="accent1"/>
+          </a:lnRef>
+          <a:fillRef idx="3">
+            <a:schemeClr val="accent1"/>
+          </a:fillRef>
+          <a:effectRef idx="2">
+            <a:schemeClr val="accent1"/>
+          </a:effectRef>
+          <a:fontRef idx="minor">
+            <a:schemeClr val="lt1"/>
+          </a:fontRef>
+        </p:style>
+        <p:txBody>
+          <a:bodyPr rtlCol="0" anchor="b" anchorCtr="1"/>
+          <a:lstStyle/>
+          <a:p>
+            <a:pPr algn="ctr"/>
+            <a:endParaRPr kumimoji="1" lang="en-US" altLang="ja-JP" sz="2000" dirty="0" smtClean="0">
               <a:solidFill>
-                <a:schemeClr val="tx1"/>
+                <a:schemeClr val="tx1">
+                  <a:lumMod val="50000"/>
+                  <a:lumOff val="50000"/>
+                </a:schemeClr>
               </a:solidFill>
-              <a:tailEnd type="arrow"/>
-            </a:ln>
-          </p:spPr>
-          <p:style>
-            <a:lnRef idx="2">
-              <a:schemeClr val="accent1"/>
-            </a:lnRef>
-            <a:fillRef idx="0">
-              <a:schemeClr val="accent1"/>
-            </a:fillRef>
-            <a:effectRef idx="1">
-              <a:schemeClr val="accent1"/>
-            </a:effectRef>
-            <a:fontRef idx="minor">
-              <a:schemeClr val="tx1"/>
-            </a:fontRef>
-          </p:style>
-        </p:cxnSp>
-        <p:sp>
-          <p:nvSpPr>
-            <p:cNvPr id="22" name="正方形/長方形 21"/>
-            <p:cNvSpPr/>
-            <p:nvPr/>
-          </p:nvSpPr>
-          <p:spPr>
-            <a:xfrm>
-              <a:off x="2031998" y="2146300"/>
-              <a:ext cx="5092701" cy="609600"/>
-            </a:xfrm>
-            <a:prstGeom prst="rect">
-              <a:avLst/>
-            </a:prstGeom>
-            <a:ln/>
-          </p:spPr>
-          <p:style>
-            <a:lnRef idx="1">
-              <a:schemeClr val="accent3"/>
-            </a:lnRef>
-            <a:fillRef idx="2">
-              <a:schemeClr val="accent3"/>
-            </a:fillRef>
-            <a:effectRef idx="1">
-              <a:schemeClr val="accent3"/>
-            </a:effectRef>
-            <a:fontRef idx="minor">
-              <a:schemeClr val="dk1"/>
-            </a:fontRef>
-          </p:style>
-          <p:txBody>
-            <a:bodyPr rtlCol="0" anchor="ctr"/>
-            <a:lstStyle/>
-            <a:p>
-              <a:pPr algn="ctr"/>
-              <a:r>
-                <a:rPr lang="en-US" altLang="ja-JP" sz="1400" dirty="0" smtClean="0">
-                  <a:solidFill>
-                    <a:schemeClr val="tx1"/>
-                  </a:solidFill>
-                </a:rPr>
-                <a:t>Spring Security Filter Chain</a:t>
-              </a:r>
-              <a:endParaRPr kumimoji="1" lang="ja-JP" altLang="en-US" sz="1400" dirty="0">
-                <a:solidFill>
-                  <a:schemeClr val="tx1"/>
-                </a:solidFill>
-              </a:endParaRPr>
-            </a:p>
-          </p:txBody>
-        </p:sp>
-        <p:cxnSp>
-          <p:nvCxnSpPr>
-            <p:cNvPr id="31" name="直線矢印コネクタ 30"/>
-            <p:cNvCxnSpPr>
-              <a:stCxn id="16" idx="3"/>
-              <a:endCxn id="17" idx="1"/>
-            </p:cNvCxnSpPr>
-            <p:nvPr/>
-          </p:nvCxnSpPr>
-          <p:spPr>
-            <a:xfrm>
-              <a:off x="5050341" y="3822826"/>
-              <a:ext cx="1716390" cy="0"/>
-            </a:xfrm>
-            <a:prstGeom prst="straightConnector1">
-              <a:avLst/>
-            </a:prstGeom>
-            <a:ln w="9525">
+            </a:endParaRPr>
+          </a:p>
+        </p:txBody>
+      </p:sp>
+      <p:cxnSp>
+        <p:nvCxnSpPr>
+          <p:cNvPr id="62" name="直線矢印コネクタ 73"/>
+          <p:cNvCxnSpPr>
+            <a:stCxn id="25" idx="3"/>
+            <a:endCxn id="36" idx="1"/>
+          </p:cNvCxnSpPr>
+          <p:nvPr/>
+        </p:nvCxnSpPr>
+        <p:spPr bwMode="invGray">
+          <a:xfrm flipV="1">
+            <a:off x="3727714" y="2468735"/>
+            <a:ext cx="1204686" cy="1591693"/>
+          </a:xfrm>
+          <a:prstGeom prst="bentConnector3">
+            <a:avLst>
+              <a:gd name="adj1" fmla="val 50000"/>
+            </a:avLst>
+          </a:prstGeom>
+          <a:ln w="50800">
+            <a:solidFill>
+              <a:schemeClr val="tx2">
+                <a:lumMod val="40000"/>
+                <a:lumOff val="60000"/>
+              </a:schemeClr>
+            </a:solidFill>
+            <a:headEnd type="triangle" w="lg" len="lg"/>
+            <a:tailEnd type="triangle" w="lg" len="lg"/>
+          </a:ln>
+        </p:spPr>
+        <p:style>
+          <a:lnRef idx="1">
+            <a:schemeClr val="accent1"/>
+          </a:lnRef>
+          <a:fillRef idx="0">
+            <a:schemeClr val="accent1"/>
+          </a:fillRef>
+          <a:effectRef idx="0">
+            <a:schemeClr val="accent1"/>
+          </a:effectRef>
+          <a:fontRef idx="minor">
+            <a:schemeClr val="tx1"/>
+          </a:fontRef>
+        </p:style>
+      </p:cxnSp>
+      <p:sp>
+        <p:nvSpPr>
+          <p:cNvPr id="66" name="テキスト ボックス 65"/>
+          <p:cNvSpPr txBox="1"/>
+          <p:nvPr/>
+        </p:nvSpPr>
+        <p:spPr>
+          <a:xfrm>
+            <a:off x="3968220" y="1941359"/>
+            <a:ext cx="723275" cy="461665"/>
+          </a:xfrm>
+          <a:prstGeom prst="rect">
+            <a:avLst/>
+          </a:prstGeom>
+          <a:noFill/>
+        </p:spPr>
+        <p:txBody>
+          <a:bodyPr wrap="none" rtlCol="0">
+            <a:spAutoFit/>
+          </a:bodyPr>
+          <a:lstStyle/>
+          <a:p>
+            <a:r>
+              <a:rPr kumimoji="1" lang="ja-JP" altLang="en-US" sz="2400" dirty="0" smtClean="0">
+                <a:solidFill>
+                  <a:schemeClr val="tx1">
+                    <a:lumMod val="65000"/>
+                    <a:lumOff val="35000"/>
+                  </a:schemeClr>
+                </a:solidFill>
+                <a:latin typeface="HGP創英角ｺﾞｼｯｸUB" panose="020B0900000000000000" pitchFamily="50" charset="-128"/>
+                <a:ea typeface="HGP創英角ｺﾞｼｯｸUB" panose="020B0900000000000000" pitchFamily="50" charset="-128"/>
+              </a:rPr>
+              <a:t>（２）</a:t>
+            </a:r>
+            <a:endParaRPr kumimoji="1" lang="ja-JP" altLang="en-US" sz="2400" dirty="0">
               <a:solidFill>
-                <a:schemeClr val="tx1"/>
+                <a:schemeClr val="tx1">
+                  <a:lumMod val="65000"/>
+                  <a:lumOff val="35000"/>
+                </a:schemeClr>
               </a:solidFill>
-              <a:tailEnd type="arrow"/>
-            </a:ln>
-          </p:spPr>
-          <p:style>
-            <a:lnRef idx="2">
-              <a:schemeClr val="accent1"/>
-            </a:lnRef>
-            <a:fillRef idx="0">
-              <a:schemeClr val="accent1"/>
-            </a:fillRef>
-            <a:effectRef idx="1">
-              <a:schemeClr val="accent1"/>
-            </a:effectRef>
-            <a:fontRef idx="minor">
-              <a:schemeClr val="tx1"/>
-            </a:fontRef>
-          </p:style>
-        </p:cxnSp>
-        <p:cxnSp>
-          <p:nvCxnSpPr>
-            <p:cNvPr id="32" name="直線矢印コネクタ 31"/>
-            <p:cNvCxnSpPr>
-              <a:stCxn id="16" idx="2"/>
-              <a:endCxn id="9" idx="0"/>
-            </p:cNvCxnSpPr>
-            <p:nvPr/>
-          </p:nvCxnSpPr>
-          <p:spPr>
-            <a:xfrm>
-              <a:off x="4414157" y="4228319"/>
-              <a:ext cx="278" cy="2020988"/>
-            </a:xfrm>
-            <a:prstGeom prst="straightConnector1">
-              <a:avLst/>
-            </a:prstGeom>
-            <a:ln w="9525">
+              <a:latin typeface="HGP創英角ｺﾞｼｯｸUB" panose="020B0900000000000000" pitchFamily="50" charset="-128"/>
+              <a:ea typeface="HGP創英角ｺﾞｼｯｸUB" panose="020B0900000000000000" pitchFamily="50" charset="-128"/>
+            </a:endParaRPr>
+          </a:p>
+        </p:txBody>
+      </p:sp>
+      <p:sp>
+        <p:nvSpPr>
+          <p:cNvPr id="69" name="テキスト ボックス 68"/>
+          <p:cNvSpPr txBox="1"/>
+          <p:nvPr/>
+        </p:nvSpPr>
+        <p:spPr>
+          <a:xfrm>
+            <a:off x="1071319" y="1917671"/>
+            <a:ext cx="723275" cy="461665"/>
+          </a:xfrm>
+          <a:prstGeom prst="rect">
+            <a:avLst/>
+          </a:prstGeom>
+          <a:noFill/>
+        </p:spPr>
+        <p:txBody>
+          <a:bodyPr wrap="none" rtlCol="0">
+            <a:spAutoFit/>
+          </a:bodyPr>
+          <a:lstStyle/>
+          <a:p>
+            <a:r>
+              <a:rPr kumimoji="1" lang="ja-JP" altLang="en-US" sz="2400" dirty="0" smtClean="0">
+                <a:solidFill>
+                  <a:schemeClr val="tx1">
+                    <a:lumMod val="65000"/>
+                    <a:lumOff val="35000"/>
+                  </a:schemeClr>
+                </a:solidFill>
+                <a:latin typeface="HGP創英角ｺﾞｼｯｸUB" panose="020B0900000000000000" pitchFamily="50" charset="-128"/>
+                <a:ea typeface="HGP創英角ｺﾞｼｯｸUB" panose="020B0900000000000000" pitchFamily="50" charset="-128"/>
+              </a:rPr>
+              <a:t>（１）</a:t>
+            </a:r>
+            <a:endParaRPr kumimoji="1" lang="ja-JP" altLang="en-US" sz="2400" dirty="0">
               <a:solidFill>
-                <a:schemeClr val="tx1"/>
+                <a:schemeClr val="tx1">
+                  <a:lumMod val="65000"/>
+                  <a:lumOff val="35000"/>
+                </a:schemeClr>
               </a:solidFill>
-              <a:tailEnd type="arrow"/>
-            </a:ln>
-          </p:spPr>
-          <p:style>
-            <a:lnRef idx="2">
-              <a:schemeClr val="accent1"/>
-            </a:lnRef>
-            <a:fillRef idx="0">
-              <a:schemeClr val="accent1"/>
-            </a:fillRef>
-            <a:effectRef idx="1">
-              <a:schemeClr val="accent1"/>
-            </a:effectRef>
-            <a:fontRef idx="minor">
-              <a:schemeClr val="tx1"/>
-            </a:fontRef>
-          </p:style>
-        </p:cxnSp>
-        <p:sp>
-          <p:nvSpPr>
-            <p:cNvPr id="33" name="テキスト ボックス 32"/>
-            <p:cNvSpPr txBox="1"/>
-            <p:nvPr/>
-          </p:nvSpPr>
-          <p:spPr>
-            <a:xfrm>
-              <a:off x="7370573" y="2336800"/>
-              <a:ext cx="1469058" cy="261610"/>
-            </a:xfrm>
-            <a:prstGeom prst="rect">
-              <a:avLst/>
-            </a:prstGeom>
+              <a:latin typeface="HGP創英角ｺﾞｼｯｸUB" panose="020B0900000000000000" pitchFamily="50" charset="-128"/>
+              <a:ea typeface="HGP創英角ｺﾞｼｯｸUB" panose="020B0900000000000000" pitchFamily="50" charset="-128"/>
+            </a:endParaRPr>
+          </a:p>
+        </p:txBody>
+      </p:sp>
+      <p:sp>
+        <p:nvSpPr>
+          <p:cNvPr id="70" name="テキスト ボックス 69"/>
+          <p:cNvSpPr txBox="1"/>
+          <p:nvPr/>
+        </p:nvSpPr>
+        <p:spPr>
+          <a:xfrm>
+            <a:off x="6866324" y="3128033"/>
+            <a:ext cx="723275" cy="461665"/>
+          </a:xfrm>
+          <a:prstGeom prst="rect">
+            <a:avLst/>
+          </a:prstGeom>
+          <a:noFill/>
+        </p:spPr>
+        <p:txBody>
+          <a:bodyPr wrap="none" rtlCol="0">
+            <a:spAutoFit/>
+          </a:bodyPr>
+          <a:lstStyle/>
+          <a:p>
+            <a:r>
+              <a:rPr kumimoji="1" lang="ja-JP" altLang="en-US" sz="2400" dirty="0" smtClean="0">
+                <a:solidFill>
+                  <a:schemeClr val="tx1">
+                    <a:lumMod val="65000"/>
+                    <a:lumOff val="35000"/>
+                  </a:schemeClr>
+                </a:solidFill>
+                <a:latin typeface="HGP創英角ｺﾞｼｯｸUB" panose="020B0900000000000000" pitchFamily="50" charset="-128"/>
+                <a:ea typeface="HGP創英角ｺﾞｼｯｸUB" panose="020B0900000000000000" pitchFamily="50" charset="-128"/>
+              </a:rPr>
+              <a:t>（３）</a:t>
+            </a:r>
+            <a:endParaRPr kumimoji="1" lang="ja-JP" altLang="en-US" sz="2400" dirty="0">
+              <a:solidFill>
+                <a:schemeClr val="tx1">
+                  <a:lumMod val="65000"/>
+                  <a:lumOff val="35000"/>
+                </a:schemeClr>
+              </a:solidFill>
+              <a:latin typeface="HGP創英角ｺﾞｼｯｸUB" panose="020B0900000000000000" pitchFamily="50" charset="-128"/>
+              <a:ea typeface="HGP創英角ｺﾞｼｯｸUB" panose="020B0900000000000000" pitchFamily="50" charset="-128"/>
+            </a:endParaRPr>
+          </a:p>
+        </p:txBody>
+      </p:sp>
+      <p:sp>
+        <p:nvSpPr>
+          <p:cNvPr id="25" name="正方形/長方形 24"/>
+          <p:cNvSpPr/>
+          <p:nvPr/>
+        </p:nvSpPr>
+        <p:spPr>
+          <a:xfrm>
+            <a:off x="2097847" y="3573016"/>
+            <a:ext cx="1629867" cy="974823"/>
+          </a:xfrm>
+          <a:prstGeom prst="rect">
+            <a:avLst/>
+          </a:prstGeom>
+          <a:solidFill>
+            <a:schemeClr val="accent6">
+              <a:lumMod val="60000"/>
+              <a:lumOff val="40000"/>
+            </a:schemeClr>
+          </a:solidFill>
+          <a:ln>
             <a:noFill/>
-          </p:spPr>
-          <p:txBody>
-            <a:bodyPr wrap="square" rtlCol="0">
-              <a:spAutoFit/>
-            </a:bodyPr>
-            <a:lstStyle/>
-            <a:p>
-              <a:r>
-                <a:rPr lang="en-US" altLang="ja-JP" sz="1100" dirty="0" smtClean="0"/>
-                <a:t>Authentication Query</a:t>
-              </a:r>
-              <a:endParaRPr lang="ja-JP" altLang="en-US" sz="1100" dirty="0" smtClean="0"/>
-            </a:p>
-          </p:txBody>
-        </p:sp>
-        <p:sp>
-          <p:nvSpPr>
-            <p:cNvPr id="34" name="テキスト ボックス 33"/>
-            <p:cNvSpPr txBox="1"/>
-            <p:nvPr/>
-          </p:nvSpPr>
-          <p:spPr>
-            <a:xfrm>
-              <a:off x="4999540" y="3525805"/>
-              <a:ext cx="1744159" cy="261610"/>
-            </a:xfrm>
-            <a:prstGeom prst="rect">
-              <a:avLst/>
-            </a:prstGeom>
+          </a:ln>
+        </p:spPr>
+        <p:style>
+          <a:lnRef idx="2">
+            <a:schemeClr val="accent1">
+              <a:shade val="50000"/>
+            </a:schemeClr>
+          </a:lnRef>
+          <a:fillRef idx="1">
+            <a:schemeClr val="accent1"/>
+          </a:fillRef>
+          <a:effectRef idx="0">
+            <a:schemeClr val="accent1"/>
+          </a:effectRef>
+          <a:fontRef idx="minor">
+            <a:schemeClr val="lt1"/>
+          </a:fontRef>
+        </p:style>
+        <p:txBody>
+          <a:bodyPr rtlCol="0" anchor="ctr"/>
+          <a:lstStyle/>
+          <a:p>
+            <a:pPr algn="ctr"/>
+            <a:r>
+              <a:rPr lang="en-US" altLang="ja-JP" dirty="0" err="1">
+                <a:solidFill>
+                  <a:schemeClr val="tx1">
+                    <a:lumMod val="75000"/>
+                    <a:lumOff val="25000"/>
+                  </a:schemeClr>
+                </a:solidFill>
+                <a:latin typeface="HGP創英角ｺﾞｼｯｸUB" panose="020B0900000000000000" pitchFamily="50" charset="-128"/>
+                <a:ea typeface="HGP創英角ｺﾞｼｯｸUB" panose="020B0900000000000000" pitchFamily="50" charset="-128"/>
+              </a:rPr>
+              <a:t>FilterSecurity</a:t>
+            </a:r>
+            <a:endParaRPr lang="en-US" altLang="ja-JP" dirty="0">
+              <a:solidFill>
+                <a:schemeClr val="tx1">
+                  <a:lumMod val="75000"/>
+                  <a:lumOff val="25000"/>
+                </a:schemeClr>
+              </a:solidFill>
+              <a:latin typeface="HGP創英角ｺﾞｼｯｸUB" panose="020B0900000000000000" pitchFamily="50" charset="-128"/>
+              <a:ea typeface="HGP創英角ｺﾞｼｯｸUB" panose="020B0900000000000000" pitchFamily="50" charset="-128"/>
+            </a:endParaRPr>
+          </a:p>
+          <a:p>
+            <a:pPr algn="ctr"/>
+            <a:r>
+              <a:rPr lang="en-US" altLang="ja-JP" dirty="0">
+                <a:solidFill>
+                  <a:schemeClr val="tx1">
+                    <a:lumMod val="75000"/>
+                    <a:lumOff val="25000"/>
+                  </a:schemeClr>
+                </a:solidFill>
+                <a:latin typeface="HGP創英角ｺﾞｼｯｸUB" panose="020B0900000000000000" pitchFamily="50" charset="-128"/>
+                <a:ea typeface="HGP創英角ｺﾞｼｯｸUB" panose="020B0900000000000000" pitchFamily="50" charset="-128"/>
+              </a:rPr>
+              <a:t>Interceptor</a:t>
+            </a:r>
+          </a:p>
+        </p:txBody>
+      </p:sp>
+      <p:cxnSp>
+        <p:nvCxnSpPr>
+          <p:cNvPr id="33" name="直線矢印コネクタ 73"/>
+          <p:cNvCxnSpPr>
+            <a:stCxn id="40" idx="2"/>
+            <a:endCxn id="25" idx="0"/>
+          </p:cNvCxnSpPr>
+          <p:nvPr/>
+        </p:nvCxnSpPr>
+        <p:spPr bwMode="invGray">
+          <a:xfrm>
+            <a:off x="2912384" y="2954885"/>
+            <a:ext cx="397" cy="618131"/>
+          </a:xfrm>
+          <a:prstGeom prst="straightConnector1">
+            <a:avLst/>
+          </a:prstGeom>
+          <a:ln w="50800">
+            <a:solidFill>
+              <a:schemeClr val="tx2">
+                <a:lumMod val="40000"/>
+                <a:lumOff val="60000"/>
+              </a:schemeClr>
+            </a:solidFill>
+            <a:headEnd type="triangle" w="lg" len="lg"/>
+            <a:tailEnd type="triangle" w="lg" len="lg"/>
+          </a:ln>
+        </p:spPr>
+        <p:style>
+          <a:lnRef idx="1">
+            <a:schemeClr val="accent1"/>
+          </a:lnRef>
+          <a:fillRef idx="0">
+            <a:schemeClr val="accent1"/>
+          </a:fillRef>
+          <a:effectRef idx="0">
+            <a:schemeClr val="accent1"/>
+          </a:effectRef>
+          <a:fontRef idx="minor">
+            <a:schemeClr val="tx1"/>
+          </a:fontRef>
+        </p:style>
+      </p:cxnSp>
+      <p:sp>
+        <p:nvSpPr>
+          <p:cNvPr id="42" name="円形吹き出し 41"/>
+          <p:cNvSpPr/>
+          <p:nvPr/>
+        </p:nvSpPr>
+        <p:spPr>
+          <a:xfrm>
+            <a:off x="5598448" y="5031057"/>
+            <a:ext cx="2235225" cy="898401"/>
+          </a:xfrm>
+          <a:prstGeom prst="wedgeEllipseCallout">
+            <a:avLst>
+              <a:gd name="adj1" fmla="val 920"/>
+              <a:gd name="adj2" fmla="val -73425"/>
+            </a:avLst>
+          </a:prstGeom>
+          <a:solidFill>
+            <a:schemeClr val="accent6">
+              <a:lumMod val="60000"/>
+              <a:lumOff val="40000"/>
+            </a:schemeClr>
+          </a:solidFill>
+          <a:ln w="12700">
+            <a:solidFill>
+              <a:schemeClr val="accent6">
+                <a:lumMod val="40000"/>
+                <a:lumOff val="60000"/>
+              </a:schemeClr>
+            </a:solidFill>
+          </a:ln>
+          <a:effectLst/>
+        </p:spPr>
+        <p:style>
+          <a:lnRef idx="3">
+            <a:schemeClr val="lt1"/>
+          </a:lnRef>
+          <a:fillRef idx="1">
+            <a:schemeClr val="accent6"/>
+          </a:fillRef>
+          <a:effectRef idx="1">
+            <a:schemeClr val="accent6"/>
+          </a:effectRef>
+          <a:fontRef idx="minor">
+            <a:schemeClr val="lt1"/>
+          </a:fontRef>
+        </p:style>
+        <p:txBody>
+          <a:bodyPr rtlCol="0" anchor="ctr"/>
+          <a:lstStyle/>
+          <a:p>
+            <a:pPr algn="ctr"/>
+            <a:r>
+              <a:rPr lang="en-US" altLang="ja-JP" dirty="0">
+                <a:solidFill>
+                  <a:schemeClr val="tx1">
+                    <a:lumMod val="75000"/>
+                    <a:lumOff val="25000"/>
+                  </a:schemeClr>
+                </a:solidFill>
+                <a:latin typeface="HGP創英角ｺﾞｼｯｸUB" panose="020B0900000000000000" pitchFamily="50" charset="-128"/>
+                <a:ea typeface="HGP創英角ｺﾞｼｯｸUB" panose="020B0900000000000000" pitchFamily="50" charset="-128"/>
+              </a:rPr>
+              <a:t>Provide an </a:t>
+            </a:r>
+            <a:r>
+              <a:rPr lang="en-US" altLang="ja-JP" dirty="0" smtClean="0">
+                <a:solidFill>
+                  <a:schemeClr val="tx1">
+                    <a:lumMod val="75000"/>
+                    <a:lumOff val="25000"/>
+                  </a:schemeClr>
+                </a:solidFill>
+                <a:latin typeface="HGP創英角ｺﾞｼｯｸUB" panose="020B0900000000000000" pitchFamily="50" charset="-128"/>
+                <a:ea typeface="HGP創英角ｺﾞｼｯｸUB" panose="020B0900000000000000" pitchFamily="50" charset="-128"/>
+              </a:rPr>
+              <a:t>authorization </a:t>
+            </a:r>
+            <a:r>
+              <a:rPr lang="en-US" altLang="ja-JP" dirty="0">
+                <a:solidFill>
+                  <a:schemeClr val="tx1">
+                    <a:lumMod val="75000"/>
+                    <a:lumOff val="25000"/>
+                  </a:schemeClr>
+                </a:solidFill>
+                <a:latin typeface="HGP創英角ｺﾞｼｯｸUB" panose="020B0900000000000000" pitchFamily="50" charset="-128"/>
+                <a:ea typeface="HGP創英角ｺﾞｼｯｸUB" panose="020B0900000000000000" pitchFamily="50" charset="-128"/>
+              </a:rPr>
+              <a:t>process</a:t>
+            </a:r>
+          </a:p>
+        </p:txBody>
+      </p:sp>
+      <p:sp>
+        <p:nvSpPr>
+          <p:cNvPr id="43" name="円形吹き出し 42"/>
+          <p:cNvSpPr/>
+          <p:nvPr/>
+        </p:nvSpPr>
+        <p:spPr>
+          <a:xfrm>
+            <a:off x="395536" y="4558388"/>
+            <a:ext cx="2276540" cy="909738"/>
+          </a:xfrm>
+          <a:prstGeom prst="wedgeEllipseCallout">
+            <a:avLst>
+              <a:gd name="adj1" fmla="val 27207"/>
+              <a:gd name="adj2" fmla="val -63317"/>
+            </a:avLst>
+          </a:prstGeom>
+          <a:solidFill>
+            <a:schemeClr val="accent6">
+              <a:lumMod val="60000"/>
+              <a:lumOff val="40000"/>
+            </a:schemeClr>
+          </a:solidFill>
+          <a:ln w="12700">
+            <a:solidFill>
+              <a:schemeClr val="accent6">
+                <a:lumMod val="40000"/>
+                <a:lumOff val="60000"/>
+              </a:schemeClr>
+            </a:solidFill>
+          </a:ln>
+          <a:effectLst/>
+        </p:spPr>
+        <p:style>
+          <a:lnRef idx="3">
+            <a:schemeClr val="lt1"/>
+          </a:lnRef>
+          <a:fillRef idx="1">
+            <a:schemeClr val="accent6"/>
+          </a:fillRef>
+          <a:effectRef idx="1">
+            <a:schemeClr val="accent6"/>
+          </a:effectRef>
+          <a:fontRef idx="minor">
+            <a:schemeClr val="lt1"/>
+          </a:fontRef>
+        </p:style>
+        <p:txBody>
+          <a:bodyPr rtlCol="0" anchor="ctr"/>
+          <a:lstStyle/>
+          <a:p>
+            <a:pPr algn="ctr"/>
+            <a:r>
+              <a:rPr lang="ja-JP" altLang="en-US" dirty="0" smtClean="0">
+                <a:solidFill>
+                  <a:schemeClr val="tx1">
+                    <a:lumMod val="75000"/>
+                    <a:lumOff val="25000"/>
+                  </a:schemeClr>
+                </a:solidFill>
+                <a:latin typeface="HGP創英角ｺﾞｼｯｸUB" panose="020B0900000000000000" pitchFamily="50" charset="-128"/>
+                <a:ea typeface="HGP創英角ｺﾞｼｯｸUB" panose="020B0900000000000000" pitchFamily="50" charset="-128"/>
+              </a:rPr>
+              <a:t>リソースのアクセスポリシーの連携</a:t>
+            </a:r>
+            <a:endParaRPr lang="en-US" altLang="ja-JP" dirty="0" smtClean="0">
+              <a:solidFill>
+                <a:schemeClr val="tx1">
+                  <a:lumMod val="75000"/>
+                  <a:lumOff val="25000"/>
+                </a:schemeClr>
+              </a:solidFill>
+              <a:latin typeface="HGP創英角ｺﾞｼｯｸUB" panose="020B0900000000000000" pitchFamily="50" charset="-128"/>
+              <a:ea typeface="HGP創英角ｺﾞｼｯｸUB" panose="020B0900000000000000" pitchFamily="50" charset="-128"/>
+            </a:endParaRPr>
+          </a:p>
+        </p:txBody>
+      </p:sp>
+      <p:sp>
+        <p:nvSpPr>
+          <p:cNvPr id="45" name="円形吹き出し 44"/>
+          <p:cNvSpPr/>
+          <p:nvPr/>
+        </p:nvSpPr>
+        <p:spPr>
+          <a:xfrm>
+            <a:off x="395536" y="3052055"/>
+            <a:ext cx="1732921" cy="736986"/>
+          </a:xfrm>
+          <a:prstGeom prst="wedgeEllipseCallout">
+            <a:avLst>
+              <a:gd name="adj1" fmla="val 44769"/>
+              <a:gd name="adj2" fmla="val -61691"/>
+            </a:avLst>
+          </a:prstGeom>
+          <a:solidFill>
+            <a:schemeClr val="accent6">
+              <a:lumMod val="60000"/>
+              <a:lumOff val="40000"/>
+            </a:schemeClr>
+          </a:solidFill>
+          <a:ln w="12700">
+            <a:solidFill>
+              <a:schemeClr val="accent6">
+                <a:lumMod val="40000"/>
+                <a:lumOff val="60000"/>
+              </a:schemeClr>
+            </a:solidFill>
+          </a:ln>
+          <a:effectLst/>
+        </p:spPr>
+        <p:style>
+          <a:lnRef idx="3">
+            <a:schemeClr val="lt1"/>
+          </a:lnRef>
+          <a:fillRef idx="1">
+            <a:schemeClr val="accent6"/>
+          </a:fillRef>
+          <a:effectRef idx="1">
+            <a:schemeClr val="accent6"/>
+          </a:effectRef>
+          <a:fontRef idx="minor">
+            <a:schemeClr val="lt1"/>
+          </a:fontRef>
+        </p:style>
+        <p:txBody>
+          <a:bodyPr rtlCol="0" anchor="ctr"/>
+          <a:lstStyle/>
+          <a:p>
+            <a:pPr algn="ctr"/>
+            <a:r>
+              <a:rPr lang="en-US" altLang="ja-JP" dirty="0">
+                <a:solidFill>
+                  <a:schemeClr val="tx1">
+                    <a:lumMod val="75000"/>
+                    <a:lumOff val="25000"/>
+                  </a:schemeClr>
+                </a:solidFill>
+                <a:latin typeface="HGP創英角ｺﾞｼｯｸUB" panose="020B0900000000000000" pitchFamily="50" charset="-128"/>
+                <a:ea typeface="HGP創英角ｺﾞｼｯｸUB" panose="020B0900000000000000" pitchFamily="50" charset="-128"/>
+              </a:rPr>
+              <a:t>Handling </a:t>
+            </a:r>
+            <a:r>
+              <a:rPr lang="en-US" altLang="ja-JP" dirty="0" smtClean="0">
+                <a:solidFill>
+                  <a:schemeClr val="tx1">
+                    <a:lumMod val="75000"/>
+                    <a:lumOff val="25000"/>
+                  </a:schemeClr>
+                </a:solidFill>
+                <a:latin typeface="HGP創英角ｺﾞｼｯｸUB" panose="020B0900000000000000" pitchFamily="50" charset="-128"/>
+                <a:ea typeface="HGP創英角ｺﾞｼｯｸUB" panose="020B0900000000000000" pitchFamily="50" charset="-128"/>
+              </a:rPr>
+              <a:t>exception</a:t>
+            </a:r>
+            <a:endParaRPr lang="ja-JP" altLang="en-US" dirty="0">
+              <a:solidFill>
+                <a:schemeClr val="tx1">
+                  <a:lumMod val="75000"/>
+                  <a:lumOff val="25000"/>
+                </a:schemeClr>
+              </a:solidFill>
+              <a:latin typeface="HGP創英角ｺﾞｼｯｸUB" panose="020B0900000000000000" pitchFamily="50" charset="-128"/>
+              <a:ea typeface="HGP創英角ｺﾞｼｯｸUB" panose="020B0900000000000000" pitchFamily="50" charset="-128"/>
+            </a:endParaRPr>
+          </a:p>
+        </p:txBody>
+      </p:sp>
+      <p:sp>
+        <p:nvSpPr>
+          <p:cNvPr id="46" name="正方形/長方形 45"/>
+          <p:cNvSpPr/>
+          <p:nvPr/>
+        </p:nvSpPr>
+        <p:spPr>
+          <a:xfrm>
+            <a:off x="2153342" y="5473799"/>
+            <a:ext cx="1516462" cy="517324"/>
+          </a:xfrm>
+          <a:prstGeom prst="rect">
+            <a:avLst/>
+          </a:prstGeom>
+          <a:solidFill>
+            <a:schemeClr val="bg1"/>
+          </a:solidFill>
+          <a:ln w="60325">
+            <a:solidFill>
+              <a:schemeClr val="bg1">
+                <a:lumMod val="65000"/>
+              </a:schemeClr>
+            </a:solidFill>
+            <a:miter lim="800000"/>
+          </a:ln>
+          <a:effectLst/>
+        </p:spPr>
+        <p:style>
+          <a:lnRef idx="1">
+            <a:schemeClr val="accent1"/>
+          </a:lnRef>
+          <a:fillRef idx="3">
+            <a:schemeClr val="accent1"/>
+          </a:fillRef>
+          <a:effectRef idx="2">
+            <a:schemeClr val="accent1"/>
+          </a:effectRef>
+          <a:fontRef idx="minor">
+            <a:schemeClr val="lt1"/>
+          </a:fontRef>
+        </p:style>
+        <p:txBody>
+          <a:bodyPr rtlCol="0" anchor="t" anchorCtr="0"/>
+          <a:lstStyle/>
+          <a:p>
+            <a:pPr algn="ctr"/>
+            <a:r>
+              <a:rPr kumimoji="1" lang="en-US" altLang="ja-JP" sz="2000" dirty="0" smtClean="0">
+                <a:solidFill>
+                  <a:schemeClr val="tx1">
+                    <a:lumMod val="50000"/>
+                    <a:lumOff val="50000"/>
+                  </a:schemeClr>
+                </a:solidFill>
+              </a:rPr>
+              <a:t>Resource</a:t>
+            </a:r>
+            <a:endParaRPr kumimoji="1" lang="en-US" altLang="ja-JP" sz="2000" dirty="0" smtClean="0">
+              <a:solidFill>
+                <a:schemeClr val="tx1">
+                  <a:lumMod val="50000"/>
+                  <a:lumOff val="50000"/>
+                </a:schemeClr>
+              </a:solidFill>
+            </a:endParaRPr>
+          </a:p>
+        </p:txBody>
+      </p:sp>
+      <p:cxnSp>
+        <p:nvCxnSpPr>
+          <p:cNvPr id="47" name="直線矢印コネクタ 73"/>
+          <p:cNvCxnSpPr>
+            <a:stCxn id="25" idx="2"/>
+            <a:endCxn id="46" idx="0"/>
+          </p:cNvCxnSpPr>
+          <p:nvPr/>
+        </p:nvCxnSpPr>
+        <p:spPr bwMode="invGray">
+          <a:xfrm rot="5400000">
+            <a:off x="2449197" y="5010215"/>
+            <a:ext cx="925960" cy="1208"/>
+          </a:xfrm>
+          <a:prstGeom prst="bentConnector3">
+            <a:avLst>
+              <a:gd name="adj1" fmla="val 50000"/>
+            </a:avLst>
+          </a:prstGeom>
+          <a:ln w="50800">
+            <a:solidFill>
+              <a:schemeClr val="tx2">
+                <a:lumMod val="40000"/>
+                <a:lumOff val="60000"/>
+              </a:schemeClr>
+            </a:solidFill>
+            <a:headEnd type="triangle" w="lg" len="lg"/>
+            <a:tailEnd type="triangle" w="lg" len="lg"/>
+          </a:ln>
+        </p:spPr>
+        <p:style>
+          <a:lnRef idx="1">
+            <a:schemeClr val="accent1"/>
+          </a:lnRef>
+          <a:fillRef idx="0">
+            <a:schemeClr val="accent1"/>
+          </a:fillRef>
+          <a:effectRef idx="0">
+            <a:schemeClr val="accent1"/>
+          </a:effectRef>
+          <a:fontRef idx="minor">
+            <a:schemeClr val="tx1"/>
+          </a:fontRef>
+        </p:style>
+      </p:cxnSp>
+      <p:sp>
+        <p:nvSpPr>
+          <p:cNvPr id="49" name="テキスト ボックス 48"/>
+          <p:cNvSpPr txBox="1"/>
+          <p:nvPr/>
+        </p:nvSpPr>
+        <p:spPr>
+          <a:xfrm>
+            <a:off x="2914319" y="4869829"/>
+            <a:ext cx="723275" cy="461665"/>
+          </a:xfrm>
+          <a:prstGeom prst="rect">
+            <a:avLst/>
+          </a:prstGeom>
+          <a:noFill/>
+        </p:spPr>
+        <p:txBody>
+          <a:bodyPr wrap="none" rtlCol="0">
+            <a:spAutoFit/>
+          </a:bodyPr>
+          <a:lstStyle/>
+          <a:p>
+            <a:r>
+              <a:rPr kumimoji="1" lang="ja-JP" altLang="en-US" sz="2400" dirty="0" smtClean="0">
+                <a:solidFill>
+                  <a:schemeClr val="tx1">
+                    <a:lumMod val="65000"/>
+                    <a:lumOff val="35000"/>
+                  </a:schemeClr>
+                </a:solidFill>
+                <a:latin typeface="HGP創英角ｺﾞｼｯｸUB" panose="020B0900000000000000" pitchFamily="50" charset="-128"/>
+                <a:ea typeface="HGP創英角ｺﾞｼｯｸUB" panose="020B0900000000000000" pitchFamily="50" charset="-128"/>
+              </a:rPr>
+              <a:t>（４）</a:t>
+            </a:r>
+            <a:endParaRPr kumimoji="1" lang="ja-JP" altLang="en-US" sz="2400" dirty="0">
+              <a:solidFill>
+                <a:schemeClr val="tx1">
+                  <a:lumMod val="65000"/>
+                  <a:lumOff val="35000"/>
+                </a:schemeClr>
+              </a:solidFill>
+              <a:latin typeface="HGP創英角ｺﾞｼｯｸUB" panose="020B0900000000000000" pitchFamily="50" charset="-128"/>
+              <a:ea typeface="HGP創英角ｺﾞｼｯｸUB" panose="020B0900000000000000" pitchFamily="50" charset="-128"/>
+            </a:endParaRPr>
+          </a:p>
+        </p:txBody>
+      </p:sp>
+      <p:sp>
+        <p:nvSpPr>
+          <p:cNvPr id="52" name="正方形/長方形 51"/>
+          <p:cNvSpPr/>
+          <p:nvPr/>
+        </p:nvSpPr>
+        <p:spPr>
+          <a:xfrm>
+            <a:off x="4947117" y="3620540"/>
+            <a:ext cx="1756616" cy="974823"/>
+          </a:xfrm>
+          <a:prstGeom prst="rect">
+            <a:avLst/>
+          </a:prstGeom>
+          <a:solidFill>
+            <a:schemeClr val="accent6">
+              <a:lumMod val="60000"/>
+              <a:lumOff val="40000"/>
+            </a:schemeClr>
+          </a:solidFill>
+          <a:ln>
             <a:noFill/>
-          </p:spPr>
-          <p:txBody>
-            <a:bodyPr wrap="square" rtlCol="0">
-              <a:spAutoFit/>
-            </a:bodyPr>
-            <a:lstStyle/>
-            <a:p>
-              <a:r>
-                <a:rPr lang="en-US" altLang="ja-JP" sz="1100" dirty="0" smtClean="0"/>
-                <a:t>(2) Authorization  Decision</a:t>
-              </a:r>
-            </a:p>
-          </p:txBody>
-        </p:sp>
-        <p:cxnSp>
-          <p:nvCxnSpPr>
-            <p:cNvPr id="38" name="カギ線コネクタ 37"/>
-            <p:cNvCxnSpPr>
-              <a:stCxn id="16" idx="1"/>
-              <a:endCxn id="45" idx="3"/>
-            </p:cNvCxnSpPr>
-            <p:nvPr/>
-          </p:nvCxnSpPr>
-          <p:spPr>
-            <a:xfrm rot="10800000">
-              <a:off x="2044698" y="2581450"/>
-              <a:ext cx="1733275" cy="1241377"/>
-            </a:xfrm>
-            <a:prstGeom prst="bentConnector3">
-              <a:avLst>
-                <a:gd name="adj1" fmla="val 115212"/>
-              </a:avLst>
-            </a:prstGeom>
-            <a:ln w="9525">
+          </a:ln>
+        </p:spPr>
+        <p:style>
+          <a:lnRef idx="2">
+            <a:schemeClr val="accent1">
+              <a:shade val="50000"/>
+            </a:schemeClr>
+          </a:lnRef>
+          <a:fillRef idx="1">
+            <a:schemeClr val="accent1"/>
+          </a:fillRef>
+          <a:effectRef idx="0">
+            <a:schemeClr val="accent1"/>
+          </a:effectRef>
+          <a:fontRef idx="minor">
+            <a:schemeClr val="lt1"/>
+          </a:fontRef>
+        </p:style>
+        <p:txBody>
+          <a:bodyPr rtlCol="0" anchor="ctr"/>
+          <a:lstStyle/>
+          <a:p>
+            <a:pPr algn="ctr"/>
+            <a:r>
+              <a:rPr lang="en-US" altLang="ja-JP" dirty="0">
+                <a:solidFill>
+                  <a:schemeClr val="tx1">
+                    <a:lumMod val="75000"/>
+                    <a:lumOff val="25000"/>
+                  </a:schemeClr>
+                </a:solidFill>
+                <a:latin typeface="HGP創英角ｺﾞｼｯｸUB" panose="020B0900000000000000" pitchFamily="50" charset="-128"/>
+                <a:ea typeface="HGP創英角ｺﾞｼｯｸUB" panose="020B0900000000000000" pitchFamily="50" charset="-128"/>
+              </a:rPr>
+              <a:t>Affirmative</a:t>
+            </a:r>
+          </a:p>
+          <a:p>
+            <a:pPr algn="ctr"/>
+            <a:r>
+              <a:rPr lang="en-US" altLang="ja-JP" dirty="0">
+                <a:solidFill>
+                  <a:schemeClr val="tx1">
+                    <a:lumMod val="75000"/>
+                    <a:lumOff val="25000"/>
+                  </a:schemeClr>
+                </a:solidFill>
+                <a:latin typeface="HGP創英角ｺﾞｼｯｸUB" panose="020B0900000000000000" pitchFamily="50" charset="-128"/>
+                <a:ea typeface="HGP創英角ｺﾞｼｯｸUB" panose="020B0900000000000000" pitchFamily="50" charset="-128"/>
+              </a:rPr>
+              <a:t>Based</a:t>
+            </a:r>
+          </a:p>
+        </p:txBody>
+      </p:sp>
+      <p:sp>
+        <p:nvSpPr>
+          <p:cNvPr id="55" name="正方形/長方形 54"/>
+          <p:cNvSpPr/>
+          <p:nvPr/>
+        </p:nvSpPr>
+        <p:spPr>
+          <a:xfrm>
+            <a:off x="6993632" y="3699346"/>
+            <a:ext cx="1629867" cy="974823"/>
+          </a:xfrm>
+          <a:prstGeom prst="rect">
+            <a:avLst/>
+          </a:prstGeom>
+          <a:solidFill>
+            <a:schemeClr val="accent6">
+              <a:lumMod val="60000"/>
+              <a:lumOff val="40000"/>
+            </a:schemeClr>
+          </a:solidFill>
+          <a:ln>
+            <a:noFill/>
+          </a:ln>
+        </p:spPr>
+        <p:style>
+          <a:lnRef idx="2">
+            <a:schemeClr val="accent1">
+              <a:shade val="50000"/>
+            </a:schemeClr>
+          </a:lnRef>
+          <a:fillRef idx="1">
+            <a:schemeClr val="accent1"/>
+          </a:fillRef>
+          <a:effectRef idx="0">
+            <a:schemeClr val="accent1"/>
+          </a:effectRef>
+          <a:fontRef idx="minor">
+            <a:schemeClr val="lt1"/>
+          </a:fontRef>
+        </p:style>
+        <p:txBody>
+          <a:bodyPr rtlCol="0" anchor="ctr"/>
+          <a:lstStyle/>
+          <a:p>
+            <a:pPr algn="ctr"/>
+            <a:r>
+              <a:rPr lang="en-US" altLang="ja-JP" dirty="0" smtClean="0">
+                <a:solidFill>
+                  <a:schemeClr val="tx1">
+                    <a:lumMod val="75000"/>
+                    <a:lumOff val="25000"/>
+                  </a:schemeClr>
+                </a:solidFill>
+                <a:latin typeface="HGP創英角ｺﾞｼｯｸUB" panose="020B0900000000000000" pitchFamily="50" charset="-128"/>
+                <a:ea typeface="HGP創英角ｺﾞｼｯｸUB" panose="020B0900000000000000" pitchFamily="50" charset="-128"/>
+              </a:rPr>
+              <a:t>Web</a:t>
+            </a:r>
+          </a:p>
+          <a:p>
+            <a:pPr algn="ctr"/>
+            <a:r>
+              <a:rPr lang="en-US" altLang="ja-JP" dirty="0" smtClean="0">
+                <a:solidFill>
+                  <a:schemeClr val="tx1">
+                    <a:lumMod val="75000"/>
+                    <a:lumOff val="25000"/>
+                  </a:schemeClr>
+                </a:solidFill>
+                <a:latin typeface="HGP創英角ｺﾞｼｯｸUB" panose="020B0900000000000000" pitchFamily="50" charset="-128"/>
+                <a:ea typeface="HGP創英角ｺﾞｼｯｸUB" panose="020B0900000000000000" pitchFamily="50" charset="-128"/>
+              </a:rPr>
+              <a:t>Expression</a:t>
+            </a:r>
+          </a:p>
+          <a:p>
+            <a:pPr algn="ctr"/>
+            <a:r>
+              <a:rPr lang="en-US" altLang="ja-JP" dirty="0" smtClean="0">
+                <a:solidFill>
+                  <a:schemeClr val="tx1">
+                    <a:lumMod val="75000"/>
+                    <a:lumOff val="25000"/>
+                  </a:schemeClr>
+                </a:solidFill>
+                <a:latin typeface="HGP創英角ｺﾞｼｯｸUB" panose="020B0900000000000000" pitchFamily="50" charset="-128"/>
+                <a:ea typeface="HGP創英角ｺﾞｼｯｸUB" panose="020B0900000000000000" pitchFamily="50" charset="-128"/>
+              </a:rPr>
+              <a:t>Voter</a:t>
+            </a:r>
+            <a:endParaRPr lang="en-US" altLang="ja-JP" dirty="0">
               <a:solidFill>
-                <a:schemeClr val="tx1"/>
+                <a:schemeClr val="tx1">
+                  <a:lumMod val="75000"/>
+                  <a:lumOff val="25000"/>
+                </a:schemeClr>
               </a:solidFill>
-              <a:tailEnd type="arrow"/>
-            </a:ln>
-          </p:spPr>
-          <p:style>
-            <a:lnRef idx="2">
-              <a:schemeClr val="accent1"/>
-            </a:lnRef>
-            <a:fillRef idx="0">
-              <a:schemeClr val="accent1"/>
-            </a:fillRef>
-            <a:effectRef idx="1">
-              <a:schemeClr val="accent1"/>
-            </a:effectRef>
-            <a:fontRef idx="minor">
-              <a:schemeClr val="tx1"/>
-            </a:fontRef>
-          </p:style>
-        </p:cxnSp>
-        <p:cxnSp>
-          <p:nvCxnSpPr>
-            <p:cNvPr id="41" name="直線矢印コネクタ 40"/>
-            <p:cNvCxnSpPr>
-              <a:stCxn id="17" idx="0"/>
-              <a:endCxn id="13" idx="2"/>
-            </p:cNvCxnSpPr>
-            <p:nvPr/>
-          </p:nvCxnSpPr>
-          <p:spPr>
-            <a:xfrm flipH="1" flipV="1">
-              <a:off x="7395973" y="1741683"/>
-              <a:ext cx="6943" cy="1675649"/>
-            </a:xfrm>
-            <a:prstGeom prst="straightConnector1">
-              <a:avLst/>
-            </a:prstGeom>
-            <a:ln w="9525">
+              <a:latin typeface="HGP創英角ｺﾞｼｯｸUB" panose="020B0900000000000000" pitchFamily="50" charset="-128"/>
+              <a:ea typeface="HGP創英角ｺﾞｼｯｸUB" panose="020B0900000000000000" pitchFamily="50" charset="-128"/>
+            </a:endParaRPr>
+          </a:p>
+        </p:txBody>
+      </p:sp>
+      <p:sp>
+        <p:nvSpPr>
+          <p:cNvPr id="57" name="正方形/長方形 56"/>
+          <p:cNvSpPr/>
+          <p:nvPr/>
+        </p:nvSpPr>
+        <p:spPr>
+          <a:xfrm>
+            <a:off x="7053857" y="3779515"/>
+            <a:ext cx="1629867" cy="974823"/>
+          </a:xfrm>
+          <a:prstGeom prst="rect">
+            <a:avLst/>
+          </a:prstGeom>
+          <a:solidFill>
+            <a:schemeClr val="accent6">
+              <a:lumMod val="60000"/>
+              <a:lumOff val="40000"/>
+            </a:schemeClr>
+          </a:solidFill>
+          <a:ln>
+            <a:noFill/>
+          </a:ln>
+        </p:spPr>
+        <p:style>
+          <a:lnRef idx="2">
+            <a:schemeClr val="accent1">
+              <a:shade val="50000"/>
+            </a:schemeClr>
+          </a:lnRef>
+          <a:fillRef idx="1">
+            <a:schemeClr val="accent1"/>
+          </a:fillRef>
+          <a:effectRef idx="0">
+            <a:schemeClr val="accent1"/>
+          </a:effectRef>
+          <a:fontRef idx="minor">
+            <a:schemeClr val="lt1"/>
+          </a:fontRef>
+        </p:style>
+        <p:txBody>
+          <a:bodyPr rtlCol="0" anchor="ctr"/>
+          <a:lstStyle/>
+          <a:p>
+            <a:pPr algn="ctr"/>
+            <a:r>
+              <a:rPr lang="en-US" altLang="ja-JP" dirty="0" smtClean="0">
+                <a:solidFill>
+                  <a:schemeClr val="tx1">
+                    <a:lumMod val="75000"/>
+                    <a:lumOff val="25000"/>
+                  </a:schemeClr>
+                </a:solidFill>
+                <a:latin typeface="HGP創英角ｺﾞｼｯｸUB" panose="020B0900000000000000" pitchFamily="50" charset="-128"/>
+                <a:ea typeface="HGP創英角ｺﾞｼｯｸUB" panose="020B0900000000000000" pitchFamily="50" charset="-128"/>
+              </a:rPr>
+              <a:t>Web</a:t>
+            </a:r>
+          </a:p>
+          <a:p>
+            <a:pPr algn="ctr"/>
+            <a:r>
+              <a:rPr lang="en-US" altLang="ja-JP" dirty="0" smtClean="0">
+                <a:solidFill>
+                  <a:schemeClr val="tx1">
+                    <a:lumMod val="75000"/>
+                    <a:lumOff val="25000"/>
+                  </a:schemeClr>
+                </a:solidFill>
+                <a:latin typeface="HGP創英角ｺﾞｼｯｸUB" panose="020B0900000000000000" pitchFamily="50" charset="-128"/>
+                <a:ea typeface="HGP創英角ｺﾞｼｯｸUB" panose="020B0900000000000000" pitchFamily="50" charset="-128"/>
+              </a:rPr>
+              <a:t>Expression</a:t>
+            </a:r>
+          </a:p>
+          <a:p>
+            <a:pPr algn="ctr"/>
+            <a:r>
+              <a:rPr lang="en-US" altLang="ja-JP" dirty="0" smtClean="0">
+                <a:solidFill>
+                  <a:schemeClr val="tx1">
+                    <a:lumMod val="75000"/>
+                    <a:lumOff val="25000"/>
+                  </a:schemeClr>
+                </a:solidFill>
+                <a:latin typeface="HGP創英角ｺﾞｼｯｸUB" panose="020B0900000000000000" pitchFamily="50" charset="-128"/>
+                <a:ea typeface="HGP創英角ｺﾞｼｯｸUB" panose="020B0900000000000000" pitchFamily="50" charset="-128"/>
+              </a:rPr>
+              <a:t>Voter</a:t>
+            </a:r>
+            <a:endParaRPr lang="en-US" altLang="ja-JP" dirty="0">
               <a:solidFill>
-                <a:schemeClr val="tx1"/>
+                <a:schemeClr val="tx1">
+                  <a:lumMod val="75000"/>
+                  <a:lumOff val="25000"/>
+                </a:schemeClr>
               </a:solidFill>
-              <a:tailEnd type="arrow"/>
-            </a:ln>
-          </p:spPr>
-          <p:style>
-            <a:lnRef idx="2">
-              <a:schemeClr val="accent1"/>
-            </a:lnRef>
-            <a:fillRef idx="0">
-              <a:schemeClr val="accent1"/>
-            </a:fillRef>
-            <a:effectRef idx="1">
-              <a:schemeClr val="accent1"/>
-            </a:effectRef>
-            <a:fontRef idx="minor">
-              <a:schemeClr val="tx1"/>
-            </a:fontRef>
-          </p:style>
-        </p:cxnSp>
-        <p:sp>
-          <p:nvSpPr>
-            <p:cNvPr id="42" name="テキスト ボックス 41"/>
-            <p:cNvSpPr txBox="1"/>
-            <p:nvPr/>
-          </p:nvSpPr>
-          <p:spPr>
-            <a:xfrm>
-              <a:off x="2173513" y="3525805"/>
-              <a:ext cx="1744159" cy="261610"/>
-            </a:xfrm>
-            <a:prstGeom prst="rect">
-              <a:avLst/>
-            </a:prstGeom>
-            <a:noFill/>
-          </p:spPr>
-          <p:txBody>
-            <a:bodyPr wrap="square" rtlCol="0">
-              <a:spAutoFit/>
-            </a:bodyPr>
-            <a:lstStyle/>
-            <a:p>
-              <a:r>
-                <a:rPr lang="en-US" altLang="ja-JP" sz="1100" dirty="0" smtClean="0"/>
-                <a:t>(3) Access denied</a:t>
-              </a:r>
-            </a:p>
-          </p:txBody>
-        </p:sp>
-        <p:cxnSp>
-          <p:nvCxnSpPr>
-            <p:cNvPr id="44" name="図形 43"/>
-            <p:cNvCxnSpPr>
-              <a:endCxn id="6" idx="2"/>
-            </p:cNvCxnSpPr>
-            <p:nvPr/>
-          </p:nvCxnSpPr>
-          <p:spPr>
-            <a:xfrm rot="10800000">
-              <a:off x="829129" y="1549402"/>
-              <a:ext cx="1202868" cy="787398"/>
-            </a:xfrm>
-            <a:prstGeom prst="bentConnector2">
-              <a:avLst/>
-            </a:prstGeom>
-            <a:ln w="9525">
+              <a:latin typeface="HGP創英角ｺﾞｼｯｸUB" panose="020B0900000000000000" pitchFamily="50" charset="-128"/>
+              <a:ea typeface="HGP創英角ｺﾞｼｯｸUB" panose="020B0900000000000000" pitchFamily="50" charset="-128"/>
+            </a:endParaRPr>
+          </a:p>
+        </p:txBody>
+      </p:sp>
+      <p:sp>
+        <p:nvSpPr>
+          <p:cNvPr id="32" name="テキスト ボックス 31"/>
+          <p:cNvSpPr txBox="1"/>
+          <p:nvPr/>
+        </p:nvSpPr>
+        <p:spPr>
+          <a:xfrm>
+            <a:off x="4705525" y="3206927"/>
+            <a:ext cx="1183337" cy="338554"/>
+          </a:xfrm>
+          <a:prstGeom prst="rect">
+            <a:avLst/>
+          </a:prstGeom>
+          <a:noFill/>
+        </p:spPr>
+        <p:txBody>
+          <a:bodyPr wrap="none" rtlCol="0">
+            <a:spAutoFit/>
+          </a:bodyPr>
+          <a:lstStyle/>
+          <a:p>
+            <a:r>
+              <a:rPr lang="en-US" altLang="ja-JP" sz="1600" dirty="0" smtClean="0">
+                <a:solidFill>
+                  <a:schemeClr val="tx1">
+                    <a:lumMod val="50000"/>
+                    <a:lumOff val="50000"/>
+                  </a:schemeClr>
+                </a:solidFill>
+                <a:latin typeface="HGP創英角ｺﾞｼｯｸUB" panose="020B0900000000000000" pitchFamily="50" charset="-128"/>
+                <a:ea typeface="HGP創英角ｺﾞｼｯｸUB" panose="020B0900000000000000" pitchFamily="50" charset="-128"/>
+              </a:rPr>
+              <a:t>implements</a:t>
+            </a:r>
+            <a:endParaRPr kumimoji="1" lang="ja-JP" altLang="en-US" sz="1600" dirty="0">
               <a:solidFill>
-                <a:schemeClr val="tx1"/>
+                <a:schemeClr val="tx1">
+                  <a:lumMod val="50000"/>
+                  <a:lumOff val="50000"/>
+                </a:schemeClr>
               </a:solidFill>
-              <a:tailEnd type="arrow"/>
-            </a:ln>
-          </p:spPr>
-          <p:style>
-            <a:lnRef idx="2">
-              <a:schemeClr val="accent1"/>
-            </a:lnRef>
-            <a:fillRef idx="0">
-              <a:schemeClr val="accent1"/>
-            </a:fillRef>
-            <a:effectRef idx="1">
-              <a:schemeClr val="accent1"/>
-            </a:effectRef>
-            <a:fontRef idx="minor">
-              <a:schemeClr val="tx1"/>
-            </a:fontRef>
-          </p:style>
-        </p:cxnSp>
-        <p:sp>
-          <p:nvSpPr>
-            <p:cNvPr id="45" name="テキスト ボックス 44"/>
-            <p:cNvSpPr txBox="1"/>
-            <p:nvPr/>
-          </p:nvSpPr>
-          <p:spPr>
-            <a:xfrm>
-              <a:off x="300538" y="2366005"/>
-              <a:ext cx="1744159" cy="430887"/>
-            </a:xfrm>
-            <a:prstGeom prst="rect">
-              <a:avLst/>
-            </a:prstGeom>
-            <a:noFill/>
-          </p:spPr>
-          <p:txBody>
-            <a:bodyPr wrap="square" rtlCol="0">
-              <a:spAutoFit/>
-            </a:bodyPr>
-            <a:lstStyle/>
-            <a:p>
-              <a:r>
-                <a:rPr lang="en-US" altLang="ja-JP" sz="1100" dirty="0" smtClean="0"/>
-                <a:t>(4) Access denied Exception handler</a:t>
-              </a:r>
-            </a:p>
-          </p:txBody>
-        </p:sp>
-        <p:sp>
-          <p:nvSpPr>
-            <p:cNvPr id="50" name="円柱 49"/>
-            <p:cNvSpPr/>
-            <p:nvPr/>
-          </p:nvSpPr>
-          <p:spPr>
-            <a:xfrm>
-              <a:off x="6462523" y="4622800"/>
-              <a:ext cx="1816100" cy="1181100"/>
-            </a:xfrm>
-            <a:prstGeom prst="can">
-              <a:avLst>
-                <a:gd name="adj" fmla="val 20946"/>
-              </a:avLst>
-            </a:prstGeom>
-            <a:ln/>
-          </p:spPr>
-          <p:style>
-            <a:lnRef idx="1">
-              <a:schemeClr val="accent3"/>
-            </a:lnRef>
-            <a:fillRef idx="2">
-              <a:schemeClr val="accent3"/>
-            </a:fillRef>
-            <a:effectRef idx="1">
-              <a:schemeClr val="accent3"/>
-            </a:effectRef>
-            <a:fontRef idx="minor">
-              <a:schemeClr val="dk1"/>
-            </a:fontRef>
-          </p:style>
-          <p:txBody>
-            <a:bodyPr rtlCol="0" anchor="ctr"/>
-            <a:lstStyle/>
-            <a:p>
-              <a:pPr algn="ctr"/>
-              <a:r>
-                <a:rPr lang="en-US" altLang="ja-JP" sz="1400" dirty="0" smtClean="0">
-                  <a:solidFill>
-                    <a:schemeClr val="tx1"/>
-                  </a:solidFill>
-                </a:rPr>
-                <a:t>Access Authorization Information</a:t>
-              </a:r>
-            </a:p>
-            <a:p>
-              <a:pPr algn="ctr"/>
-              <a:r>
-                <a:rPr kumimoji="1" lang="en-US" altLang="ja-JP" sz="1400" dirty="0" smtClean="0">
-                  <a:solidFill>
-                    <a:schemeClr val="tx1"/>
-                  </a:solidFill>
-                </a:rPr>
-                <a:t>Spring-Security.xml</a:t>
-              </a:r>
-              <a:endParaRPr kumimoji="1" lang="ja-JP" altLang="en-US" sz="1400" dirty="0">
-                <a:solidFill>
-                  <a:schemeClr val="tx1"/>
-                </a:solidFill>
-              </a:endParaRPr>
-            </a:p>
-          </p:txBody>
-        </p:sp>
-        <p:cxnSp>
-          <p:nvCxnSpPr>
-            <p:cNvPr id="52" name="カギ線コネクタ 51"/>
-            <p:cNvCxnSpPr>
-              <a:stCxn id="16" idx="3"/>
-              <a:endCxn id="50" idx="2"/>
-            </p:cNvCxnSpPr>
-            <p:nvPr/>
-          </p:nvCxnSpPr>
-          <p:spPr>
-            <a:xfrm>
-              <a:off x="5050341" y="3822826"/>
-              <a:ext cx="1412182" cy="1390524"/>
-            </a:xfrm>
-            <a:prstGeom prst="bentConnector3">
-              <a:avLst>
-                <a:gd name="adj1" fmla="val 50000"/>
-              </a:avLst>
-            </a:prstGeom>
-            <a:ln w="9525">
+              <a:latin typeface="HGP創英角ｺﾞｼｯｸUB" panose="020B0900000000000000" pitchFamily="50" charset="-128"/>
+              <a:ea typeface="HGP創英角ｺﾞｼｯｸUB" panose="020B0900000000000000" pitchFamily="50" charset="-128"/>
+            </a:endParaRPr>
+          </a:p>
+        </p:txBody>
+      </p:sp>
+      <p:sp>
+        <p:nvSpPr>
+          <p:cNvPr id="34" name="テキスト ボックス 33"/>
+          <p:cNvSpPr txBox="1"/>
+          <p:nvPr/>
+        </p:nvSpPr>
+        <p:spPr>
+          <a:xfrm>
+            <a:off x="7734622" y="3201060"/>
+            <a:ext cx="1183337" cy="338554"/>
+          </a:xfrm>
+          <a:prstGeom prst="rect">
+            <a:avLst/>
+          </a:prstGeom>
+          <a:noFill/>
+        </p:spPr>
+        <p:txBody>
+          <a:bodyPr wrap="none" rtlCol="0">
+            <a:spAutoFit/>
+          </a:bodyPr>
+          <a:lstStyle/>
+          <a:p>
+            <a:r>
+              <a:rPr lang="en-US" altLang="ja-JP" sz="1600" dirty="0" smtClean="0">
+                <a:solidFill>
+                  <a:schemeClr val="tx1">
+                    <a:lumMod val="50000"/>
+                    <a:lumOff val="50000"/>
+                  </a:schemeClr>
+                </a:solidFill>
+                <a:latin typeface="HGP創英角ｺﾞｼｯｸUB" panose="020B0900000000000000" pitchFamily="50" charset="-128"/>
+                <a:ea typeface="HGP創英角ｺﾞｼｯｸUB" panose="020B0900000000000000" pitchFamily="50" charset="-128"/>
+              </a:rPr>
+              <a:t>implements</a:t>
+            </a:r>
+            <a:endParaRPr kumimoji="1" lang="ja-JP" altLang="en-US" sz="1600" dirty="0">
               <a:solidFill>
-                <a:schemeClr val="tx1"/>
+                <a:schemeClr val="tx1">
+                  <a:lumMod val="50000"/>
+                  <a:lumOff val="50000"/>
+                </a:schemeClr>
               </a:solidFill>
-              <a:tailEnd type="arrow"/>
-            </a:ln>
-          </p:spPr>
-          <p:style>
-            <a:lnRef idx="2">
-              <a:schemeClr val="accent1"/>
-            </a:lnRef>
-            <a:fillRef idx="0">
-              <a:schemeClr val="accent1"/>
-            </a:fillRef>
-            <a:effectRef idx="1">
-              <a:schemeClr val="accent1"/>
-            </a:effectRef>
-            <a:fontRef idx="minor">
-              <a:schemeClr val="tx1"/>
-            </a:fontRef>
-          </p:style>
-        </p:cxnSp>
-        <p:sp>
-          <p:nvSpPr>
-            <p:cNvPr id="54" name="テキスト ボックス 53"/>
-            <p:cNvSpPr txBox="1"/>
-            <p:nvPr/>
-          </p:nvSpPr>
-          <p:spPr>
-            <a:xfrm>
-              <a:off x="5333129" y="5276850"/>
-              <a:ext cx="1744159" cy="261610"/>
-            </a:xfrm>
-            <a:prstGeom prst="rect">
-              <a:avLst/>
-            </a:prstGeom>
-            <a:noFill/>
-          </p:spPr>
-          <p:txBody>
-            <a:bodyPr wrap="square" rtlCol="0">
-              <a:spAutoFit/>
-            </a:bodyPr>
-            <a:lstStyle/>
-            <a:p>
-              <a:r>
-                <a:rPr lang="en-US" altLang="ja-JP" sz="1100" dirty="0" smtClean="0"/>
-                <a:t>(2) Verification</a:t>
-              </a:r>
-            </a:p>
-          </p:txBody>
-        </p:sp>
-      </p:grpSp>
+              <a:latin typeface="HGP創英角ｺﾞｼｯｸUB" panose="020B0900000000000000" pitchFamily="50" charset="-128"/>
+              <a:ea typeface="HGP創英角ｺﾞｼｯｸUB" panose="020B0900000000000000" pitchFamily="50" charset="-128"/>
+            </a:endParaRPr>
+          </a:p>
+        </p:txBody>
+      </p:sp>
     </p:spTree>
+    <p:extLst>
+      <p:ext uri="{BB962C8B-B14F-4D97-AF65-F5344CB8AC3E}">
+        <p14:creationId xmlns:p14="http://schemas.microsoft.com/office/powerpoint/2010/main" val="4207008202"/>
+      </p:ext>
+    </p:extLst>
   </p:cSld>
   <p:clrMapOvr>
     <a:masterClrMapping/>
   </p:clrMapOvr>
+  <p:timing>
+    <p:tnLst>
+      <p:par>
+        <p:cTn id="1" dur="indefinite" restart="never" nodeType="tmRoot"/>
+      </p:par>
+    </p:tnLst>
+  </p:timing>
 </p:sld>
 </file>
 
@@ -4985,2218 +6019,1611 @@
           <a:chExt cx="0" cy="0"/>
         </a:xfrm>
       </p:grpSpPr>
-      <p:grpSp>
-        <p:nvGrpSpPr>
-          <p:cNvPr id="23" name="グループ化 22"/>
-          <p:cNvGrpSpPr/>
+      <p:sp>
+        <p:nvSpPr>
+          <p:cNvPr id="27" name="正方形/長方形 26"/>
+          <p:cNvSpPr/>
           <p:nvPr/>
-        </p:nvGrpSpPr>
-        <p:grpSpPr>
+        </p:nvSpPr>
+        <p:spPr>
           <a:xfrm>
-            <a:off x="190500" y="194375"/>
-            <a:ext cx="7720093" cy="5077716"/>
-            <a:chOff x="190500" y="194375"/>
-            <a:chExt cx="7720093" cy="5077716"/>
+            <a:off x="1691680" y="836712"/>
+            <a:ext cx="3888432" cy="4608512"/>
           </a:xfrm>
-        </p:grpSpPr>
-        <p:sp>
-          <p:nvSpPr>
-            <p:cNvPr id="40" name="正方形/長方形 39"/>
-            <p:cNvSpPr/>
-            <p:nvPr/>
-          </p:nvSpPr>
-          <p:spPr>
-            <a:xfrm>
-              <a:off x="1483179" y="194375"/>
-              <a:ext cx="5364843" cy="5077716"/>
-            </a:xfrm>
-            <a:prstGeom prst="rect">
+          <a:prstGeom prst="rect">
+            <a:avLst/>
+          </a:prstGeom>
+          <a:solidFill>
+            <a:schemeClr val="bg1"/>
+          </a:solidFill>
+          <a:ln w="60325">
+            <a:solidFill>
+              <a:schemeClr val="bg1">
+                <a:lumMod val="65000"/>
+              </a:schemeClr>
+            </a:solidFill>
+            <a:miter lim="800000"/>
+          </a:ln>
+          <a:effectLst/>
+        </p:spPr>
+        <p:style>
+          <a:lnRef idx="1">
+            <a:schemeClr val="accent1"/>
+          </a:lnRef>
+          <a:fillRef idx="3">
+            <a:schemeClr val="accent1"/>
+          </a:fillRef>
+          <a:effectRef idx="2">
+            <a:schemeClr val="accent1"/>
+          </a:effectRef>
+          <a:fontRef idx="minor">
+            <a:schemeClr val="lt1"/>
+          </a:fontRef>
+        </p:style>
+        <p:txBody>
+          <a:bodyPr rtlCol="0" anchor="t" anchorCtr="0"/>
+          <a:lstStyle/>
+          <a:p>
+            <a:pPr algn="ctr"/>
+            <a:r>
+              <a:rPr kumimoji="1" lang="en-US" altLang="ja-JP" sz="2000" dirty="0" smtClean="0">
+                <a:solidFill>
+                  <a:schemeClr val="tx1">
+                    <a:lumMod val="50000"/>
+                    <a:lumOff val="50000"/>
+                  </a:schemeClr>
+                </a:solidFill>
+              </a:rPr>
+              <a:t>spring-security-web</a:t>
+            </a:r>
+          </a:p>
+        </p:txBody>
+      </p:sp>
+      <p:sp>
+        <p:nvSpPr>
+          <p:cNvPr id="49" name="正方形/長方形 48"/>
+          <p:cNvSpPr/>
+          <p:nvPr/>
+        </p:nvSpPr>
+        <p:spPr>
+          <a:xfrm>
+            <a:off x="2748041" y="2924944"/>
+            <a:ext cx="1631694" cy="889455"/>
+          </a:xfrm>
+          <a:prstGeom prst="rect">
+            <a:avLst/>
+          </a:prstGeom>
+          <a:solidFill>
+            <a:schemeClr val="accent6">
+              <a:lumMod val="60000"/>
+              <a:lumOff val="40000"/>
+            </a:schemeClr>
+          </a:solidFill>
+          <a:ln>
+            <a:noFill/>
+          </a:ln>
+        </p:spPr>
+        <p:style>
+          <a:lnRef idx="2">
+            <a:schemeClr val="accent1">
+              <a:shade val="50000"/>
+            </a:schemeClr>
+          </a:lnRef>
+          <a:fillRef idx="1">
+            <a:schemeClr val="accent1"/>
+          </a:fillRef>
+          <a:effectRef idx="0">
+            <a:schemeClr val="accent1"/>
+          </a:effectRef>
+          <a:fontRef idx="minor">
+            <a:schemeClr val="lt1"/>
+          </a:fontRef>
+        </p:style>
+        <p:txBody>
+          <a:bodyPr rtlCol="0" anchor="ctr"/>
+          <a:lstStyle/>
+          <a:p>
+            <a:pPr algn="ctr"/>
+            <a:r>
+              <a:rPr lang="en-US" altLang="ja-JP" dirty="0">
+                <a:solidFill>
+                  <a:schemeClr val="tx1">
+                    <a:lumMod val="75000"/>
+                    <a:lumOff val="25000"/>
+                  </a:schemeClr>
+                </a:solidFill>
+                <a:latin typeface="HGP創英角ｺﾞｼｯｸUB" panose="020B0900000000000000" pitchFamily="50" charset="-128"/>
+                <a:ea typeface="HGP創英角ｺﾞｼｯｸUB" panose="020B0900000000000000" pitchFamily="50" charset="-128"/>
+              </a:rPr>
+              <a:t>Exception</a:t>
+            </a:r>
+          </a:p>
+          <a:p>
+            <a:pPr algn="ctr"/>
+            <a:r>
+              <a:rPr lang="en-US" altLang="ja-JP" dirty="0">
+                <a:solidFill>
+                  <a:schemeClr val="tx1">
+                    <a:lumMod val="75000"/>
+                    <a:lumOff val="25000"/>
+                  </a:schemeClr>
+                </a:solidFill>
+                <a:latin typeface="HGP創英角ｺﾞｼｯｸUB" panose="020B0900000000000000" pitchFamily="50" charset="-128"/>
+                <a:ea typeface="HGP創英角ｺﾞｼｯｸUB" panose="020B0900000000000000" pitchFamily="50" charset="-128"/>
+              </a:rPr>
+              <a:t>Translation</a:t>
+            </a:r>
+          </a:p>
+          <a:p>
+            <a:pPr algn="ctr"/>
+            <a:r>
+              <a:rPr lang="en-US" altLang="ja-JP" dirty="0">
+                <a:solidFill>
+                  <a:schemeClr val="tx1">
+                    <a:lumMod val="75000"/>
+                    <a:lumOff val="25000"/>
+                  </a:schemeClr>
+                </a:solidFill>
+                <a:latin typeface="HGP創英角ｺﾞｼｯｸUB" panose="020B0900000000000000" pitchFamily="50" charset="-128"/>
+                <a:ea typeface="HGP創英角ｺﾞｼｯｸUB" panose="020B0900000000000000" pitchFamily="50" charset="-128"/>
+              </a:rPr>
+              <a:t>Filter</a:t>
+            </a:r>
+          </a:p>
+        </p:txBody>
+      </p:sp>
+      <p:sp>
+        <p:nvSpPr>
+          <p:cNvPr id="81" name="正方形/長方形 80"/>
+          <p:cNvSpPr/>
+          <p:nvPr/>
+        </p:nvSpPr>
+        <p:spPr>
+          <a:xfrm>
+            <a:off x="2748041" y="4339745"/>
+            <a:ext cx="1631694" cy="889455"/>
+          </a:xfrm>
+          <a:prstGeom prst="rect">
+            <a:avLst/>
+          </a:prstGeom>
+          <a:solidFill>
+            <a:schemeClr val="accent6">
+              <a:lumMod val="60000"/>
+              <a:lumOff val="40000"/>
+            </a:schemeClr>
+          </a:solidFill>
+          <a:ln>
+            <a:noFill/>
+          </a:ln>
+        </p:spPr>
+        <p:style>
+          <a:lnRef idx="2">
+            <a:schemeClr val="accent1">
+              <a:shade val="50000"/>
+            </a:schemeClr>
+          </a:lnRef>
+          <a:fillRef idx="1">
+            <a:schemeClr val="accent1"/>
+          </a:fillRef>
+          <a:effectRef idx="0">
+            <a:schemeClr val="accent1"/>
+          </a:effectRef>
+          <a:fontRef idx="minor">
+            <a:schemeClr val="lt1"/>
+          </a:fontRef>
+        </p:style>
+        <p:txBody>
+          <a:bodyPr rtlCol="0" anchor="ctr"/>
+          <a:lstStyle/>
+          <a:p>
+            <a:pPr algn="ctr"/>
+            <a:r>
+              <a:rPr lang="en-US" altLang="ja-JP" dirty="0" err="1" smtClean="0">
+                <a:solidFill>
+                  <a:schemeClr val="tx1">
+                    <a:lumMod val="75000"/>
+                    <a:lumOff val="25000"/>
+                  </a:schemeClr>
+                </a:solidFill>
+                <a:latin typeface="HGP創英角ｺﾞｼｯｸUB" panose="020B0900000000000000" pitchFamily="50" charset="-128"/>
+                <a:ea typeface="HGP創英角ｺﾞｼｯｸUB" panose="020B0900000000000000" pitchFamily="50" charset="-128"/>
+              </a:rPr>
+              <a:t>FilterSecurity</a:t>
+            </a:r>
+            <a:endParaRPr lang="en-US" altLang="ja-JP" dirty="0" smtClean="0">
+              <a:solidFill>
+                <a:schemeClr val="tx1">
+                  <a:lumMod val="75000"/>
+                  <a:lumOff val="25000"/>
+                </a:schemeClr>
+              </a:solidFill>
+              <a:latin typeface="HGP創英角ｺﾞｼｯｸUB" panose="020B0900000000000000" pitchFamily="50" charset="-128"/>
+              <a:ea typeface="HGP創英角ｺﾞｼｯｸUB" panose="020B0900000000000000" pitchFamily="50" charset="-128"/>
+            </a:endParaRPr>
+          </a:p>
+          <a:p>
+            <a:pPr algn="ctr"/>
+            <a:r>
+              <a:rPr lang="en-US" altLang="ja-JP" dirty="0" smtClean="0">
+                <a:solidFill>
+                  <a:schemeClr val="tx1">
+                    <a:lumMod val="75000"/>
+                    <a:lumOff val="25000"/>
+                  </a:schemeClr>
+                </a:solidFill>
+                <a:latin typeface="HGP創英角ｺﾞｼｯｸUB" panose="020B0900000000000000" pitchFamily="50" charset="-128"/>
+                <a:ea typeface="HGP創英角ｺﾞｼｯｸUB" panose="020B0900000000000000" pitchFamily="50" charset="-128"/>
+              </a:rPr>
+              <a:t>Interceptor</a:t>
+            </a:r>
+            <a:endParaRPr lang="en-US" altLang="ja-JP" dirty="0">
+              <a:solidFill>
+                <a:schemeClr val="tx1">
+                  <a:lumMod val="75000"/>
+                  <a:lumOff val="25000"/>
+                </a:schemeClr>
+              </a:solidFill>
+              <a:latin typeface="HGP創英角ｺﾞｼｯｸUB" panose="020B0900000000000000" pitchFamily="50" charset="-128"/>
+              <a:ea typeface="HGP創英角ｺﾞｼｯｸUB" panose="020B0900000000000000" pitchFamily="50" charset="-128"/>
+            </a:endParaRPr>
+          </a:p>
+        </p:txBody>
+      </p:sp>
+      <p:sp>
+        <p:nvSpPr>
+          <p:cNvPr id="82" name="正方形/長方形 81"/>
+          <p:cNvSpPr/>
+          <p:nvPr/>
+        </p:nvSpPr>
+        <p:spPr>
+          <a:xfrm>
+            <a:off x="1932194" y="1387417"/>
+            <a:ext cx="1631694" cy="889455"/>
+          </a:xfrm>
+          <a:prstGeom prst="rect">
+            <a:avLst/>
+          </a:prstGeom>
+          <a:solidFill>
+            <a:schemeClr val="accent6">
+              <a:lumMod val="60000"/>
+              <a:lumOff val="40000"/>
+            </a:schemeClr>
+          </a:solidFill>
+          <a:ln>
+            <a:noFill/>
+          </a:ln>
+        </p:spPr>
+        <p:style>
+          <a:lnRef idx="2">
+            <a:schemeClr val="accent1">
+              <a:shade val="50000"/>
+            </a:schemeClr>
+          </a:lnRef>
+          <a:fillRef idx="1">
+            <a:schemeClr val="accent1"/>
+          </a:fillRef>
+          <a:effectRef idx="0">
+            <a:schemeClr val="accent1"/>
+          </a:effectRef>
+          <a:fontRef idx="minor">
+            <a:schemeClr val="lt1"/>
+          </a:fontRef>
+        </p:style>
+        <p:txBody>
+          <a:bodyPr rtlCol="0" anchor="ctr"/>
+          <a:lstStyle/>
+          <a:p>
+            <a:pPr algn="ctr"/>
+            <a:r>
+              <a:rPr lang="en-US" altLang="ja-JP" sz="1100" dirty="0" smtClean="0">
+                <a:solidFill>
+                  <a:schemeClr val="tx1">
+                    <a:lumMod val="75000"/>
+                    <a:lumOff val="25000"/>
+                  </a:schemeClr>
+                </a:solidFill>
+                <a:latin typeface="HGP創英角ｺﾞｼｯｸUB" panose="020B0900000000000000" pitchFamily="50" charset="-128"/>
+                <a:ea typeface="HGP創英角ｺﾞｼｯｸUB" panose="020B0900000000000000" pitchFamily="50" charset="-128"/>
+              </a:rPr>
+              <a:t>&lt;interface&gt;</a:t>
+            </a:r>
+          </a:p>
+          <a:p>
+            <a:pPr algn="ctr"/>
+            <a:r>
+              <a:rPr lang="en-US" altLang="ja-JP" dirty="0" err="1" smtClean="0">
+                <a:solidFill>
+                  <a:schemeClr val="tx1">
+                    <a:lumMod val="75000"/>
+                    <a:lumOff val="25000"/>
+                  </a:schemeClr>
+                </a:solidFill>
+                <a:latin typeface="HGP創英角ｺﾞｼｯｸUB" panose="020B0900000000000000" pitchFamily="50" charset="-128"/>
+                <a:ea typeface="HGP創英角ｺﾞｼｯｸUB" panose="020B0900000000000000" pitchFamily="50" charset="-128"/>
+              </a:rPr>
+              <a:t>AccessDeniedHandler</a:t>
+            </a:r>
+            <a:endParaRPr lang="en-US" altLang="ja-JP" dirty="0">
+              <a:solidFill>
+                <a:schemeClr val="tx1">
+                  <a:lumMod val="75000"/>
+                  <a:lumOff val="25000"/>
+                </a:schemeClr>
+              </a:solidFill>
+              <a:latin typeface="HGP創英角ｺﾞｼｯｸUB" panose="020B0900000000000000" pitchFamily="50" charset="-128"/>
+              <a:ea typeface="HGP創英角ｺﾞｼｯｸUB" panose="020B0900000000000000" pitchFamily="50" charset="-128"/>
+            </a:endParaRPr>
+          </a:p>
+        </p:txBody>
+      </p:sp>
+      <p:sp>
+        <p:nvSpPr>
+          <p:cNvPr id="83" name="正方形/長方形 82"/>
+          <p:cNvSpPr/>
+          <p:nvPr/>
+        </p:nvSpPr>
+        <p:spPr>
+          <a:xfrm>
+            <a:off x="3707904" y="1387417"/>
+            <a:ext cx="1631694" cy="889455"/>
+          </a:xfrm>
+          <a:prstGeom prst="rect">
+            <a:avLst/>
+          </a:prstGeom>
+          <a:solidFill>
+            <a:schemeClr val="accent6">
+              <a:lumMod val="60000"/>
+              <a:lumOff val="40000"/>
+            </a:schemeClr>
+          </a:solidFill>
+          <a:ln>
+            <a:noFill/>
+          </a:ln>
+        </p:spPr>
+        <p:style>
+          <a:lnRef idx="2">
+            <a:schemeClr val="accent1">
+              <a:shade val="50000"/>
+            </a:schemeClr>
+          </a:lnRef>
+          <a:fillRef idx="1">
+            <a:schemeClr val="accent1"/>
+          </a:fillRef>
+          <a:effectRef idx="0">
+            <a:schemeClr val="accent1"/>
+          </a:effectRef>
+          <a:fontRef idx="minor">
+            <a:schemeClr val="lt1"/>
+          </a:fontRef>
+        </p:style>
+        <p:txBody>
+          <a:bodyPr rtlCol="0" anchor="ctr"/>
+          <a:lstStyle/>
+          <a:p>
+            <a:pPr algn="ctr"/>
+            <a:r>
+              <a:rPr lang="en-US" altLang="ja-JP" sz="1100" dirty="0">
+                <a:solidFill>
+                  <a:schemeClr val="tx1">
+                    <a:lumMod val="75000"/>
+                    <a:lumOff val="25000"/>
+                  </a:schemeClr>
+                </a:solidFill>
+                <a:latin typeface="HGP創英角ｺﾞｼｯｸUB" panose="020B0900000000000000" pitchFamily="50" charset="-128"/>
+                <a:ea typeface="HGP創英角ｺﾞｼｯｸUB" panose="020B0900000000000000" pitchFamily="50" charset="-128"/>
+              </a:rPr>
+              <a:t>&lt;interface</a:t>
+            </a:r>
+            <a:r>
+              <a:rPr lang="en-US" altLang="ja-JP" sz="1100" dirty="0" smtClean="0">
+                <a:solidFill>
+                  <a:schemeClr val="tx1">
+                    <a:lumMod val="75000"/>
+                    <a:lumOff val="25000"/>
+                  </a:schemeClr>
+                </a:solidFill>
+                <a:latin typeface="HGP創英角ｺﾞｼｯｸUB" panose="020B0900000000000000" pitchFamily="50" charset="-128"/>
+                <a:ea typeface="HGP創英角ｺﾞｼｯｸUB" panose="020B0900000000000000" pitchFamily="50" charset="-128"/>
+              </a:rPr>
+              <a:t>&gt;</a:t>
+            </a:r>
+          </a:p>
+          <a:p>
+            <a:pPr algn="ctr"/>
+            <a:r>
+              <a:rPr lang="en-US" altLang="ja-JP" dirty="0" smtClean="0">
+                <a:solidFill>
+                  <a:schemeClr val="tx1">
+                    <a:lumMod val="75000"/>
+                    <a:lumOff val="25000"/>
+                  </a:schemeClr>
+                </a:solidFill>
+                <a:latin typeface="HGP創英角ｺﾞｼｯｸUB" panose="020B0900000000000000" pitchFamily="50" charset="-128"/>
+                <a:ea typeface="HGP創英角ｺﾞｼｯｸUB" panose="020B0900000000000000" pitchFamily="50" charset="-128"/>
+              </a:rPr>
+              <a:t>Authentication</a:t>
+            </a:r>
+          </a:p>
+          <a:p>
+            <a:pPr algn="ctr"/>
+            <a:r>
+              <a:rPr lang="en-US" altLang="ja-JP" dirty="0" err="1" smtClean="0">
+                <a:solidFill>
+                  <a:schemeClr val="tx1">
+                    <a:lumMod val="75000"/>
+                    <a:lumOff val="25000"/>
+                  </a:schemeClr>
+                </a:solidFill>
+                <a:latin typeface="HGP創英角ｺﾞｼｯｸUB" panose="020B0900000000000000" pitchFamily="50" charset="-128"/>
+                <a:ea typeface="HGP創英角ｺﾞｼｯｸUB" panose="020B0900000000000000" pitchFamily="50" charset="-128"/>
+              </a:rPr>
+              <a:t>EntryPoint</a:t>
+            </a:r>
+            <a:endParaRPr lang="en-US" altLang="ja-JP" dirty="0">
+              <a:solidFill>
+                <a:schemeClr val="tx1">
+                  <a:lumMod val="75000"/>
+                  <a:lumOff val="25000"/>
+                </a:schemeClr>
+              </a:solidFill>
+              <a:latin typeface="HGP創英角ｺﾞｼｯｸUB" panose="020B0900000000000000" pitchFamily="50" charset="-128"/>
+              <a:ea typeface="HGP創英角ｺﾞｼｯｸUB" panose="020B0900000000000000" pitchFamily="50" charset="-128"/>
+            </a:endParaRPr>
+          </a:p>
+        </p:txBody>
+      </p:sp>
+      <p:cxnSp>
+        <p:nvCxnSpPr>
+          <p:cNvPr id="88" name="直線矢印コネクタ 87"/>
+          <p:cNvCxnSpPr/>
+          <p:nvPr/>
+        </p:nvCxnSpPr>
+        <p:spPr bwMode="invGray">
+          <a:xfrm flipH="1" flipV="1">
+            <a:off x="2915816" y="2276872"/>
+            <a:ext cx="539213" cy="648072"/>
+          </a:xfrm>
+          <a:prstGeom prst="straightConnector1">
+            <a:avLst/>
+          </a:prstGeom>
+          <a:ln w="50800">
+            <a:solidFill>
+              <a:schemeClr val="tx2">
+                <a:lumMod val="40000"/>
+                <a:lumOff val="60000"/>
+              </a:schemeClr>
+            </a:solidFill>
+            <a:tailEnd type="triangle" w="lg" len="lg"/>
+          </a:ln>
+        </p:spPr>
+        <p:style>
+          <a:lnRef idx="1">
+            <a:schemeClr val="accent1"/>
+          </a:lnRef>
+          <a:fillRef idx="0">
+            <a:schemeClr val="accent1"/>
+          </a:fillRef>
+          <a:effectRef idx="0">
+            <a:schemeClr val="accent1"/>
+          </a:effectRef>
+          <a:fontRef idx="minor">
+            <a:schemeClr val="tx1"/>
+          </a:fontRef>
+        </p:style>
+      </p:cxnSp>
+      <p:cxnSp>
+        <p:nvCxnSpPr>
+          <p:cNvPr id="89" name="直線矢印コネクタ 87"/>
+          <p:cNvCxnSpPr/>
+          <p:nvPr/>
+        </p:nvCxnSpPr>
+        <p:spPr bwMode="invGray">
+          <a:xfrm flipV="1">
+            <a:off x="3750593" y="2276872"/>
+            <a:ext cx="629142" cy="648072"/>
+          </a:xfrm>
+          <a:prstGeom prst="straightConnector1">
+            <a:avLst/>
+          </a:prstGeom>
+          <a:ln w="50800">
+            <a:solidFill>
+              <a:schemeClr val="tx2">
+                <a:lumMod val="40000"/>
+                <a:lumOff val="60000"/>
+              </a:schemeClr>
+            </a:solidFill>
+            <a:tailEnd type="triangle" w="lg" len="lg"/>
+          </a:ln>
+        </p:spPr>
+        <p:style>
+          <a:lnRef idx="1">
+            <a:schemeClr val="accent1"/>
+          </a:lnRef>
+          <a:fillRef idx="0">
+            <a:schemeClr val="accent1"/>
+          </a:fillRef>
+          <a:effectRef idx="0">
+            <a:schemeClr val="accent1"/>
+          </a:effectRef>
+          <a:fontRef idx="minor">
+            <a:schemeClr val="tx1"/>
+          </a:fontRef>
+        </p:style>
+      </p:cxnSp>
+      <p:sp>
+        <p:nvSpPr>
+          <p:cNvPr id="96" name="正方形/長方形 95"/>
+          <p:cNvSpPr/>
+          <p:nvPr/>
+        </p:nvSpPr>
+        <p:spPr>
+          <a:xfrm>
+            <a:off x="5796136" y="836713"/>
+            <a:ext cx="2448272" cy="4608512"/>
+          </a:xfrm>
+          <a:prstGeom prst="rect">
+            <a:avLst/>
+          </a:prstGeom>
+          <a:solidFill>
+            <a:schemeClr val="bg1"/>
+          </a:solidFill>
+          <a:ln w="60325">
+            <a:solidFill>
+              <a:schemeClr val="bg1">
+                <a:lumMod val="65000"/>
+              </a:schemeClr>
+            </a:solidFill>
+            <a:miter lim="800000"/>
+          </a:ln>
+          <a:effectLst/>
+        </p:spPr>
+        <p:style>
+          <a:lnRef idx="1">
+            <a:schemeClr val="accent1"/>
+          </a:lnRef>
+          <a:fillRef idx="3">
+            <a:schemeClr val="accent1"/>
+          </a:fillRef>
+          <a:effectRef idx="2">
+            <a:schemeClr val="accent1"/>
+          </a:effectRef>
+          <a:fontRef idx="minor">
+            <a:schemeClr val="lt1"/>
+          </a:fontRef>
+        </p:style>
+        <p:txBody>
+          <a:bodyPr rtlCol="0" anchor="t" anchorCtr="0"/>
+          <a:lstStyle/>
+          <a:p>
+            <a:pPr algn="ctr"/>
+            <a:r>
+              <a:rPr kumimoji="1" lang="en-US" altLang="ja-JP" sz="2000" dirty="0" smtClean="0">
+                <a:solidFill>
+                  <a:schemeClr val="tx1">
+                    <a:lumMod val="50000"/>
+                    <a:lumOff val="50000"/>
+                  </a:schemeClr>
+                </a:solidFill>
+              </a:rPr>
+              <a:t>spring-security-core</a:t>
+            </a:r>
+          </a:p>
+        </p:txBody>
+      </p:sp>
+      <p:sp>
+        <p:nvSpPr>
+          <p:cNvPr id="98" name="正方形/長方形 97"/>
+          <p:cNvSpPr/>
+          <p:nvPr/>
+        </p:nvSpPr>
+        <p:spPr>
+          <a:xfrm>
+            <a:off x="6168421" y="2636912"/>
+            <a:ext cx="1787955" cy="889455"/>
+          </a:xfrm>
+          <a:prstGeom prst="rect">
+            <a:avLst/>
+          </a:prstGeom>
+          <a:solidFill>
+            <a:schemeClr val="accent6">
+              <a:lumMod val="60000"/>
+              <a:lumOff val="40000"/>
+            </a:schemeClr>
+          </a:solidFill>
+          <a:ln>
+            <a:noFill/>
+          </a:ln>
+        </p:spPr>
+        <p:style>
+          <a:lnRef idx="2">
+            <a:schemeClr val="accent1">
+              <a:shade val="50000"/>
+            </a:schemeClr>
+          </a:lnRef>
+          <a:fillRef idx="1">
+            <a:schemeClr val="accent1"/>
+          </a:fillRef>
+          <a:effectRef idx="0">
+            <a:schemeClr val="accent1"/>
+          </a:effectRef>
+          <a:fontRef idx="minor">
+            <a:schemeClr val="lt1"/>
+          </a:fontRef>
+        </p:style>
+        <p:txBody>
+          <a:bodyPr rtlCol="0" anchor="ctr"/>
+          <a:lstStyle/>
+          <a:p>
+            <a:pPr algn="ctr"/>
+            <a:r>
+              <a:rPr lang="en-US" altLang="ja-JP" sz="1100" dirty="0">
+                <a:solidFill>
+                  <a:schemeClr val="tx1">
+                    <a:lumMod val="75000"/>
+                    <a:lumOff val="25000"/>
+                  </a:schemeClr>
+                </a:solidFill>
+                <a:latin typeface="HGP創英角ｺﾞｼｯｸUB" panose="020B0900000000000000" pitchFamily="50" charset="-128"/>
+                <a:ea typeface="HGP創英角ｺﾞｼｯｸUB" panose="020B0900000000000000" pitchFamily="50" charset="-128"/>
+              </a:rPr>
+              <a:t>&lt;interface</a:t>
+            </a:r>
+            <a:r>
+              <a:rPr lang="en-US" altLang="ja-JP" sz="1100" dirty="0" smtClean="0">
+                <a:solidFill>
+                  <a:schemeClr val="tx1">
+                    <a:lumMod val="75000"/>
+                    <a:lumOff val="25000"/>
+                  </a:schemeClr>
+                </a:solidFill>
+                <a:latin typeface="HGP創英角ｺﾞｼｯｸUB" panose="020B0900000000000000" pitchFamily="50" charset="-128"/>
+                <a:ea typeface="HGP創英角ｺﾞｼｯｸUB" panose="020B0900000000000000" pitchFamily="50" charset="-128"/>
+              </a:rPr>
+              <a:t>&gt;</a:t>
+            </a:r>
+          </a:p>
+          <a:p>
+            <a:pPr algn="ctr"/>
+            <a:r>
+              <a:rPr lang="en-US" altLang="ja-JP" dirty="0" err="1" smtClean="0">
+                <a:solidFill>
+                  <a:schemeClr val="tx1">
+                    <a:lumMod val="75000"/>
+                    <a:lumOff val="25000"/>
+                  </a:schemeClr>
+                </a:solidFill>
+                <a:latin typeface="HGP創英角ｺﾞｼｯｸUB" panose="020B0900000000000000" pitchFamily="50" charset="-128"/>
+                <a:ea typeface="HGP創英角ｺﾞｼｯｸUB" panose="020B0900000000000000" pitchFamily="50" charset="-128"/>
+              </a:rPr>
+              <a:t>AccessDecisionManager</a:t>
+            </a:r>
+            <a:endParaRPr lang="en-US" altLang="ja-JP" dirty="0">
+              <a:solidFill>
+                <a:schemeClr val="tx1">
+                  <a:lumMod val="75000"/>
+                  <a:lumOff val="25000"/>
+                </a:schemeClr>
+              </a:solidFill>
+              <a:latin typeface="HGP創英角ｺﾞｼｯｸUB" panose="020B0900000000000000" pitchFamily="50" charset="-128"/>
+              <a:ea typeface="HGP創英角ｺﾞｼｯｸUB" panose="020B0900000000000000" pitchFamily="50" charset="-128"/>
+            </a:endParaRPr>
+          </a:p>
+        </p:txBody>
+      </p:sp>
+      <p:sp>
+        <p:nvSpPr>
+          <p:cNvPr id="104" name="テキスト ボックス 103"/>
+          <p:cNvSpPr txBox="1"/>
+          <p:nvPr/>
+        </p:nvSpPr>
+        <p:spPr>
+          <a:xfrm>
+            <a:off x="6827671" y="3745898"/>
+            <a:ext cx="723275" cy="461665"/>
+          </a:xfrm>
+          <a:prstGeom prst="rect">
+            <a:avLst/>
+          </a:prstGeom>
+          <a:noFill/>
+        </p:spPr>
+        <p:txBody>
+          <a:bodyPr wrap="none" rtlCol="0">
+            <a:spAutoFit/>
+          </a:bodyPr>
+          <a:lstStyle/>
+          <a:p>
+            <a:r>
+              <a:rPr kumimoji="1" lang="ja-JP" altLang="en-US" sz="2400" dirty="0" smtClean="0">
+                <a:solidFill>
+                  <a:schemeClr val="tx1">
+                    <a:lumMod val="65000"/>
+                    <a:lumOff val="35000"/>
+                  </a:schemeClr>
+                </a:solidFill>
+                <a:latin typeface="HGP創英角ｺﾞｼｯｸUB" panose="020B0900000000000000" pitchFamily="50" charset="-128"/>
+                <a:ea typeface="HGP創英角ｺﾞｼｯｸUB" panose="020B0900000000000000" pitchFamily="50" charset="-128"/>
+              </a:rPr>
+              <a:t>（１）</a:t>
+            </a:r>
+            <a:endParaRPr kumimoji="1" lang="ja-JP" altLang="en-US" sz="2400" dirty="0">
+              <a:solidFill>
+                <a:schemeClr val="tx1">
+                  <a:lumMod val="65000"/>
+                  <a:lumOff val="35000"/>
+                </a:schemeClr>
+              </a:solidFill>
+              <a:latin typeface="HGP創英角ｺﾞｼｯｸUB" panose="020B0900000000000000" pitchFamily="50" charset="-128"/>
+              <a:ea typeface="HGP創英角ｺﾞｼｯｸUB" panose="020B0900000000000000" pitchFamily="50" charset="-128"/>
+            </a:endParaRPr>
+          </a:p>
+        </p:txBody>
+      </p:sp>
+      <p:sp>
+        <p:nvSpPr>
+          <p:cNvPr id="105" name="テキスト ボックス 104"/>
+          <p:cNvSpPr txBox="1"/>
+          <p:nvPr/>
+        </p:nvSpPr>
+        <p:spPr>
+          <a:xfrm>
+            <a:off x="2417039" y="2463279"/>
+            <a:ext cx="723275" cy="461665"/>
+          </a:xfrm>
+          <a:prstGeom prst="rect">
+            <a:avLst/>
+          </a:prstGeom>
+          <a:noFill/>
+        </p:spPr>
+        <p:txBody>
+          <a:bodyPr wrap="none" rtlCol="0">
+            <a:spAutoFit/>
+          </a:bodyPr>
+          <a:lstStyle/>
+          <a:p>
+            <a:r>
+              <a:rPr kumimoji="1" lang="ja-JP" altLang="en-US" sz="2400" dirty="0" smtClean="0">
+                <a:solidFill>
+                  <a:schemeClr val="tx1">
+                    <a:lumMod val="65000"/>
+                    <a:lumOff val="35000"/>
+                  </a:schemeClr>
+                </a:solidFill>
+                <a:latin typeface="HGP創英角ｺﾞｼｯｸUB" panose="020B0900000000000000" pitchFamily="50" charset="-128"/>
+                <a:ea typeface="HGP創英角ｺﾞｼｯｸUB" panose="020B0900000000000000" pitchFamily="50" charset="-128"/>
+              </a:rPr>
+              <a:t>（３）</a:t>
+            </a:r>
+            <a:endParaRPr kumimoji="1" lang="ja-JP" altLang="en-US" sz="2400" dirty="0">
+              <a:solidFill>
+                <a:schemeClr val="tx1">
+                  <a:lumMod val="65000"/>
+                  <a:lumOff val="35000"/>
+                </a:schemeClr>
+              </a:solidFill>
+              <a:latin typeface="HGP創英角ｺﾞｼｯｸUB" panose="020B0900000000000000" pitchFamily="50" charset="-128"/>
+              <a:ea typeface="HGP創英角ｺﾞｼｯｸUB" panose="020B0900000000000000" pitchFamily="50" charset="-128"/>
+            </a:endParaRPr>
+          </a:p>
+        </p:txBody>
+      </p:sp>
+      <p:sp>
+        <p:nvSpPr>
+          <p:cNvPr id="107" name="テキスト ボックス 106"/>
+          <p:cNvSpPr txBox="1"/>
+          <p:nvPr/>
+        </p:nvSpPr>
+        <p:spPr>
+          <a:xfrm>
+            <a:off x="4055309" y="2487042"/>
+            <a:ext cx="723275" cy="461665"/>
+          </a:xfrm>
+          <a:prstGeom prst="rect">
+            <a:avLst/>
+          </a:prstGeom>
+          <a:noFill/>
+        </p:spPr>
+        <p:txBody>
+          <a:bodyPr wrap="none" rtlCol="0">
+            <a:spAutoFit/>
+          </a:bodyPr>
+          <a:lstStyle/>
+          <a:p>
+            <a:r>
+              <a:rPr kumimoji="1" lang="ja-JP" altLang="en-US" sz="2400" dirty="0" smtClean="0">
+                <a:solidFill>
+                  <a:schemeClr val="tx1">
+                    <a:lumMod val="65000"/>
+                    <a:lumOff val="35000"/>
+                  </a:schemeClr>
+                </a:solidFill>
+                <a:latin typeface="HGP創英角ｺﾞｼｯｸUB" panose="020B0900000000000000" pitchFamily="50" charset="-128"/>
+                <a:ea typeface="HGP創英角ｺﾞｼｯｸUB" panose="020B0900000000000000" pitchFamily="50" charset="-128"/>
+              </a:rPr>
+              <a:t>（４）</a:t>
+            </a:r>
+            <a:endParaRPr kumimoji="1" lang="ja-JP" altLang="en-US" sz="2400" dirty="0">
+              <a:solidFill>
+                <a:schemeClr val="tx1">
+                  <a:lumMod val="65000"/>
+                  <a:lumOff val="35000"/>
+                </a:schemeClr>
+              </a:solidFill>
+              <a:latin typeface="HGP創英角ｺﾞｼｯｸUB" panose="020B0900000000000000" pitchFamily="50" charset="-128"/>
+              <a:ea typeface="HGP創英角ｺﾞｼｯｸUB" panose="020B0900000000000000" pitchFamily="50" charset="-128"/>
+            </a:endParaRPr>
+          </a:p>
+        </p:txBody>
+      </p:sp>
+      <p:sp>
+        <p:nvSpPr>
+          <p:cNvPr id="102" name="laptop"/>
+          <p:cNvSpPr>
+            <a:spLocks noEditPoints="1" noChangeArrowheads="1"/>
+          </p:cNvSpPr>
+          <p:nvPr/>
+        </p:nvSpPr>
+        <p:spPr bwMode="auto">
+          <a:xfrm>
+            <a:off x="476247" y="3098099"/>
+            <a:ext cx="1071417" cy="806382"/>
+          </a:xfrm>
+          <a:custGeom>
+            <a:avLst/>
+            <a:gdLst>
+              <a:gd name="T0" fmla="*/ 3362 w 21600"/>
+              <a:gd name="T1" fmla="*/ 0 h 21600"/>
+              <a:gd name="T2" fmla="*/ 3362 w 21600"/>
+              <a:gd name="T3" fmla="*/ 7173 h 21600"/>
+              <a:gd name="T4" fmla="*/ 18327 w 21600"/>
+              <a:gd name="T5" fmla="*/ 0 h 21600"/>
+              <a:gd name="T6" fmla="*/ 18327 w 21600"/>
+              <a:gd name="T7" fmla="*/ 7173 h 21600"/>
+              <a:gd name="T8" fmla="*/ 10800 w 21600"/>
+              <a:gd name="T9" fmla="*/ 0 h 21600"/>
+              <a:gd name="T10" fmla="*/ 10800 w 21600"/>
+              <a:gd name="T11" fmla="*/ 21600 h 21600"/>
+              <a:gd name="T12" fmla="*/ 0 w 21600"/>
+              <a:gd name="T13" fmla="*/ 21600 h 21600"/>
+              <a:gd name="T14" fmla="*/ 21600 w 21600"/>
+              <a:gd name="T15" fmla="*/ 21600 h 21600"/>
+              <a:gd name="T16" fmla="*/ 4445 w 21600"/>
+              <a:gd name="T17" fmla="*/ 1858 h 21600"/>
+              <a:gd name="T18" fmla="*/ 17311 w 21600"/>
+              <a:gd name="T19" fmla="*/ 12323 h 21600"/>
+            </a:gdLst>
+            <a:ahLst/>
+            <a:cxnLst>
+              <a:cxn ang="0">
+                <a:pos x="T0" y="T1"/>
+              </a:cxn>
+              <a:cxn ang="0">
+                <a:pos x="T2" y="T3"/>
+              </a:cxn>
+              <a:cxn ang="0">
+                <a:pos x="T4" y="T5"/>
+              </a:cxn>
+              <a:cxn ang="0">
+                <a:pos x="T6" y="T7"/>
+              </a:cxn>
+              <a:cxn ang="0">
+                <a:pos x="T8" y="T9"/>
+              </a:cxn>
+              <a:cxn ang="0">
+                <a:pos x="T10" y="T11"/>
+              </a:cxn>
+              <a:cxn ang="0">
+                <a:pos x="T12" y="T13"/>
+              </a:cxn>
+              <a:cxn ang="0">
+                <a:pos x="T14" y="T15"/>
+              </a:cxn>
+            </a:cxnLst>
+            <a:rect l="T16" t="T17" r="T18" b="T19"/>
+            <a:pathLst>
+              <a:path w="21600" h="21600" extrusionOk="0">
+                <a:moveTo>
+                  <a:pt x="3362" y="0"/>
+                </a:moveTo>
+                <a:lnTo>
+                  <a:pt x="18327" y="0"/>
+                </a:lnTo>
+                <a:lnTo>
+                  <a:pt x="18327" y="14347"/>
+                </a:lnTo>
+                <a:lnTo>
+                  <a:pt x="3362" y="14347"/>
+                </a:lnTo>
+                <a:lnTo>
+                  <a:pt x="3362" y="0"/>
+                </a:lnTo>
+                <a:close/>
+              </a:path>
+              <a:path w="21600" h="21600" extrusionOk="0">
+                <a:moveTo>
+                  <a:pt x="3340" y="15068"/>
+                </a:moveTo>
+                <a:lnTo>
+                  <a:pt x="0" y="19877"/>
+                </a:lnTo>
+                <a:lnTo>
+                  <a:pt x="21600" y="19877"/>
+                </a:lnTo>
+                <a:lnTo>
+                  <a:pt x="18327" y="15068"/>
+                </a:lnTo>
+                <a:lnTo>
+                  <a:pt x="3340" y="15068"/>
+                </a:lnTo>
+                <a:close/>
+              </a:path>
+              <a:path w="21600" h="21600" extrusionOk="0">
+                <a:moveTo>
+                  <a:pt x="0" y="19877"/>
+                </a:moveTo>
+                <a:lnTo>
+                  <a:pt x="0" y="21600"/>
+                </a:lnTo>
+                <a:lnTo>
+                  <a:pt x="21600" y="21600"/>
+                </a:lnTo>
+                <a:lnTo>
+                  <a:pt x="21600" y="19877"/>
+                </a:lnTo>
+                <a:lnTo>
+                  <a:pt x="0" y="19877"/>
+                </a:lnTo>
+                <a:close/>
+              </a:path>
+              <a:path w="21600" h="21600" extrusionOk="0">
+                <a:moveTo>
+                  <a:pt x="4186" y="1523"/>
+                </a:moveTo>
+                <a:lnTo>
+                  <a:pt x="17547" y="1523"/>
+                </a:lnTo>
+                <a:lnTo>
+                  <a:pt x="17547" y="12744"/>
+                </a:lnTo>
+                <a:lnTo>
+                  <a:pt x="4186" y="12744"/>
+                </a:lnTo>
+                <a:lnTo>
+                  <a:pt x="4186" y="1523"/>
+                </a:lnTo>
+                <a:close/>
+              </a:path>
+              <a:path w="21600" h="21600" extrusionOk="0">
+                <a:moveTo>
+                  <a:pt x="3318" y="15549"/>
+                </a:moveTo>
+                <a:lnTo>
+                  <a:pt x="2917" y="16110"/>
+                </a:lnTo>
+                <a:lnTo>
+                  <a:pt x="18727" y="16110"/>
+                </a:lnTo>
+                <a:lnTo>
+                  <a:pt x="18327" y="15549"/>
+                </a:lnTo>
+                <a:lnTo>
+                  <a:pt x="3318" y="15549"/>
+                </a:lnTo>
+                <a:close/>
+              </a:path>
+              <a:path w="21600" h="21600" extrusionOk="0">
+                <a:moveTo>
+                  <a:pt x="6213" y="18314"/>
+                </a:moveTo>
+                <a:lnTo>
+                  <a:pt x="5946" y="18875"/>
+                </a:lnTo>
+                <a:lnTo>
+                  <a:pt x="15766" y="18875"/>
+                </a:lnTo>
+                <a:lnTo>
+                  <a:pt x="15499" y="18314"/>
+                </a:lnTo>
+                <a:lnTo>
+                  <a:pt x="6213" y="18314"/>
+                </a:lnTo>
+                <a:close/>
+              </a:path>
+              <a:path w="21600" h="21600" extrusionOk="0">
+                <a:moveTo>
+                  <a:pt x="2828" y="16471"/>
+                </a:moveTo>
+                <a:lnTo>
+                  <a:pt x="2405" y="17072"/>
+                </a:lnTo>
+                <a:lnTo>
+                  <a:pt x="19284" y="17072"/>
+                </a:lnTo>
+                <a:lnTo>
+                  <a:pt x="18839" y="16471"/>
+                </a:lnTo>
+                <a:lnTo>
+                  <a:pt x="2828" y="16471"/>
+                </a:lnTo>
+                <a:close/>
+              </a:path>
+              <a:path w="21600" h="21600" extrusionOk="0">
+                <a:moveTo>
+                  <a:pt x="2316" y="17352"/>
+                </a:moveTo>
+                <a:lnTo>
+                  <a:pt x="1871" y="17953"/>
+                </a:lnTo>
+                <a:lnTo>
+                  <a:pt x="19863" y="17953"/>
+                </a:lnTo>
+                <a:lnTo>
+                  <a:pt x="19395" y="17352"/>
+                </a:lnTo>
+                <a:lnTo>
+                  <a:pt x="2316" y="17352"/>
+                </a:lnTo>
+                <a:close/>
+              </a:path>
+            </a:pathLst>
+          </a:custGeom>
+          <a:solidFill>
+            <a:schemeClr val="bg1">
+              <a:lumMod val="95000"/>
+            </a:schemeClr>
+          </a:solidFill>
+          <a:ln w="0">
+            <a:headEnd/>
+            <a:tailEnd/>
+          </a:ln>
+        </p:spPr>
+        <p:style>
+          <a:lnRef idx="2">
+            <a:schemeClr val="dk1"/>
+          </a:lnRef>
+          <a:fillRef idx="1">
+            <a:schemeClr val="lt1"/>
+          </a:fillRef>
+          <a:effectRef idx="0">
+            <a:schemeClr val="dk1"/>
+          </a:effectRef>
+          <a:fontRef idx="minor">
+            <a:schemeClr val="dk1"/>
+          </a:fontRef>
+        </p:style>
+        <p:txBody>
+          <a:bodyPr vert="horz" wrap="square" lIns="91440" tIns="45720" rIns="91440" bIns="45720" numCol="1" anchor="t" anchorCtr="0" compatLnSpc="1">
+            <a:prstTxWarp prst="textNoShape">
               <a:avLst/>
-            </a:prstGeom>
-            <a:ln/>
-          </p:spPr>
-          <p:style>
-            <a:lnRef idx="0">
-              <a:schemeClr val="accent3"/>
-            </a:lnRef>
-            <a:fillRef idx="3">
-              <a:schemeClr val="accent3"/>
-            </a:fillRef>
-            <a:effectRef idx="3">
-              <a:schemeClr val="accent3"/>
-            </a:effectRef>
-            <a:fontRef idx="minor">
-              <a:schemeClr val="lt1"/>
-            </a:fontRef>
-          </p:style>
-          <p:txBody>
-            <a:bodyPr rtlCol="0" anchor="ctr"/>
-            <a:lstStyle/>
-            <a:p>
-              <a:endParaRPr kumimoji="1" lang="ja-JP" altLang="en-US" dirty="0"/>
-            </a:p>
-          </p:txBody>
-        </p:sp>
-        <p:sp>
-          <p:nvSpPr>
-            <p:cNvPr id="4" name="角丸四角形 3"/>
-            <p:cNvSpPr/>
-            <p:nvPr/>
-          </p:nvSpPr>
-          <p:spPr>
-            <a:xfrm>
-              <a:off x="190500" y="3024414"/>
-              <a:ext cx="1175657" cy="455386"/>
-            </a:xfrm>
-            <a:prstGeom prst="roundRect">
-              <a:avLst/>
-            </a:prstGeom>
-            <a:ln/>
-          </p:spPr>
-          <p:style>
-            <a:lnRef idx="1">
-              <a:schemeClr val="dk1"/>
-            </a:lnRef>
-            <a:fillRef idx="2">
-              <a:schemeClr val="dk1"/>
-            </a:fillRef>
-            <a:effectRef idx="1">
-              <a:schemeClr val="dk1"/>
-            </a:effectRef>
-            <a:fontRef idx="minor">
-              <a:schemeClr val="dk1"/>
-            </a:fontRef>
-          </p:style>
-          <p:txBody>
-            <a:bodyPr rtlCol="0" anchor="ctr"/>
-            <a:lstStyle/>
-            <a:p>
-              <a:pPr algn="ctr"/>
-              <a:r>
-                <a:rPr kumimoji="1" lang="en-US" altLang="ja-JP" sz="1400" dirty="0" smtClean="0">
-                  <a:solidFill>
-                    <a:schemeClr val="tx1"/>
-                  </a:solidFill>
-                </a:rPr>
-                <a:t>Client</a:t>
-              </a:r>
-              <a:endParaRPr kumimoji="1" lang="ja-JP" altLang="en-US" sz="1400" dirty="0">
-                <a:solidFill>
-                  <a:schemeClr val="tx1"/>
-                </a:solidFill>
-              </a:endParaRPr>
-            </a:p>
-          </p:txBody>
-        </p:sp>
-        <p:sp>
-          <p:nvSpPr>
-            <p:cNvPr id="6" name="正方形/長方形 5"/>
-            <p:cNvSpPr/>
-            <p:nvPr/>
-          </p:nvSpPr>
-          <p:spPr>
-            <a:xfrm>
-              <a:off x="1727198" y="533400"/>
-              <a:ext cx="4773423" cy="2070100"/>
-            </a:xfrm>
-            <a:prstGeom prst="rect">
-              <a:avLst/>
-            </a:prstGeom>
-            <a:ln/>
-          </p:spPr>
-          <p:style>
-            <a:lnRef idx="1">
-              <a:schemeClr val="accent2"/>
-            </a:lnRef>
-            <a:fillRef idx="2">
-              <a:schemeClr val="accent2"/>
-            </a:fillRef>
-            <a:effectRef idx="1">
-              <a:schemeClr val="accent2"/>
-            </a:effectRef>
-            <a:fontRef idx="minor">
-              <a:schemeClr val="dk1"/>
-            </a:fontRef>
-          </p:style>
-          <p:txBody>
-            <a:bodyPr rtlCol="0" anchor="ctr"/>
-            <a:lstStyle/>
-            <a:p>
-              <a:pPr algn="ctr"/>
-              <a:endParaRPr kumimoji="1" lang="ja-JP" altLang="en-US" dirty="0"/>
-            </a:p>
-          </p:txBody>
-        </p:sp>
-        <p:sp>
-          <p:nvSpPr>
-            <p:cNvPr id="7" name="テキスト ボックス 6"/>
-            <p:cNvSpPr txBox="1"/>
-            <p:nvPr/>
-          </p:nvSpPr>
-          <p:spPr>
-            <a:xfrm>
-              <a:off x="1727199" y="533400"/>
-              <a:ext cx="2438402" cy="307777"/>
-            </a:xfrm>
-            <a:prstGeom prst="rect">
-              <a:avLst/>
-            </a:prstGeom>
+            </a:prstTxWarp>
+          </a:bodyPr>
+          <a:lstStyle/>
+          <a:p>
+            <a:endParaRPr lang="ja-JP" altLang="en-US"/>
+          </a:p>
+        </p:txBody>
+      </p:sp>
+      <p:sp>
+        <p:nvSpPr>
+          <p:cNvPr id="109" name="正方形/長方形 108"/>
+          <p:cNvSpPr/>
+          <p:nvPr/>
+        </p:nvSpPr>
+        <p:spPr>
+          <a:xfrm>
+            <a:off x="6064241" y="4221088"/>
+            <a:ext cx="1631694" cy="889455"/>
+          </a:xfrm>
+          <a:prstGeom prst="rect">
+            <a:avLst/>
+          </a:prstGeom>
+          <a:solidFill>
+            <a:schemeClr val="accent6">
+              <a:lumMod val="60000"/>
+              <a:lumOff val="40000"/>
+            </a:schemeClr>
+          </a:solidFill>
+          <a:ln>
             <a:noFill/>
-          </p:spPr>
-          <p:txBody>
-            <a:bodyPr wrap="square" rtlCol="0">
-              <a:spAutoFit/>
-            </a:bodyPr>
-            <a:lstStyle/>
-            <a:p>
-              <a:r>
-                <a:rPr lang="en-US" altLang="ja-JP" sz="1400" dirty="0" smtClean="0">
-                  <a:effectLst>
-                    <a:outerShdw blurRad="38100" dist="38100" dir="2700000" algn="tl">
-                      <a:srgbClr val="000000">
-                        <a:alpha val="43137"/>
-                      </a:srgbClr>
-                    </a:outerShdw>
-                  </a:effectLst>
-                </a:rPr>
-                <a:t>Authorization</a:t>
-              </a:r>
-              <a:endParaRPr kumimoji="1" lang="ja-JP" altLang="en-US" sz="1400" dirty="0">
-                <a:effectLst>
-                  <a:outerShdw blurRad="38100" dist="38100" dir="2700000" algn="tl">
-                    <a:srgbClr val="000000">
-                      <a:alpha val="43137"/>
-                    </a:srgbClr>
-                  </a:outerShdw>
-                </a:effectLst>
-              </a:endParaRPr>
-            </a:p>
-          </p:txBody>
-        </p:sp>
-        <p:sp>
-          <p:nvSpPr>
-            <p:cNvPr id="8" name="正方形/長方形 7"/>
-            <p:cNvSpPr/>
-            <p:nvPr/>
-          </p:nvSpPr>
-          <p:spPr>
-            <a:xfrm>
-              <a:off x="2093130" y="2846613"/>
-              <a:ext cx="1272369" cy="810987"/>
-            </a:xfrm>
-            <a:prstGeom prst="rect">
-              <a:avLst/>
-            </a:prstGeom>
-            <a:ln/>
-          </p:spPr>
-          <p:style>
-            <a:lnRef idx="1">
-              <a:schemeClr val="accent3"/>
-            </a:lnRef>
-            <a:fillRef idx="2">
-              <a:schemeClr val="accent3"/>
-            </a:fillRef>
-            <a:effectRef idx="1">
-              <a:schemeClr val="accent3"/>
-            </a:effectRef>
-            <a:fontRef idx="minor">
-              <a:schemeClr val="dk1"/>
-            </a:fontRef>
-          </p:style>
-          <p:txBody>
-            <a:bodyPr rtlCol="0" anchor="ctr"/>
-            <a:lstStyle/>
-            <a:p>
-              <a:pPr algn="ctr"/>
-              <a:r>
-                <a:rPr kumimoji="1" lang="en-US" altLang="ja-JP" sz="1400" dirty="0" smtClean="0">
-                  <a:solidFill>
-                    <a:schemeClr val="tx1"/>
-                  </a:solidFill>
-                </a:rPr>
-                <a:t>JSP Page</a:t>
-              </a:r>
-            </a:p>
-            <a:p>
-              <a:pPr algn="ctr"/>
-              <a:r>
-                <a:rPr lang="en-US" altLang="ja-JP" sz="1400" dirty="0" smtClean="0">
-                  <a:solidFill>
-                    <a:schemeClr val="tx1"/>
-                  </a:solidFill>
-                </a:rPr>
-                <a:t>(View)</a:t>
-              </a:r>
-              <a:endParaRPr kumimoji="1" lang="ja-JP" altLang="en-US" sz="1400" dirty="0">
-                <a:solidFill>
-                  <a:schemeClr val="tx1"/>
-                </a:solidFill>
-              </a:endParaRPr>
-            </a:p>
-          </p:txBody>
-        </p:sp>
-        <p:sp>
-          <p:nvSpPr>
-            <p:cNvPr id="9" name="円柱 8"/>
-            <p:cNvSpPr/>
-            <p:nvPr/>
-          </p:nvSpPr>
-          <p:spPr>
-            <a:xfrm>
-              <a:off x="1821265" y="4279900"/>
-              <a:ext cx="1816100" cy="850900"/>
-            </a:xfrm>
-            <a:prstGeom prst="can">
-              <a:avLst>
-                <a:gd name="adj" fmla="val 20946"/>
-              </a:avLst>
-            </a:prstGeom>
-            <a:ln/>
-          </p:spPr>
-          <p:style>
-            <a:lnRef idx="1">
-              <a:schemeClr val="accent3"/>
-            </a:lnRef>
-            <a:fillRef idx="2">
-              <a:schemeClr val="accent3"/>
-            </a:fillRef>
-            <a:effectRef idx="1">
-              <a:schemeClr val="accent3"/>
-            </a:effectRef>
-            <a:fontRef idx="minor">
-              <a:schemeClr val="dk1"/>
-            </a:fontRef>
-          </p:style>
-          <p:txBody>
-            <a:bodyPr rtlCol="0" anchor="ctr"/>
-            <a:lstStyle/>
-            <a:p>
-              <a:pPr algn="ctr"/>
-              <a:r>
-                <a:rPr lang="en-US" altLang="ja-JP" sz="1400" dirty="0" smtClean="0">
-                  <a:solidFill>
-                    <a:schemeClr val="tx1"/>
-                  </a:solidFill>
-                </a:rPr>
-                <a:t>Access Authorization Information</a:t>
-              </a:r>
-            </a:p>
-          </p:txBody>
-        </p:sp>
-        <p:sp>
-          <p:nvSpPr>
-            <p:cNvPr id="10" name="正方形/長方形 9"/>
-            <p:cNvSpPr/>
-            <p:nvPr/>
-          </p:nvSpPr>
-          <p:spPr>
-            <a:xfrm>
-              <a:off x="2093130" y="956096"/>
-              <a:ext cx="1272369" cy="810987"/>
-            </a:xfrm>
-            <a:prstGeom prst="rect">
-              <a:avLst/>
-            </a:prstGeom>
-            <a:ln/>
-          </p:spPr>
-          <p:style>
-            <a:lnRef idx="0">
-              <a:schemeClr val="accent2"/>
-            </a:lnRef>
-            <a:fillRef idx="3">
-              <a:schemeClr val="accent2"/>
-            </a:fillRef>
-            <a:effectRef idx="3">
-              <a:schemeClr val="accent2"/>
-            </a:effectRef>
-            <a:fontRef idx="minor">
-              <a:schemeClr val="lt1"/>
-            </a:fontRef>
-          </p:style>
-          <p:txBody>
-            <a:bodyPr rtlCol="0" anchor="ctr"/>
-            <a:lstStyle/>
-            <a:p>
-              <a:pPr algn="ctr"/>
-              <a:r>
-                <a:rPr lang="en-US" altLang="ja-JP" sz="1400" dirty="0" smtClean="0">
-                  <a:solidFill>
-                    <a:schemeClr val="tx1"/>
-                  </a:solidFill>
-                </a:rPr>
-                <a:t>Access Authorization Manager</a:t>
-              </a:r>
-            </a:p>
-          </p:txBody>
-        </p:sp>
-        <p:sp>
-          <p:nvSpPr>
-            <p:cNvPr id="11" name="正方形/長方形 10"/>
-            <p:cNvSpPr/>
-            <p:nvPr/>
-          </p:nvSpPr>
-          <p:spPr>
-            <a:xfrm>
-              <a:off x="4190999" y="533400"/>
-              <a:ext cx="2309623" cy="1409700"/>
-            </a:xfrm>
-            <a:prstGeom prst="rect">
-              <a:avLst/>
-            </a:prstGeom>
-            <a:ln/>
-          </p:spPr>
-          <p:style>
-            <a:lnRef idx="1">
-              <a:schemeClr val="accent5"/>
-            </a:lnRef>
-            <a:fillRef idx="2">
-              <a:schemeClr val="accent5"/>
-            </a:fillRef>
-            <a:effectRef idx="1">
-              <a:schemeClr val="accent5"/>
-            </a:effectRef>
-            <a:fontRef idx="minor">
-              <a:schemeClr val="dk1"/>
-            </a:fontRef>
-          </p:style>
-          <p:txBody>
-            <a:bodyPr rtlCol="0" anchor="ctr"/>
-            <a:lstStyle/>
-            <a:p>
-              <a:pPr algn="ctr"/>
-              <a:endParaRPr kumimoji="1" lang="ja-JP" altLang="en-US"/>
-            </a:p>
-          </p:txBody>
-        </p:sp>
-        <p:sp>
-          <p:nvSpPr>
-            <p:cNvPr id="12" name="正方形/長方形 11"/>
-            <p:cNvSpPr/>
-            <p:nvPr/>
-          </p:nvSpPr>
-          <p:spPr>
-            <a:xfrm>
-              <a:off x="5094903" y="956096"/>
-              <a:ext cx="1272369" cy="810987"/>
-            </a:xfrm>
-            <a:prstGeom prst="rect">
-              <a:avLst/>
-            </a:prstGeom>
-            <a:ln/>
-          </p:spPr>
-          <p:style>
-            <a:lnRef idx="0">
-              <a:schemeClr val="accent5"/>
-            </a:lnRef>
-            <a:fillRef idx="3">
-              <a:schemeClr val="accent5"/>
-            </a:fillRef>
-            <a:effectRef idx="3">
-              <a:schemeClr val="accent5"/>
-            </a:effectRef>
-            <a:fontRef idx="minor">
-              <a:schemeClr val="lt1"/>
-            </a:fontRef>
-          </p:style>
-          <p:txBody>
-            <a:bodyPr rtlCol="0" anchor="ctr"/>
-            <a:lstStyle/>
-            <a:p>
-              <a:pPr algn="ctr"/>
-              <a:r>
-                <a:rPr lang="en-US" altLang="ja-JP" sz="1400" dirty="0" smtClean="0">
-                  <a:solidFill>
-                    <a:schemeClr val="tx1"/>
-                  </a:solidFill>
-                </a:rPr>
-                <a:t>Authentication Info</a:t>
-              </a:r>
-              <a:endParaRPr lang="ja-JP" altLang="en-US" sz="1400" dirty="0" smtClean="0">
-                <a:solidFill>
-                  <a:schemeClr val="tx1"/>
-                </a:solidFill>
-              </a:endParaRPr>
-            </a:p>
-          </p:txBody>
-        </p:sp>
-        <p:sp>
-          <p:nvSpPr>
-            <p:cNvPr id="13" name="テキスト ボックス 12"/>
-            <p:cNvSpPr txBox="1"/>
-            <p:nvPr/>
-          </p:nvSpPr>
-          <p:spPr>
-            <a:xfrm>
-              <a:off x="4190999" y="558800"/>
-              <a:ext cx="3719594" cy="307777"/>
-            </a:xfrm>
-            <a:prstGeom prst="rect">
-              <a:avLst/>
-            </a:prstGeom>
-            <a:noFill/>
-          </p:spPr>
-          <p:txBody>
-            <a:bodyPr wrap="square" rtlCol="0">
-              <a:spAutoFit/>
-            </a:bodyPr>
-            <a:lstStyle/>
-            <a:p>
-              <a:r>
-                <a:rPr lang="ja-JP" altLang="en-US" sz="1400" dirty="0" smtClean="0">
-                  <a:effectLst>
-                    <a:outerShdw blurRad="38100" dist="38100" dir="2700000" algn="tl">
-                      <a:srgbClr val="000000">
-                        <a:alpha val="43137"/>
-                      </a:srgbClr>
-                    </a:outerShdw>
-                  </a:effectLst>
-                </a:rPr>
-                <a:t> </a:t>
-              </a:r>
-              <a:r>
-                <a:rPr lang="en-US" altLang="ja-JP" sz="1400" dirty="0" smtClean="0">
-                  <a:effectLst>
-                    <a:outerShdw blurRad="38100" dist="38100" dir="2700000" algn="tl">
-                      <a:srgbClr val="000000">
-                        <a:alpha val="43137"/>
-                      </a:srgbClr>
-                    </a:outerShdw>
-                  </a:effectLst>
-                </a:rPr>
-                <a:t>Authentication</a:t>
-              </a:r>
-              <a:endParaRPr kumimoji="1" lang="ja-JP" altLang="en-US" sz="1400" dirty="0">
-                <a:effectLst>
-                  <a:outerShdw blurRad="38100" dist="38100" dir="2700000" algn="tl">
-                    <a:srgbClr val="000000">
-                      <a:alpha val="43137"/>
-                    </a:srgbClr>
-                  </a:outerShdw>
-                </a:effectLst>
-              </a:endParaRPr>
-            </a:p>
-          </p:txBody>
-        </p:sp>
-        <p:cxnSp>
-          <p:nvCxnSpPr>
-            <p:cNvPr id="15" name="直線矢印コネクタ 14"/>
-            <p:cNvCxnSpPr>
-              <a:stCxn id="10" idx="3"/>
-              <a:endCxn id="12" idx="1"/>
-            </p:cNvCxnSpPr>
-            <p:nvPr/>
-          </p:nvCxnSpPr>
-          <p:spPr>
-            <a:xfrm>
-              <a:off x="3365499" y="1361590"/>
-              <a:ext cx="1729404" cy="0"/>
-            </a:xfrm>
-            <a:prstGeom prst="straightConnector1">
-              <a:avLst/>
-            </a:prstGeom>
-            <a:ln w="9525">
+          </a:ln>
+        </p:spPr>
+        <p:style>
+          <a:lnRef idx="2">
+            <a:schemeClr val="accent1">
+              <a:shade val="50000"/>
+            </a:schemeClr>
+          </a:lnRef>
+          <a:fillRef idx="1">
+            <a:schemeClr val="accent1"/>
+          </a:fillRef>
+          <a:effectRef idx="0">
+            <a:schemeClr val="accent1"/>
+          </a:effectRef>
+          <a:fontRef idx="minor">
+            <a:schemeClr val="lt1"/>
+          </a:fontRef>
+        </p:style>
+        <p:txBody>
+          <a:bodyPr rtlCol="0" anchor="ctr"/>
+          <a:lstStyle/>
+          <a:p>
+            <a:pPr algn="ctr"/>
+            <a:r>
+              <a:rPr lang="en-US" altLang="ja-JP" dirty="0" err="1" smtClean="0">
+                <a:solidFill>
+                  <a:schemeClr val="tx1">
+                    <a:lumMod val="75000"/>
+                    <a:lumOff val="25000"/>
+                  </a:schemeClr>
+                </a:solidFill>
+                <a:latin typeface="HGP創英角ｺﾞｼｯｸUB" panose="020B0900000000000000" pitchFamily="50" charset="-128"/>
+                <a:ea typeface="HGP創英角ｺﾞｼｯｸUB" panose="020B0900000000000000" pitchFamily="50" charset="-128"/>
+              </a:rPr>
+              <a:t>AccessDeniedException</a:t>
+            </a:r>
+            <a:endParaRPr lang="en-US" altLang="ja-JP" dirty="0">
               <a:solidFill>
-                <a:schemeClr val="tx1"/>
+                <a:schemeClr val="tx1">
+                  <a:lumMod val="75000"/>
+                  <a:lumOff val="25000"/>
+                </a:schemeClr>
               </a:solidFill>
-              <a:tailEnd type="arrow"/>
-            </a:ln>
-          </p:spPr>
-          <p:style>
-            <a:lnRef idx="2">
-              <a:schemeClr val="accent1"/>
-            </a:lnRef>
-            <a:fillRef idx="0">
-              <a:schemeClr val="accent1"/>
-            </a:fillRef>
-            <a:effectRef idx="1">
-              <a:schemeClr val="accent1"/>
-            </a:effectRef>
-            <a:fontRef idx="minor">
-              <a:schemeClr val="tx1"/>
-            </a:fontRef>
-          </p:style>
-        </p:cxnSp>
-        <p:cxnSp>
-          <p:nvCxnSpPr>
-            <p:cNvPr id="17" name="直線矢印コネクタ 16"/>
-            <p:cNvCxnSpPr>
-              <a:stCxn id="8" idx="0"/>
-              <a:endCxn id="10" idx="2"/>
-            </p:cNvCxnSpPr>
-            <p:nvPr/>
-          </p:nvCxnSpPr>
-          <p:spPr>
-            <a:xfrm flipV="1">
-              <a:off x="2729315" y="1767083"/>
-              <a:ext cx="0" cy="1079530"/>
-            </a:xfrm>
-            <a:prstGeom prst="straightConnector1">
-              <a:avLst/>
-            </a:prstGeom>
-            <a:ln w="9525">
+              <a:latin typeface="HGP創英角ｺﾞｼｯｸUB" panose="020B0900000000000000" pitchFamily="50" charset="-128"/>
+              <a:ea typeface="HGP創英角ｺﾞｼｯｸUB" panose="020B0900000000000000" pitchFamily="50" charset="-128"/>
+            </a:endParaRPr>
+          </a:p>
+        </p:txBody>
+      </p:sp>
+      <p:sp>
+        <p:nvSpPr>
+          <p:cNvPr id="124" name="正方形/長方形 123"/>
+          <p:cNvSpPr/>
+          <p:nvPr/>
+        </p:nvSpPr>
+        <p:spPr>
+          <a:xfrm>
+            <a:off x="1856072" y="1259536"/>
+            <a:ext cx="3560973" cy="2663995"/>
+          </a:xfrm>
+          <a:prstGeom prst="rect">
+            <a:avLst/>
+          </a:prstGeom>
+          <a:noFill/>
+          <a:ln w="63500">
+            <a:solidFill>
+              <a:schemeClr val="accent6">
+                <a:lumMod val="60000"/>
+                <a:lumOff val="40000"/>
+              </a:schemeClr>
+            </a:solidFill>
+            <a:prstDash val="solid"/>
+            <a:miter lim="800000"/>
+          </a:ln>
+          <a:effectLst/>
+        </p:spPr>
+        <p:style>
+          <a:lnRef idx="1">
+            <a:schemeClr val="accent1"/>
+          </a:lnRef>
+          <a:fillRef idx="3">
+            <a:schemeClr val="accent1"/>
+          </a:fillRef>
+          <a:effectRef idx="2">
+            <a:schemeClr val="accent1"/>
+          </a:effectRef>
+          <a:fontRef idx="minor">
+            <a:schemeClr val="lt1"/>
+          </a:fontRef>
+        </p:style>
+        <p:txBody>
+          <a:bodyPr rtlCol="0" anchor="t" anchorCtr="0"/>
+          <a:lstStyle/>
+          <a:p>
+            <a:pPr algn="ctr"/>
+            <a:endParaRPr kumimoji="1" lang="en-US" altLang="ja-JP" sz="2000" dirty="0" smtClean="0">
               <a:solidFill>
-                <a:schemeClr val="tx1"/>
+                <a:schemeClr val="tx1">
+                  <a:lumMod val="50000"/>
+                  <a:lumOff val="50000"/>
+                </a:schemeClr>
               </a:solidFill>
-              <a:tailEnd type="arrow"/>
-            </a:ln>
-          </p:spPr>
-          <p:style>
-            <a:lnRef idx="2">
-              <a:schemeClr val="accent1"/>
-            </a:lnRef>
-            <a:fillRef idx="0">
-              <a:schemeClr val="accent1"/>
-            </a:fillRef>
-            <a:effectRef idx="1">
-              <a:schemeClr val="accent1"/>
-            </a:effectRef>
-            <a:fontRef idx="minor">
-              <a:schemeClr val="tx1"/>
-            </a:fontRef>
-          </p:style>
-        </p:cxnSp>
-        <p:cxnSp>
-          <p:nvCxnSpPr>
-            <p:cNvPr id="19" name="直線矢印コネクタ 18"/>
-            <p:cNvCxnSpPr>
-              <a:stCxn id="4" idx="3"/>
-              <a:endCxn id="8" idx="1"/>
-            </p:cNvCxnSpPr>
-            <p:nvPr/>
-          </p:nvCxnSpPr>
-          <p:spPr>
-            <a:xfrm>
-              <a:off x="1366157" y="3252107"/>
-              <a:ext cx="726973" cy="0"/>
-            </a:xfrm>
-            <a:prstGeom prst="straightConnector1">
-              <a:avLst/>
-            </a:prstGeom>
-            <a:ln w="9525">
+            </a:endParaRPr>
+          </a:p>
+        </p:txBody>
+      </p:sp>
+      <p:sp>
+        <p:nvSpPr>
+          <p:cNvPr id="125" name="円形吹き出し 124"/>
+          <p:cNvSpPr/>
+          <p:nvPr/>
+        </p:nvSpPr>
+        <p:spPr>
+          <a:xfrm>
+            <a:off x="465290" y="237479"/>
+            <a:ext cx="2164748" cy="898401"/>
+          </a:xfrm>
+          <a:prstGeom prst="wedgeEllipseCallout">
+            <a:avLst>
+              <a:gd name="adj1" fmla="val 23800"/>
+              <a:gd name="adj2" fmla="val 63343"/>
+            </a:avLst>
+          </a:prstGeom>
+          <a:solidFill>
+            <a:schemeClr val="accent6">
+              <a:lumMod val="60000"/>
+              <a:lumOff val="40000"/>
+            </a:schemeClr>
+          </a:solidFill>
+          <a:ln w="12700">
+            <a:solidFill>
+              <a:schemeClr val="accent6">
+                <a:lumMod val="40000"/>
+                <a:lumOff val="60000"/>
+              </a:schemeClr>
+            </a:solidFill>
+          </a:ln>
+          <a:effectLst/>
+        </p:spPr>
+        <p:style>
+          <a:lnRef idx="3">
+            <a:schemeClr val="lt1"/>
+          </a:lnRef>
+          <a:fillRef idx="1">
+            <a:schemeClr val="accent6"/>
+          </a:fillRef>
+          <a:effectRef idx="1">
+            <a:schemeClr val="accent6"/>
+          </a:effectRef>
+          <a:fontRef idx="minor">
+            <a:schemeClr val="lt1"/>
+          </a:fontRef>
+        </p:style>
+        <p:txBody>
+          <a:bodyPr rtlCol="0" anchor="ctr"/>
+          <a:lstStyle/>
+          <a:p>
+            <a:pPr algn="ctr"/>
+            <a:r>
+              <a:rPr lang="en-US" altLang="ja-JP" dirty="0">
+                <a:solidFill>
+                  <a:schemeClr val="tx1">
+                    <a:lumMod val="75000"/>
+                    <a:lumOff val="25000"/>
+                  </a:schemeClr>
+                </a:solidFill>
+                <a:latin typeface="HGP創英角ｺﾞｼｯｸUB" panose="020B0900000000000000" pitchFamily="50" charset="-128"/>
+                <a:ea typeface="HGP創英角ｺﾞｼｯｸUB" panose="020B0900000000000000" pitchFamily="50" charset="-128"/>
+              </a:rPr>
+              <a:t>Handling authorization error</a:t>
+            </a:r>
+            <a:endParaRPr kumimoji="1" lang="ja-JP" altLang="en-US" dirty="0">
               <a:solidFill>
-                <a:schemeClr val="tx1"/>
+                <a:schemeClr val="tx1">
+                  <a:lumMod val="75000"/>
+                  <a:lumOff val="25000"/>
+                </a:schemeClr>
               </a:solidFill>
-              <a:tailEnd type="arrow"/>
-            </a:ln>
-          </p:spPr>
-          <p:style>
-            <a:lnRef idx="2">
-              <a:schemeClr val="accent1"/>
-            </a:lnRef>
-            <a:fillRef idx="0">
-              <a:schemeClr val="accent1"/>
-            </a:fillRef>
-            <a:effectRef idx="1">
-              <a:schemeClr val="accent1"/>
-            </a:effectRef>
-            <a:fontRef idx="minor">
-              <a:schemeClr val="tx1"/>
-            </a:fontRef>
-          </p:style>
-        </p:cxnSp>
-        <p:cxnSp>
-          <p:nvCxnSpPr>
-            <p:cNvPr id="21" name="直線矢印コネクタ 20"/>
-            <p:cNvCxnSpPr>
-              <a:stCxn id="8" idx="2"/>
-              <a:endCxn id="9" idx="1"/>
-            </p:cNvCxnSpPr>
-            <p:nvPr/>
-          </p:nvCxnSpPr>
-          <p:spPr>
-            <a:xfrm>
-              <a:off x="2729315" y="3657600"/>
-              <a:ext cx="0" cy="622300"/>
-            </a:xfrm>
-            <a:prstGeom prst="straightConnector1">
-              <a:avLst/>
-            </a:prstGeom>
-            <a:ln w="9525">
+              <a:latin typeface="HGP創英角ｺﾞｼｯｸUB" panose="020B0900000000000000" pitchFamily="50" charset="-128"/>
+              <a:ea typeface="HGP創英角ｺﾞｼｯｸUB" panose="020B0900000000000000" pitchFamily="50" charset="-128"/>
+            </a:endParaRPr>
+          </a:p>
+        </p:txBody>
+      </p:sp>
+      <p:cxnSp>
+        <p:nvCxnSpPr>
+          <p:cNvPr id="126" name="直線矢印コネクタ 125"/>
+          <p:cNvCxnSpPr>
+            <a:stCxn id="102" idx="3"/>
+          </p:cNvCxnSpPr>
+          <p:nvPr/>
+        </p:nvCxnSpPr>
+        <p:spPr bwMode="invGray">
+          <a:xfrm>
+            <a:off x="1385315" y="3365885"/>
+            <a:ext cx="1362726" cy="3787"/>
+          </a:xfrm>
+          <a:prstGeom prst="straightConnector1">
+            <a:avLst/>
+          </a:prstGeom>
+          <a:ln w="50800">
+            <a:solidFill>
+              <a:schemeClr val="tx2">
+                <a:lumMod val="40000"/>
+                <a:lumOff val="60000"/>
+              </a:schemeClr>
+            </a:solidFill>
+            <a:tailEnd type="triangle" w="lg" len="lg"/>
+          </a:ln>
+        </p:spPr>
+        <p:style>
+          <a:lnRef idx="1">
+            <a:schemeClr val="accent1"/>
+          </a:lnRef>
+          <a:fillRef idx="0">
+            <a:schemeClr val="accent1"/>
+          </a:fillRef>
+          <a:effectRef idx="0">
+            <a:schemeClr val="accent1"/>
+          </a:effectRef>
+          <a:fontRef idx="minor">
+            <a:schemeClr val="tx1"/>
+          </a:fontRef>
+        </p:style>
+      </p:cxnSp>
+      <p:cxnSp>
+        <p:nvCxnSpPr>
+          <p:cNvPr id="127" name="直線矢印コネクタ 126"/>
+          <p:cNvCxnSpPr/>
+          <p:nvPr/>
+        </p:nvCxnSpPr>
+        <p:spPr bwMode="invGray">
+          <a:xfrm>
+            <a:off x="3563888" y="3814399"/>
+            <a:ext cx="0" cy="525346"/>
+          </a:xfrm>
+          <a:prstGeom prst="straightConnector1">
+            <a:avLst/>
+          </a:prstGeom>
+          <a:ln w="50800">
+            <a:solidFill>
+              <a:schemeClr val="tx2">
+                <a:lumMod val="40000"/>
+                <a:lumOff val="60000"/>
+              </a:schemeClr>
+            </a:solidFill>
+            <a:tailEnd type="triangle" w="lg" len="lg"/>
+          </a:ln>
+        </p:spPr>
+        <p:style>
+          <a:lnRef idx="1">
+            <a:schemeClr val="accent1"/>
+          </a:lnRef>
+          <a:fillRef idx="0">
+            <a:schemeClr val="accent1"/>
+          </a:fillRef>
+          <a:effectRef idx="0">
+            <a:schemeClr val="accent1"/>
+          </a:effectRef>
+          <a:fontRef idx="minor">
+            <a:schemeClr val="tx1"/>
+          </a:fontRef>
+        </p:style>
+      </p:cxnSp>
+      <p:cxnSp>
+        <p:nvCxnSpPr>
+          <p:cNvPr id="128" name="直線矢印コネクタ 87"/>
+          <p:cNvCxnSpPr/>
+          <p:nvPr/>
+        </p:nvCxnSpPr>
+        <p:spPr bwMode="invGray">
+          <a:xfrm flipV="1">
+            <a:off x="4379735" y="3081640"/>
+            <a:ext cx="1788686" cy="1702833"/>
+          </a:xfrm>
+          <a:prstGeom prst="bentConnector3">
+            <a:avLst>
+              <a:gd name="adj1" fmla="val 50000"/>
+            </a:avLst>
+          </a:prstGeom>
+          <a:ln w="50800">
+            <a:solidFill>
+              <a:schemeClr val="tx2">
+                <a:lumMod val="40000"/>
+                <a:lumOff val="60000"/>
+              </a:schemeClr>
+            </a:solidFill>
+            <a:tailEnd type="triangle" w="lg" len="lg"/>
+          </a:ln>
+        </p:spPr>
+        <p:style>
+          <a:lnRef idx="1">
+            <a:schemeClr val="accent1"/>
+          </a:lnRef>
+          <a:fillRef idx="0">
+            <a:schemeClr val="accent1"/>
+          </a:fillRef>
+          <a:effectRef idx="0">
+            <a:schemeClr val="accent1"/>
+          </a:effectRef>
+          <a:fontRef idx="minor">
+            <a:schemeClr val="tx1"/>
+          </a:fontRef>
+        </p:style>
+      </p:cxnSp>
+      <p:sp>
+        <p:nvSpPr>
+          <p:cNvPr id="130" name="テキスト ボックス 129"/>
+          <p:cNvSpPr txBox="1"/>
+          <p:nvPr/>
+        </p:nvSpPr>
+        <p:spPr>
+          <a:xfrm>
+            <a:off x="4366042" y="3124393"/>
+            <a:ext cx="723275" cy="461665"/>
+          </a:xfrm>
+          <a:prstGeom prst="rect">
+            <a:avLst/>
+          </a:prstGeom>
+          <a:noFill/>
+        </p:spPr>
+        <p:txBody>
+          <a:bodyPr wrap="none" rtlCol="0">
+            <a:spAutoFit/>
+          </a:bodyPr>
+          <a:lstStyle/>
+          <a:p>
+            <a:r>
+              <a:rPr kumimoji="1" lang="ja-JP" altLang="en-US" sz="2400" dirty="0" smtClean="0">
+                <a:solidFill>
+                  <a:schemeClr val="tx1">
+                    <a:lumMod val="65000"/>
+                    <a:lumOff val="35000"/>
+                  </a:schemeClr>
+                </a:solidFill>
+                <a:latin typeface="HGP創英角ｺﾞｼｯｸUB" panose="020B0900000000000000" pitchFamily="50" charset="-128"/>
+                <a:ea typeface="HGP創英角ｺﾞｼｯｸUB" panose="020B0900000000000000" pitchFamily="50" charset="-128"/>
+              </a:rPr>
+              <a:t>（２）</a:t>
+            </a:r>
+            <a:endParaRPr kumimoji="1" lang="ja-JP" altLang="en-US" sz="2400" dirty="0">
               <a:solidFill>
-                <a:schemeClr val="tx1"/>
+                <a:schemeClr val="tx1">
+                  <a:lumMod val="65000"/>
+                  <a:lumOff val="35000"/>
+                </a:schemeClr>
               </a:solidFill>
-              <a:tailEnd type="arrow"/>
-            </a:ln>
-          </p:spPr>
-          <p:style>
-            <a:lnRef idx="2">
-              <a:schemeClr val="accent1"/>
-            </a:lnRef>
-            <a:fillRef idx="0">
-              <a:schemeClr val="accent1"/>
-            </a:fillRef>
-            <a:effectRef idx="1">
-              <a:schemeClr val="accent1"/>
-            </a:effectRef>
-            <a:fontRef idx="minor">
-              <a:schemeClr val="tx1"/>
-            </a:fontRef>
-          </p:style>
-        </p:cxnSp>
-        <p:sp>
-          <p:nvSpPr>
-            <p:cNvPr id="22" name="角丸四角形 21"/>
-            <p:cNvSpPr/>
-            <p:nvPr/>
-          </p:nvSpPr>
-          <p:spPr>
-            <a:xfrm>
-              <a:off x="4287730" y="2050697"/>
-              <a:ext cx="1996863" cy="455386"/>
-            </a:xfrm>
-            <a:prstGeom prst="roundRect">
-              <a:avLst/>
-            </a:prstGeom>
-            <a:ln/>
-          </p:spPr>
-          <p:style>
-            <a:lnRef idx="0">
-              <a:schemeClr val="accent2"/>
-            </a:lnRef>
-            <a:fillRef idx="3">
-              <a:schemeClr val="accent2"/>
-            </a:fillRef>
-            <a:effectRef idx="3">
-              <a:schemeClr val="accent2"/>
-            </a:effectRef>
-            <a:fontRef idx="minor">
-              <a:schemeClr val="lt1"/>
-            </a:fontRef>
-          </p:style>
-          <p:txBody>
-            <a:bodyPr rtlCol="0" anchor="ctr"/>
-            <a:lstStyle/>
-            <a:p>
-              <a:r>
-                <a:rPr lang="en-US" altLang="ja-JP" sz="1400" dirty="0" smtClean="0">
-                  <a:solidFill>
-                    <a:schemeClr val="tx1"/>
-                  </a:solidFill>
-                </a:rPr>
-                <a:t>(3) Authorize Tag Value</a:t>
-              </a:r>
-              <a:endParaRPr kumimoji="1" lang="ja-JP" altLang="en-US" sz="1400" dirty="0">
-                <a:solidFill>
-                  <a:schemeClr val="tx1"/>
-                </a:solidFill>
-              </a:endParaRPr>
-            </a:p>
-          </p:txBody>
-        </p:sp>
-        <p:sp>
-          <p:nvSpPr>
-            <p:cNvPr id="34" name="テキスト ボックス 33"/>
-            <p:cNvSpPr txBox="1"/>
-            <p:nvPr/>
-          </p:nvSpPr>
-          <p:spPr>
-            <a:xfrm>
-              <a:off x="1455057" y="2953097"/>
-              <a:ext cx="1087983" cy="261610"/>
-            </a:xfrm>
-            <a:prstGeom prst="rect">
-              <a:avLst/>
-            </a:prstGeom>
-            <a:noFill/>
-          </p:spPr>
-          <p:txBody>
-            <a:bodyPr wrap="square" rtlCol="0">
-              <a:spAutoFit/>
-            </a:bodyPr>
-            <a:lstStyle/>
-            <a:p>
-              <a:r>
-                <a:rPr lang="en-US" altLang="ja-JP" sz="1100" dirty="0" smtClean="0"/>
-                <a:t>Access</a:t>
-              </a:r>
-            </a:p>
-          </p:txBody>
-        </p:sp>
-        <p:sp>
-          <p:nvSpPr>
-            <p:cNvPr id="35" name="テキスト ボックス 34"/>
-            <p:cNvSpPr txBox="1"/>
-            <p:nvPr/>
-          </p:nvSpPr>
-          <p:spPr>
-            <a:xfrm>
-              <a:off x="2821507" y="3886200"/>
-              <a:ext cx="1087983" cy="261610"/>
-            </a:xfrm>
-            <a:prstGeom prst="rect">
-              <a:avLst/>
-            </a:prstGeom>
-            <a:noFill/>
-          </p:spPr>
-          <p:txBody>
-            <a:bodyPr wrap="square" rtlCol="0">
-              <a:spAutoFit/>
-            </a:bodyPr>
-            <a:lstStyle/>
-            <a:p>
-              <a:r>
-                <a:rPr lang="en-US" altLang="ja-JP" sz="1100" dirty="0" smtClean="0"/>
-                <a:t>(2) Verification</a:t>
-              </a:r>
-            </a:p>
-          </p:txBody>
-        </p:sp>
-        <p:sp>
-          <p:nvSpPr>
-            <p:cNvPr id="36" name="テキスト ボックス 35"/>
-            <p:cNvSpPr txBox="1"/>
-            <p:nvPr/>
-          </p:nvSpPr>
-          <p:spPr>
-            <a:xfrm>
-              <a:off x="2729315" y="2080280"/>
-              <a:ext cx="2623830" cy="430887"/>
-            </a:xfrm>
-            <a:prstGeom prst="rect">
-              <a:avLst/>
-            </a:prstGeom>
-            <a:noFill/>
-          </p:spPr>
-          <p:txBody>
-            <a:bodyPr wrap="square" rtlCol="0">
-              <a:spAutoFit/>
-            </a:bodyPr>
-            <a:lstStyle/>
-            <a:p>
-              <a:pPr marL="228600" indent="-228600">
-                <a:buAutoNum type="arabicParenBoth"/>
-              </a:pPr>
-              <a:r>
-                <a:rPr lang="en-US" altLang="ja-JP" sz="1100" dirty="0" smtClean="0"/>
-                <a:t>Authorization </a:t>
-              </a:r>
-            </a:p>
-            <a:p>
-              <a:pPr marL="228600" indent="-228600"/>
-              <a:r>
-                <a:rPr lang="ja-JP" altLang="en-US" sz="1100" dirty="0" smtClean="0"/>
-                <a:t>      </a:t>
-              </a:r>
-              <a:r>
-                <a:rPr lang="en-US" altLang="ja-JP" sz="1100" dirty="0" smtClean="0"/>
-                <a:t> Decision</a:t>
-              </a:r>
-            </a:p>
-          </p:txBody>
-        </p:sp>
-        <p:sp>
-          <p:nvSpPr>
-            <p:cNvPr id="39" name="テキスト ボックス 38"/>
-            <p:cNvSpPr txBox="1"/>
-            <p:nvPr/>
-          </p:nvSpPr>
-          <p:spPr>
-            <a:xfrm>
-              <a:off x="3530599" y="1099980"/>
-              <a:ext cx="1729404" cy="261610"/>
-            </a:xfrm>
-            <a:prstGeom prst="rect">
-              <a:avLst/>
-            </a:prstGeom>
-            <a:noFill/>
-          </p:spPr>
-          <p:txBody>
-            <a:bodyPr wrap="square" rtlCol="0">
-              <a:spAutoFit/>
-            </a:bodyPr>
-            <a:lstStyle/>
-            <a:p>
-              <a:r>
-                <a:rPr lang="en-US" altLang="ja-JP" sz="1100" dirty="0" smtClean="0"/>
-                <a:t>Authority Query</a:t>
-              </a:r>
-            </a:p>
-          </p:txBody>
-        </p:sp>
-        <p:sp>
-          <p:nvSpPr>
-            <p:cNvPr id="41" name="テキスト ボックス 40"/>
-            <p:cNvSpPr txBox="1"/>
-            <p:nvPr/>
-          </p:nvSpPr>
-          <p:spPr>
-            <a:xfrm>
-              <a:off x="1574799" y="194375"/>
-              <a:ext cx="3719594" cy="338554"/>
-            </a:xfrm>
-            <a:prstGeom prst="rect">
-              <a:avLst/>
-            </a:prstGeom>
-            <a:noFill/>
-          </p:spPr>
-          <p:txBody>
-            <a:bodyPr wrap="square" rtlCol="0">
-              <a:spAutoFit/>
-            </a:bodyPr>
-            <a:lstStyle/>
-            <a:p>
-              <a:r>
-                <a:rPr kumimoji="1" lang="en-US" altLang="ja-JP" sz="1600" dirty="0" smtClean="0">
-                  <a:effectLst>
-                    <a:outerShdw blurRad="38100" dist="38100" dir="2700000" algn="tl">
-                      <a:srgbClr val="000000">
-                        <a:alpha val="43137"/>
-                      </a:srgbClr>
-                    </a:outerShdw>
-                  </a:effectLst>
-                </a:rPr>
-                <a:t>Spring Security</a:t>
-              </a:r>
-              <a:endParaRPr kumimoji="1" lang="ja-JP" altLang="en-US" sz="1600" dirty="0">
-                <a:effectLst>
-                  <a:outerShdw blurRad="38100" dist="38100" dir="2700000" algn="tl">
-                    <a:srgbClr val="000000">
-                      <a:alpha val="43137"/>
-                    </a:srgbClr>
-                  </a:outerShdw>
-                </a:effectLst>
-              </a:endParaRPr>
-            </a:p>
-          </p:txBody>
-        </p:sp>
-        <p:cxnSp>
-          <p:nvCxnSpPr>
-            <p:cNvPr id="46" name="図形 45"/>
-            <p:cNvCxnSpPr>
-              <a:stCxn id="8" idx="3"/>
-              <a:endCxn id="22" idx="2"/>
-            </p:cNvCxnSpPr>
-            <p:nvPr/>
-          </p:nvCxnSpPr>
-          <p:spPr>
-            <a:xfrm flipV="1">
-              <a:off x="3365499" y="2506083"/>
-              <a:ext cx="1920663" cy="746024"/>
-            </a:xfrm>
-            <a:prstGeom prst="bentConnector2">
-              <a:avLst/>
-            </a:prstGeom>
-            <a:ln w="9525">
+              <a:latin typeface="HGP創英角ｺﾞｼｯｸUB" panose="020B0900000000000000" pitchFamily="50" charset="-128"/>
+              <a:ea typeface="HGP創英角ｺﾞｼｯｸUB" panose="020B0900000000000000" pitchFamily="50" charset="-128"/>
+            </a:endParaRPr>
+          </a:p>
+        </p:txBody>
+      </p:sp>
+      <p:sp>
+        <p:nvSpPr>
+          <p:cNvPr id="131" name="爆発 2 130"/>
+          <p:cNvSpPr/>
+          <p:nvPr/>
+        </p:nvSpPr>
+        <p:spPr>
+          <a:xfrm>
+            <a:off x="5308399" y="3284984"/>
+            <a:ext cx="1832355" cy="1221626"/>
+          </a:xfrm>
+          <a:prstGeom prst="irregularSeal2">
+            <a:avLst/>
+          </a:prstGeom>
+          <a:solidFill>
+            <a:schemeClr val="accent2">
+              <a:lumMod val="40000"/>
+              <a:lumOff val="60000"/>
+            </a:schemeClr>
+          </a:solidFill>
+          <a:ln>
+            <a:solidFill>
+              <a:schemeClr val="accent2">
+                <a:lumMod val="40000"/>
+                <a:lumOff val="60000"/>
+              </a:schemeClr>
+            </a:solidFill>
+          </a:ln>
+        </p:spPr>
+        <p:style>
+          <a:lnRef idx="2">
+            <a:schemeClr val="accent2"/>
+          </a:lnRef>
+          <a:fillRef idx="1">
+            <a:schemeClr val="lt1"/>
+          </a:fillRef>
+          <a:effectRef idx="0">
+            <a:schemeClr val="accent2"/>
+          </a:effectRef>
+          <a:fontRef idx="minor">
+            <a:schemeClr val="dk1"/>
+          </a:fontRef>
+        </p:style>
+        <p:txBody>
+          <a:bodyPr rtlCol="0" anchor="ctr"/>
+          <a:lstStyle/>
+          <a:p>
+            <a:pPr algn="ctr"/>
+            <a:r>
+              <a:rPr lang="en-US" altLang="ja-JP" dirty="0" smtClean="0">
+                <a:solidFill>
+                  <a:srgbClr val="C00000"/>
+                </a:solidFill>
+                <a:latin typeface="HGP創英角ｺﾞｼｯｸUB" panose="020B0900000000000000" pitchFamily="50" charset="-128"/>
+                <a:ea typeface="HGP創英角ｺﾞｼｯｸUB" panose="020B0900000000000000" pitchFamily="50" charset="-128"/>
+              </a:rPr>
+              <a:t>Error!</a:t>
+            </a:r>
+            <a:endParaRPr kumimoji="1" lang="ja-JP" altLang="en-US" dirty="0">
               <a:solidFill>
-                <a:schemeClr val="tx1"/>
+                <a:srgbClr val="C00000"/>
               </a:solidFill>
-              <a:tailEnd type="arrow"/>
-            </a:ln>
-          </p:spPr>
-          <p:style>
-            <a:lnRef idx="2">
-              <a:schemeClr val="accent1"/>
-            </a:lnRef>
-            <a:fillRef idx="0">
-              <a:schemeClr val="accent1"/>
-            </a:fillRef>
-            <a:effectRef idx="1">
-              <a:schemeClr val="accent1"/>
-            </a:effectRef>
-            <a:fontRef idx="minor">
-              <a:schemeClr val="tx1"/>
-            </a:fontRef>
-          </p:style>
-        </p:cxnSp>
-      </p:grpSp>
+              <a:latin typeface="HGP創英角ｺﾞｼｯｸUB" panose="020B0900000000000000" pitchFamily="50" charset="-128"/>
+              <a:ea typeface="HGP創英角ｺﾞｼｯｸUB" panose="020B0900000000000000" pitchFamily="50" charset="-128"/>
+            </a:endParaRPr>
+          </a:p>
+        </p:txBody>
+      </p:sp>
+      <p:sp>
+        <p:nvSpPr>
+          <p:cNvPr id="23" name="テキスト ボックス 22"/>
+          <p:cNvSpPr txBox="1"/>
+          <p:nvPr/>
+        </p:nvSpPr>
+        <p:spPr>
+          <a:xfrm>
+            <a:off x="396993" y="2604760"/>
+            <a:ext cx="1229923" cy="338554"/>
+          </a:xfrm>
+          <a:prstGeom prst="rect">
+            <a:avLst/>
+          </a:prstGeom>
+          <a:noFill/>
+        </p:spPr>
+        <p:txBody>
+          <a:bodyPr wrap="square" rtlCol="0">
+            <a:spAutoFit/>
+          </a:bodyPr>
+          <a:lstStyle/>
+          <a:p>
+            <a:pPr algn="ctr"/>
+            <a:r>
+              <a:rPr lang="en-US" altLang="ja-JP" sz="1600" b="1" dirty="0" smtClean="0">
+                <a:solidFill>
+                  <a:schemeClr val="tx1">
+                    <a:lumMod val="75000"/>
+                    <a:lumOff val="25000"/>
+                  </a:schemeClr>
+                </a:solidFill>
+                <a:latin typeface="HGP創英角ｺﾞｼｯｸUB" panose="020B0900000000000000" pitchFamily="50" charset="-128"/>
+                <a:ea typeface="HGP創英角ｺﾞｼｯｸUB" panose="020B0900000000000000" pitchFamily="50" charset="-128"/>
+              </a:rPr>
+              <a:t>Clien</a:t>
+            </a:r>
+            <a:r>
+              <a:rPr lang="en-US" altLang="ja-JP" sz="1600" b="1" dirty="0">
+                <a:solidFill>
+                  <a:schemeClr val="tx1">
+                    <a:lumMod val="75000"/>
+                    <a:lumOff val="25000"/>
+                  </a:schemeClr>
+                </a:solidFill>
+                <a:latin typeface="HGP創英角ｺﾞｼｯｸUB" panose="020B0900000000000000" pitchFamily="50" charset="-128"/>
+                <a:ea typeface="HGP創英角ｺﾞｼｯｸUB" panose="020B0900000000000000" pitchFamily="50" charset="-128"/>
+              </a:rPr>
+              <a:t>t</a:t>
+            </a:r>
+            <a:endParaRPr kumimoji="1" lang="ja-JP" altLang="en-US" sz="1600" b="1" dirty="0">
+              <a:solidFill>
+                <a:schemeClr val="tx1">
+                  <a:lumMod val="75000"/>
+                  <a:lumOff val="25000"/>
+                </a:schemeClr>
+              </a:solidFill>
+              <a:latin typeface="HGP創英角ｺﾞｼｯｸUB" panose="020B0900000000000000" pitchFamily="50" charset="-128"/>
+              <a:ea typeface="HGP創英角ｺﾞｼｯｸUB" panose="020B0900000000000000" pitchFamily="50" charset="-128"/>
+            </a:endParaRPr>
+          </a:p>
+        </p:txBody>
+      </p:sp>
     </p:spTree>
+    <p:extLst>
+      <p:ext uri="{BB962C8B-B14F-4D97-AF65-F5344CB8AC3E}">
+        <p14:creationId xmlns:p14="http://schemas.microsoft.com/office/powerpoint/2010/main" val="317848985"/>
+      </p:ext>
+    </p:extLst>
   </p:cSld>
   <p:clrMapOvr>
     <a:masterClrMapping/>
   </p:clrMapOvr>
-</p:sld>
-</file>
-
-<file path=ppt/slides/slide3.xml><?xml version="1.0" encoding="utf-8"?>
-<p:sld xmlns:a="http://schemas.openxmlformats.org/drawingml/2006/main" xmlns:r="http://schemas.openxmlformats.org/officeDocument/2006/relationships" xmlns:p="http://schemas.openxmlformats.org/presentationml/2006/main">
-  <p:cSld>
-    <p:spTree>
-      <p:nvGrpSpPr>
-        <p:cNvPr id="1" name=""/>
-        <p:cNvGrpSpPr/>
-        <p:nvPr/>
-      </p:nvGrpSpPr>
-      <p:grpSpPr>
-        <a:xfrm>
-          <a:off x="0" y="0"/>
-          <a:ext cx="0" cy="0"/>
-          <a:chOff x="0" y="0"/>
-          <a:chExt cx="0" cy="0"/>
-        </a:xfrm>
-      </p:grpSpPr>
-      <p:grpSp>
-        <p:nvGrpSpPr>
-          <p:cNvPr id="31" name="グループ化 30"/>
-          <p:cNvGrpSpPr/>
-          <p:nvPr/>
-        </p:nvGrpSpPr>
-        <p:grpSpPr>
-          <a:xfrm>
-            <a:off x="241300" y="156275"/>
-            <a:ext cx="8164593" cy="5317425"/>
-            <a:chOff x="241300" y="156275"/>
-            <a:chExt cx="8164593" cy="5317425"/>
-          </a:xfrm>
-        </p:grpSpPr>
-        <p:sp>
-          <p:nvSpPr>
-            <p:cNvPr id="43" name="正方形/長方形 42"/>
-            <p:cNvSpPr/>
-            <p:nvPr/>
-          </p:nvSpPr>
-          <p:spPr>
-            <a:xfrm>
-              <a:off x="1511299" y="156275"/>
-              <a:ext cx="6210301" cy="5317425"/>
-            </a:xfrm>
-            <a:prstGeom prst="rect">
-              <a:avLst/>
-            </a:prstGeom>
-            <a:ln/>
-          </p:spPr>
-          <p:style>
-            <a:lnRef idx="0">
-              <a:schemeClr val="accent3"/>
-            </a:lnRef>
-            <a:fillRef idx="3">
-              <a:schemeClr val="accent3"/>
-            </a:fillRef>
-            <a:effectRef idx="3">
-              <a:schemeClr val="accent3"/>
-            </a:effectRef>
-            <a:fontRef idx="minor">
-              <a:schemeClr val="lt1"/>
-            </a:fontRef>
-          </p:style>
-          <p:txBody>
-            <a:bodyPr rtlCol="0" anchor="ctr"/>
-            <a:lstStyle/>
-            <a:p>
-              <a:endParaRPr kumimoji="1" lang="ja-JP" altLang="en-US" dirty="0"/>
-            </a:p>
-          </p:txBody>
-        </p:sp>
-        <p:sp>
-          <p:nvSpPr>
-            <p:cNvPr id="4" name="角丸四角形 3"/>
-            <p:cNvSpPr/>
-            <p:nvPr/>
-          </p:nvSpPr>
-          <p:spPr>
-            <a:xfrm>
-              <a:off x="241300" y="3113314"/>
-              <a:ext cx="1175657" cy="455386"/>
-            </a:xfrm>
-            <a:prstGeom prst="roundRect">
-              <a:avLst/>
-            </a:prstGeom>
-            <a:ln/>
-          </p:spPr>
-          <p:style>
-            <a:lnRef idx="1">
-              <a:schemeClr val="dk1"/>
-            </a:lnRef>
-            <a:fillRef idx="2">
-              <a:schemeClr val="dk1"/>
-            </a:fillRef>
-            <a:effectRef idx="1">
-              <a:schemeClr val="dk1"/>
-            </a:effectRef>
-            <a:fontRef idx="minor">
-              <a:schemeClr val="dk1"/>
-            </a:fontRef>
-          </p:style>
-          <p:txBody>
-            <a:bodyPr rtlCol="0" anchor="ctr"/>
-            <a:lstStyle/>
-            <a:p>
-              <a:pPr algn="ctr"/>
-              <a:r>
-                <a:rPr kumimoji="1" lang="en-US" altLang="ja-JP" sz="1400" dirty="0" smtClean="0">
-                  <a:solidFill>
-                    <a:schemeClr val="tx1"/>
-                  </a:solidFill>
-                </a:rPr>
-                <a:t>Client</a:t>
-              </a:r>
-              <a:endParaRPr kumimoji="1" lang="ja-JP" altLang="en-US" sz="1400" dirty="0">
-                <a:solidFill>
-                  <a:schemeClr val="tx1"/>
-                </a:solidFill>
-              </a:endParaRPr>
-            </a:p>
-          </p:txBody>
-        </p:sp>
-        <p:sp>
-          <p:nvSpPr>
-            <p:cNvPr id="5" name="正方形/長方形 4"/>
-            <p:cNvSpPr/>
-            <p:nvPr/>
-          </p:nvSpPr>
-          <p:spPr>
-            <a:xfrm>
-              <a:off x="2222498" y="622300"/>
-              <a:ext cx="4940301" cy="3352800"/>
-            </a:xfrm>
-            <a:prstGeom prst="rect">
-              <a:avLst/>
-            </a:prstGeom>
-            <a:ln/>
-          </p:spPr>
-          <p:style>
-            <a:lnRef idx="1">
-              <a:schemeClr val="accent2"/>
-            </a:lnRef>
-            <a:fillRef idx="2">
-              <a:schemeClr val="accent2"/>
-            </a:fillRef>
-            <a:effectRef idx="1">
-              <a:schemeClr val="accent2"/>
-            </a:effectRef>
-            <a:fontRef idx="minor">
-              <a:schemeClr val="dk1"/>
-            </a:fontRef>
-          </p:style>
-          <p:txBody>
-            <a:bodyPr rtlCol="0" anchor="ctr"/>
-            <a:lstStyle/>
-            <a:p>
-              <a:pPr algn="ctr"/>
-              <a:endParaRPr kumimoji="1" lang="ja-JP" altLang="en-US" dirty="0"/>
-            </a:p>
-          </p:txBody>
-        </p:sp>
-        <p:sp>
-          <p:nvSpPr>
-            <p:cNvPr id="6" name="テキスト ボックス 5"/>
-            <p:cNvSpPr txBox="1"/>
-            <p:nvPr/>
-          </p:nvSpPr>
-          <p:spPr>
-            <a:xfrm>
-              <a:off x="2222499" y="622300"/>
-              <a:ext cx="2438402" cy="307777"/>
-            </a:xfrm>
-            <a:prstGeom prst="rect">
-              <a:avLst/>
-            </a:prstGeom>
-            <a:noFill/>
-          </p:spPr>
-          <p:txBody>
-            <a:bodyPr wrap="square" rtlCol="0">
-              <a:spAutoFit/>
-            </a:bodyPr>
-            <a:lstStyle/>
-            <a:p>
-              <a:r>
-                <a:rPr lang="en-US" altLang="ja-JP" sz="1400" dirty="0" smtClean="0">
-                  <a:effectLst>
-                    <a:outerShdw blurRad="38100" dist="38100" dir="2700000" algn="tl">
-                      <a:srgbClr val="000000">
-                        <a:alpha val="43137"/>
-                      </a:srgbClr>
-                    </a:outerShdw>
-                  </a:effectLst>
-                </a:rPr>
-                <a:t>Authorization</a:t>
-              </a:r>
-              <a:endParaRPr kumimoji="1" lang="ja-JP" altLang="en-US" sz="1400" dirty="0">
-                <a:effectLst>
-                  <a:outerShdw blurRad="38100" dist="38100" dir="2700000" algn="tl">
-                    <a:srgbClr val="000000">
-                      <a:alpha val="43137"/>
-                    </a:srgbClr>
-                  </a:outerShdw>
-                </a:effectLst>
-              </a:endParaRPr>
-            </a:p>
-          </p:txBody>
-        </p:sp>
-        <p:sp>
-          <p:nvSpPr>
-            <p:cNvPr id="7" name="正方形/長方形 6"/>
-            <p:cNvSpPr/>
-            <p:nvPr/>
-          </p:nvSpPr>
-          <p:spPr>
-            <a:xfrm>
-              <a:off x="2588430" y="2935513"/>
-              <a:ext cx="1272369" cy="810987"/>
-            </a:xfrm>
-            <a:prstGeom prst="rect">
-              <a:avLst/>
-            </a:prstGeom>
-            <a:ln/>
-          </p:spPr>
-          <p:style>
-            <a:lnRef idx="0">
-              <a:schemeClr val="accent2"/>
-            </a:lnRef>
-            <a:fillRef idx="3">
-              <a:schemeClr val="accent2"/>
-            </a:fillRef>
-            <a:effectRef idx="3">
-              <a:schemeClr val="accent2"/>
-            </a:effectRef>
-            <a:fontRef idx="minor">
-              <a:schemeClr val="lt1"/>
-            </a:fontRef>
-          </p:style>
-          <p:txBody>
-            <a:bodyPr rtlCol="0" anchor="ctr"/>
-            <a:lstStyle/>
-            <a:p>
-              <a:pPr algn="ctr"/>
-              <a:r>
-                <a:rPr kumimoji="1" lang="en-US" altLang="ja-JP" sz="1400" dirty="0" smtClean="0">
-                  <a:solidFill>
-                    <a:schemeClr val="tx1"/>
-                  </a:solidFill>
-                </a:rPr>
-                <a:t>(1) Access </a:t>
-              </a:r>
-              <a:r>
-                <a:rPr lang="en-US" altLang="ja-JP" sz="1400" dirty="0" smtClean="0">
-                  <a:solidFill>
-                    <a:schemeClr val="tx1"/>
-                  </a:solidFill>
-                </a:rPr>
-                <a:t>Authorization Interceptor</a:t>
-              </a:r>
-              <a:endParaRPr kumimoji="1" lang="ja-JP" altLang="en-US" sz="1400" dirty="0">
-                <a:solidFill>
-                  <a:schemeClr val="tx1"/>
-                </a:solidFill>
-              </a:endParaRPr>
-            </a:p>
-          </p:txBody>
-        </p:sp>
-        <p:sp>
-          <p:nvSpPr>
-            <p:cNvPr id="8" name="円柱 7"/>
-            <p:cNvSpPr/>
-            <p:nvPr/>
-          </p:nvSpPr>
-          <p:spPr>
-            <a:xfrm>
-              <a:off x="2316565" y="4470400"/>
-              <a:ext cx="1816100" cy="863600"/>
-            </a:xfrm>
-            <a:prstGeom prst="can">
-              <a:avLst>
-                <a:gd name="adj" fmla="val 20946"/>
-              </a:avLst>
-            </a:prstGeom>
-            <a:ln/>
-          </p:spPr>
-          <p:style>
-            <a:lnRef idx="1">
-              <a:schemeClr val="accent3"/>
-            </a:lnRef>
-            <a:fillRef idx="2">
-              <a:schemeClr val="accent3"/>
-            </a:fillRef>
-            <a:effectRef idx="1">
-              <a:schemeClr val="accent3"/>
-            </a:effectRef>
-            <a:fontRef idx="minor">
-              <a:schemeClr val="dk1"/>
-            </a:fontRef>
-          </p:style>
-          <p:txBody>
-            <a:bodyPr rtlCol="0" anchor="ctr"/>
-            <a:lstStyle/>
-            <a:p>
-              <a:pPr algn="ctr"/>
-              <a:r>
-                <a:rPr lang="en-US" altLang="ja-JP" sz="1400" dirty="0" smtClean="0">
-                  <a:solidFill>
-                    <a:schemeClr val="tx1"/>
-                  </a:solidFill>
-                </a:rPr>
-                <a:t>Access Authorization Information</a:t>
-              </a:r>
-            </a:p>
-          </p:txBody>
-        </p:sp>
-        <p:sp>
-          <p:nvSpPr>
-            <p:cNvPr id="9" name="正方形/長方形 8"/>
-            <p:cNvSpPr/>
-            <p:nvPr/>
-          </p:nvSpPr>
-          <p:spPr>
-            <a:xfrm>
-              <a:off x="2588430" y="1044996"/>
-              <a:ext cx="1272369" cy="810987"/>
-            </a:xfrm>
-            <a:prstGeom prst="rect">
-              <a:avLst/>
-            </a:prstGeom>
-            <a:ln/>
-          </p:spPr>
-          <p:style>
-            <a:lnRef idx="0">
-              <a:schemeClr val="accent2"/>
-            </a:lnRef>
-            <a:fillRef idx="3">
-              <a:schemeClr val="accent2"/>
-            </a:fillRef>
-            <a:effectRef idx="3">
-              <a:schemeClr val="accent2"/>
-            </a:effectRef>
-            <a:fontRef idx="minor">
-              <a:schemeClr val="lt1"/>
-            </a:fontRef>
-          </p:style>
-          <p:txBody>
-            <a:bodyPr rtlCol="0" anchor="ctr"/>
-            <a:lstStyle/>
-            <a:p>
-              <a:pPr algn="ctr"/>
-              <a:r>
-                <a:rPr lang="en-US" altLang="ja-JP" sz="1400" dirty="0" smtClean="0">
-                  <a:solidFill>
-                    <a:schemeClr val="tx1"/>
-                  </a:solidFill>
-                </a:rPr>
-                <a:t>Access Authorization Manager</a:t>
-              </a:r>
-            </a:p>
-          </p:txBody>
-        </p:sp>
-        <p:sp>
-          <p:nvSpPr>
-            <p:cNvPr id="10" name="正方形/長方形 9"/>
-            <p:cNvSpPr/>
-            <p:nvPr/>
-          </p:nvSpPr>
-          <p:spPr>
-            <a:xfrm>
-              <a:off x="4686299" y="622300"/>
-              <a:ext cx="2476501" cy="1409700"/>
-            </a:xfrm>
-            <a:prstGeom prst="rect">
-              <a:avLst/>
-            </a:prstGeom>
-            <a:ln/>
-          </p:spPr>
-          <p:style>
-            <a:lnRef idx="1">
-              <a:schemeClr val="accent5"/>
-            </a:lnRef>
-            <a:fillRef idx="2">
-              <a:schemeClr val="accent5"/>
-            </a:fillRef>
-            <a:effectRef idx="1">
-              <a:schemeClr val="accent5"/>
-            </a:effectRef>
-            <a:fontRef idx="minor">
-              <a:schemeClr val="dk1"/>
-            </a:fontRef>
-          </p:style>
-          <p:txBody>
-            <a:bodyPr rtlCol="0" anchor="ctr"/>
-            <a:lstStyle/>
-            <a:p>
-              <a:pPr algn="ctr"/>
-              <a:endParaRPr kumimoji="1" lang="ja-JP" altLang="en-US"/>
-            </a:p>
-          </p:txBody>
-        </p:sp>
-        <p:sp>
-          <p:nvSpPr>
-            <p:cNvPr id="11" name="正方形/長方形 10"/>
-            <p:cNvSpPr/>
-            <p:nvPr/>
-          </p:nvSpPr>
-          <p:spPr>
-            <a:xfrm>
-              <a:off x="5590203" y="1044996"/>
-              <a:ext cx="1272369" cy="810987"/>
-            </a:xfrm>
-            <a:prstGeom prst="rect">
-              <a:avLst/>
-            </a:prstGeom>
-            <a:ln/>
-          </p:spPr>
-          <p:style>
-            <a:lnRef idx="0">
-              <a:schemeClr val="accent5"/>
-            </a:lnRef>
-            <a:fillRef idx="3">
-              <a:schemeClr val="accent5"/>
-            </a:fillRef>
-            <a:effectRef idx="3">
-              <a:schemeClr val="accent5"/>
-            </a:effectRef>
-            <a:fontRef idx="minor">
-              <a:schemeClr val="lt1"/>
-            </a:fontRef>
-          </p:style>
-          <p:txBody>
-            <a:bodyPr rtlCol="0" anchor="ctr"/>
-            <a:lstStyle/>
-            <a:p>
-              <a:pPr algn="ctr"/>
-              <a:r>
-                <a:rPr lang="en-US" altLang="ja-JP" sz="1400" dirty="0" smtClean="0">
-                  <a:solidFill>
-                    <a:schemeClr val="tx1"/>
-                  </a:solidFill>
-                </a:rPr>
-                <a:t>Authentication Info</a:t>
-              </a:r>
-              <a:endParaRPr lang="ja-JP" altLang="en-US" sz="1400" dirty="0" smtClean="0">
-                <a:solidFill>
-                  <a:schemeClr val="tx1"/>
-                </a:solidFill>
-              </a:endParaRPr>
-            </a:p>
-          </p:txBody>
-        </p:sp>
-        <p:cxnSp>
-          <p:nvCxnSpPr>
-            <p:cNvPr id="12" name="直線矢印コネクタ 11"/>
-            <p:cNvCxnSpPr>
-              <a:stCxn id="9" idx="3"/>
-              <a:endCxn id="11" idx="1"/>
-            </p:cNvCxnSpPr>
-            <p:nvPr/>
-          </p:nvCxnSpPr>
-          <p:spPr>
-            <a:xfrm>
-              <a:off x="3860799" y="1450490"/>
-              <a:ext cx="1729404" cy="0"/>
-            </a:xfrm>
-            <a:prstGeom prst="straightConnector1">
-              <a:avLst/>
-            </a:prstGeom>
-            <a:ln w="9525">
-              <a:solidFill>
-                <a:schemeClr val="tx1"/>
-              </a:solidFill>
-              <a:tailEnd type="arrow"/>
-            </a:ln>
-          </p:spPr>
-          <p:style>
-            <a:lnRef idx="2">
-              <a:schemeClr val="accent1"/>
-            </a:lnRef>
-            <a:fillRef idx="0">
-              <a:schemeClr val="accent1"/>
-            </a:fillRef>
-            <a:effectRef idx="1">
-              <a:schemeClr val="accent1"/>
-            </a:effectRef>
-            <a:fontRef idx="minor">
-              <a:schemeClr val="tx1"/>
-            </a:fontRef>
-          </p:style>
-        </p:cxnSp>
-        <p:cxnSp>
-          <p:nvCxnSpPr>
-            <p:cNvPr id="13" name="直線矢印コネクタ 12"/>
-            <p:cNvCxnSpPr>
-              <a:stCxn id="7" idx="0"/>
-              <a:endCxn id="9" idx="2"/>
-            </p:cNvCxnSpPr>
-            <p:nvPr/>
-          </p:nvCxnSpPr>
-          <p:spPr>
-            <a:xfrm flipV="1">
-              <a:off x="3224615" y="1855983"/>
-              <a:ext cx="0" cy="1079530"/>
-            </a:xfrm>
-            <a:prstGeom prst="straightConnector1">
-              <a:avLst/>
-            </a:prstGeom>
-            <a:ln w="9525">
-              <a:solidFill>
-                <a:schemeClr val="tx1"/>
-              </a:solidFill>
-              <a:tailEnd type="arrow"/>
-            </a:ln>
-          </p:spPr>
-          <p:style>
-            <a:lnRef idx="2">
-              <a:schemeClr val="accent1"/>
-            </a:lnRef>
-            <a:fillRef idx="0">
-              <a:schemeClr val="accent1"/>
-            </a:fillRef>
-            <a:effectRef idx="1">
-              <a:schemeClr val="accent1"/>
-            </a:effectRef>
-            <a:fontRef idx="minor">
-              <a:schemeClr val="tx1"/>
-            </a:fontRef>
-          </p:style>
-        </p:cxnSp>
-        <p:cxnSp>
-          <p:nvCxnSpPr>
-            <p:cNvPr id="14" name="直線矢印コネクタ 13"/>
-            <p:cNvCxnSpPr>
-              <a:stCxn id="4" idx="3"/>
-              <a:endCxn id="7" idx="1"/>
-            </p:cNvCxnSpPr>
-            <p:nvPr/>
-          </p:nvCxnSpPr>
-          <p:spPr>
-            <a:xfrm>
-              <a:off x="1416957" y="3341007"/>
-              <a:ext cx="1171473" cy="0"/>
-            </a:xfrm>
-            <a:prstGeom prst="straightConnector1">
-              <a:avLst/>
-            </a:prstGeom>
-            <a:ln w="9525">
-              <a:solidFill>
-                <a:schemeClr val="tx1"/>
-              </a:solidFill>
-              <a:tailEnd type="arrow"/>
-            </a:ln>
-          </p:spPr>
-          <p:style>
-            <a:lnRef idx="2">
-              <a:schemeClr val="accent1"/>
-            </a:lnRef>
-            <a:fillRef idx="0">
-              <a:schemeClr val="accent1"/>
-            </a:fillRef>
-            <a:effectRef idx="1">
-              <a:schemeClr val="accent1"/>
-            </a:effectRef>
-            <a:fontRef idx="minor">
-              <a:schemeClr val="tx1"/>
-            </a:fontRef>
-          </p:style>
-        </p:cxnSp>
-        <p:cxnSp>
-          <p:nvCxnSpPr>
-            <p:cNvPr id="15" name="直線矢印コネクタ 14"/>
-            <p:cNvCxnSpPr>
-              <a:stCxn id="7" idx="2"/>
-              <a:endCxn id="8" idx="1"/>
-            </p:cNvCxnSpPr>
-            <p:nvPr/>
-          </p:nvCxnSpPr>
-          <p:spPr>
-            <a:xfrm>
-              <a:off x="3224615" y="3746500"/>
-              <a:ext cx="0" cy="723900"/>
-            </a:xfrm>
-            <a:prstGeom prst="straightConnector1">
-              <a:avLst/>
-            </a:prstGeom>
-            <a:ln w="9525">
-              <a:solidFill>
-                <a:schemeClr val="tx1"/>
-              </a:solidFill>
-              <a:tailEnd type="arrow"/>
-            </a:ln>
-          </p:spPr>
-          <p:style>
-            <a:lnRef idx="2">
-              <a:schemeClr val="accent1"/>
-            </a:lnRef>
-            <a:fillRef idx="0">
-              <a:schemeClr val="accent1"/>
-            </a:fillRef>
-            <a:effectRef idx="1">
-              <a:schemeClr val="accent1"/>
-            </a:effectRef>
-            <a:fontRef idx="minor">
-              <a:schemeClr val="tx1"/>
-            </a:fontRef>
-          </p:style>
-        </p:cxnSp>
-        <p:sp>
-          <p:nvSpPr>
-            <p:cNvPr id="16" name="角丸四角形 15"/>
-            <p:cNvSpPr/>
-            <p:nvPr/>
-          </p:nvSpPr>
-          <p:spPr>
-            <a:xfrm>
-              <a:off x="5319793" y="4460600"/>
-              <a:ext cx="2212763" cy="455386"/>
-            </a:xfrm>
-            <a:prstGeom prst="roundRect">
-              <a:avLst/>
-            </a:prstGeom>
-            <a:ln/>
-          </p:spPr>
-          <p:style>
-            <a:lnRef idx="1">
-              <a:schemeClr val="accent3"/>
-            </a:lnRef>
-            <a:fillRef idx="2">
-              <a:schemeClr val="accent3"/>
-            </a:fillRef>
-            <a:effectRef idx="1">
-              <a:schemeClr val="accent3"/>
-            </a:effectRef>
-            <a:fontRef idx="minor">
-              <a:schemeClr val="dk1"/>
-            </a:fontRef>
-          </p:style>
-          <p:txBody>
-            <a:bodyPr rtlCol="0" anchor="ctr"/>
-            <a:lstStyle/>
-            <a:p>
-              <a:r>
-                <a:rPr lang="en-US" altLang="ja-JP" sz="1400" dirty="0" smtClean="0"/>
-                <a:t>(4)</a:t>
-              </a:r>
-              <a:r>
-                <a:rPr lang="ja-JP" altLang="en-US" sz="1400" dirty="0" smtClean="0"/>
-                <a:t> </a:t>
-              </a:r>
-              <a:r>
-                <a:rPr lang="en-US" altLang="ja-JP" sz="1400" dirty="0" smtClean="0"/>
-                <a:t>Authorization Method</a:t>
-              </a:r>
-              <a:endParaRPr kumimoji="1" lang="ja-JP" altLang="en-US" sz="1400" dirty="0">
-                <a:solidFill>
-                  <a:schemeClr val="tx1"/>
-                </a:solidFill>
-              </a:endParaRPr>
-            </a:p>
-          </p:txBody>
-        </p:sp>
-        <p:cxnSp>
-          <p:nvCxnSpPr>
-            <p:cNvPr id="17" name="直線矢印コネクタ 16"/>
-            <p:cNvCxnSpPr>
-              <a:endCxn id="25" idx="1"/>
-            </p:cNvCxnSpPr>
-            <p:nvPr/>
-          </p:nvCxnSpPr>
-          <p:spPr>
-            <a:xfrm>
-              <a:off x="3848099" y="3269061"/>
-              <a:ext cx="1206501" cy="0"/>
-            </a:xfrm>
-            <a:prstGeom prst="straightConnector1">
-              <a:avLst/>
-            </a:prstGeom>
-            <a:ln w="9525">
-              <a:solidFill>
-                <a:schemeClr val="tx1"/>
-              </a:solidFill>
-              <a:tailEnd type="arrow"/>
-            </a:ln>
-          </p:spPr>
-          <p:style>
-            <a:lnRef idx="2">
-              <a:schemeClr val="accent1"/>
-            </a:lnRef>
-            <a:fillRef idx="0">
-              <a:schemeClr val="accent1"/>
-            </a:fillRef>
-            <a:effectRef idx="1">
-              <a:schemeClr val="accent1"/>
-            </a:effectRef>
-            <a:fontRef idx="minor">
-              <a:schemeClr val="tx1"/>
-            </a:fontRef>
-          </p:style>
-        </p:cxnSp>
-        <p:sp>
-          <p:nvSpPr>
-            <p:cNvPr id="18" name="テキスト ボックス 17"/>
-            <p:cNvSpPr txBox="1"/>
-            <p:nvPr/>
-          </p:nvSpPr>
-          <p:spPr>
-            <a:xfrm>
-              <a:off x="1549399" y="2838174"/>
-              <a:ext cx="1242753" cy="430887"/>
-            </a:xfrm>
-            <a:prstGeom prst="rect">
-              <a:avLst/>
-            </a:prstGeom>
-            <a:noFill/>
-          </p:spPr>
-          <p:txBody>
-            <a:bodyPr wrap="square" rtlCol="0">
-              <a:spAutoFit/>
-            </a:bodyPr>
-            <a:lstStyle/>
-            <a:p>
-              <a:r>
-                <a:rPr lang="en-US" altLang="ja-JP" sz="1100" dirty="0" smtClean="0"/>
-                <a:t>Method </a:t>
-              </a:r>
-            </a:p>
-            <a:p>
-              <a:r>
-                <a:rPr lang="en-US" altLang="ja-JP" sz="1100" dirty="0" smtClean="0"/>
-                <a:t>Execute</a:t>
-              </a:r>
-            </a:p>
-          </p:txBody>
-        </p:sp>
-        <p:sp>
-          <p:nvSpPr>
-            <p:cNvPr id="19" name="テキスト ボックス 18"/>
-            <p:cNvSpPr txBox="1"/>
-            <p:nvPr/>
-          </p:nvSpPr>
-          <p:spPr>
-            <a:xfrm>
-              <a:off x="3182273" y="4089400"/>
-              <a:ext cx="1087983" cy="261610"/>
-            </a:xfrm>
-            <a:prstGeom prst="rect">
-              <a:avLst/>
-            </a:prstGeom>
-            <a:noFill/>
-          </p:spPr>
-          <p:txBody>
-            <a:bodyPr wrap="square" rtlCol="0">
-              <a:spAutoFit/>
-            </a:bodyPr>
-            <a:lstStyle/>
-            <a:p>
-              <a:r>
-                <a:rPr lang="en-US" altLang="ja-JP" sz="1100" dirty="0" smtClean="0"/>
-                <a:t>(2) Verification</a:t>
-              </a:r>
-            </a:p>
-          </p:txBody>
-        </p:sp>
-        <p:sp>
-          <p:nvSpPr>
-            <p:cNvPr id="20" name="テキスト ボックス 19"/>
-            <p:cNvSpPr txBox="1"/>
-            <p:nvPr/>
-          </p:nvSpPr>
-          <p:spPr>
-            <a:xfrm>
-              <a:off x="3189807" y="2341890"/>
-              <a:ext cx="1369492" cy="430887"/>
-            </a:xfrm>
-            <a:prstGeom prst="rect">
-              <a:avLst/>
-            </a:prstGeom>
-            <a:noFill/>
-          </p:spPr>
-          <p:txBody>
-            <a:bodyPr wrap="square" rtlCol="0">
-              <a:spAutoFit/>
-            </a:bodyPr>
-            <a:lstStyle/>
-            <a:p>
-              <a:r>
-                <a:rPr lang="en-US" altLang="ja-JP" sz="1100" dirty="0" smtClean="0"/>
-                <a:t>(2) Authorization  </a:t>
-              </a:r>
-            </a:p>
-            <a:p>
-              <a:r>
-                <a:rPr lang="ja-JP" altLang="en-US" sz="1100" dirty="0" smtClean="0"/>
-                <a:t>　　</a:t>
-              </a:r>
-              <a:r>
-                <a:rPr lang="en-US" altLang="ja-JP" sz="1100" dirty="0" smtClean="0"/>
-                <a:t>Decision</a:t>
-              </a:r>
-            </a:p>
-          </p:txBody>
-        </p:sp>
-        <p:sp>
-          <p:nvSpPr>
-            <p:cNvPr id="21" name="テキスト ボックス 20"/>
-            <p:cNvSpPr txBox="1"/>
-            <p:nvPr/>
-          </p:nvSpPr>
-          <p:spPr>
-            <a:xfrm>
-              <a:off x="4025899" y="1188880"/>
-              <a:ext cx="1729404" cy="261610"/>
-            </a:xfrm>
-            <a:prstGeom prst="rect">
-              <a:avLst/>
-            </a:prstGeom>
-            <a:noFill/>
-          </p:spPr>
-          <p:txBody>
-            <a:bodyPr wrap="square" rtlCol="0">
-              <a:spAutoFit/>
-            </a:bodyPr>
-            <a:lstStyle/>
-            <a:p>
-              <a:r>
-                <a:rPr lang="en-US" altLang="ja-JP" sz="1100" dirty="0" smtClean="0"/>
-                <a:t>Authority Query</a:t>
-              </a:r>
-            </a:p>
-          </p:txBody>
-        </p:sp>
-        <p:sp>
-          <p:nvSpPr>
-            <p:cNvPr id="24" name="テキスト ボックス 23"/>
-            <p:cNvSpPr txBox="1"/>
-            <p:nvPr/>
-          </p:nvSpPr>
-          <p:spPr>
-            <a:xfrm>
-              <a:off x="4686299" y="647700"/>
-              <a:ext cx="3719594" cy="307777"/>
-            </a:xfrm>
-            <a:prstGeom prst="rect">
-              <a:avLst/>
-            </a:prstGeom>
-            <a:noFill/>
-          </p:spPr>
-          <p:txBody>
-            <a:bodyPr wrap="square" rtlCol="0">
-              <a:spAutoFit/>
-            </a:bodyPr>
-            <a:lstStyle/>
-            <a:p>
-              <a:r>
-                <a:rPr lang="ja-JP" altLang="en-US" sz="1400" dirty="0" smtClean="0">
-                  <a:effectLst>
-                    <a:outerShdw blurRad="38100" dist="38100" dir="2700000" algn="tl">
-                      <a:srgbClr val="000000">
-                        <a:alpha val="43137"/>
-                      </a:srgbClr>
-                    </a:outerShdw>
-                  </a:effectLst>
-                </a:rPr>
-                <a:t> </a:t>
-              </a:r>
-              <a:r>
-                <a:rPr lang="en-US" altLang="ja-JP" sz="1400" dirty="0" smtClean="0">
-                  <a:effectLst>
-                    <a:outerShdw blurRad="38100" dist="38100" dir="2700000" algn="tl">
-                      <a:srgbClr val="000000">
-                        <a:alpha val="43137"/>
-                      </a:srgbClr>
-                    </a:outerShdw>
-                  </a:effectLst>
-                </a:rPr>
-                <a:t>Authentication</a:t>
-              </a:r>
-              <a:endParaRPr kumimoji="1" lang="ja-JP" altLang="en-US" sz="1400" dirty="0">
-                <a:effectLst>
-                  <a:outerShdw blurRad="38100" dist="38100" dir="2700000" algn="tl">
-                    <a:srgbClr val="000000">
-                      <a:alpha val="43137"/>
-                    </a:srgbClr>
-                  </a:outerShdw>
-                </a:effectLst>
-              </a:endParaRPr>
-            </a:p>
-          </p:txBody>
-        </p:sp>
-        <p:sp>
-          <p:nvSpPr>
-            <p:cNvPr id="25" name="正方形/長方形 24"/>
-            <p:cNvSpPr/>
-            <p:nvPr/>
-          </p:nvSpPr>
-          <p:spPr>
-            <a:xfrm>
-              <a:off x="5054600" y="3003267"/>
-              <a:ext cx="2041904" cy="531587"/>
-            </a:xfrm>
-            <a:prstGeom prst="rect">
-              <a:avLst/>
-            </a:prstGeom>
-            <a:ln/>
-          </p:spPr>
-          <p:style>
-            <a:lnRef idx="0">
-              <a:schemeClr val="accent2"/>
-            </a:lnRef>
-            <a:fillRef idx="3">
-              <a:schemeClr val="accent2"/>
-            </a:fillRef>
-            <a:effectRef idx="3">
-              <a:schemeClr val="accent2"/>
-            </a:effectRef>
-            <a:fontRef idx="minor">
-              <a:schemeClr val="lt1"/>
-            </a:fontRef>
-          </p:style>
-          <p:txBody>
-            <a:bodyPr rtlCol="0" anchor="ctr"/>
-            <a:lstStyle/>
-            <a:p>
-              <a:pPr algn="ctr"/>
-              <a:r>
-                <a:rPr lang="en-US" altLang="ja-JP" sz="1400" dirty="0" smtClean="0">
-                  <a:solidFill>
-                    <a:schemeClr val="tx1"/>
-                  </a:solidFill>
-                </a:rPr>
-                <a:t>Access Denied Exception</a:t>
-              </a:r>
-              <a:endParaRPr lang="ja-JP" altLang="en-US" sz="1400" dirty="0" smtClean="0">
-                <a:solidFill>
-                  <a:schemeClr val="tx1"/>
-                </a:solidFill>
-              </a:endParaRPr>
-            </a:p>
-          </p:txBody>
-        </p:sp>
-        <p:cxnSp>
-          <p:nvCxnSpPr>
-            <p:cNvPr id="27" name="カギ線コネクタ 26"/>
-            <p:cNvCxnSpPr/>
-            <p:nvPr/>
-          </p:nvCxnSpPr>
-          <p:spPr>
-            <a:xfrm>
-              <a:off x="3860799" y="3445953"/>
-              <a:ext cx="1466615" cy="1260291"/>
-            </a:xfrm>
-            <a:prstGeom prst="bentConnector3">
-              <a:avLst>
-                <a:gd name="adj1" fmla="val 50000"/>
-              </a:avLst>
-            </a:prstGeom>
-            <a:ln w="9525">
-              <a:solidFill>
-                <a:schemeClr val="tx1"/>
-              </a:solidFill>
-              <a:tailEnd type="arrow"/>
-            </a:ln>
-          </p:spPr>
-          <p:style>
-            <a:lnRef idx="2">
-              <a:schemeClr val="accent1"/>
-            </a:lnRef>
-            <a:fillRef idx="0">
-              <a:schemeClr val="accent1"/>
-            </a:fillRef>
-            <a:effectRef idx="1">
-              <a:schemeClr val="accent1"/>
-            </a:effectRef>
-            <a:fontRef idx="minor">
-              <a:schemeClr val="tx1"/>
-            </a:fontRef>
-          </p:style>
-        </p:cxnSp>
-        <p:sp>
-          <p:nvSpPr>
-            <p:cNvPr id="41" name="テキスト ボックス 40"/>
-            <p:cNvSpPr txBox="1"/>
-            <p:nvPr/>
-          </p:nvSpPr>
-          <p:spPr>
-            <a:xfrm>
-              <a:off x="3848099" y="2960913"/>
-              <a:ext cx="1565158" cy="265415"/>
-            </a:xfrm>
-            <a:prstGeom prst="rect">
-              <a:avLst/>
-            </a:prstGeom>
-            <a:noFill/>
-          </p:spPr>
-          <p:txBody>
-            <a:bodyPr wrap="square" rtlCol="0">
-              <a:spAutoFit/>
-            </a:bodyPr>
-            <a:lstStyle/>
-            <a:p>
-              <a:r>
-                <a:rPr lang="en-US" altLang="ja-JP" sz="1100" dirty="0" smtClean="0"/>
-                <a:t>(3) Access Denied</a:t>
-              </a:r>
-            </a:p>
-          </p:txBody>
-        </p:sp>
-        <p:sp>
-          <p:nvSpPr>
-            <p:cNvPr id="46" name="テキスト ボックス 45"/>
-            <p:cNvSpPr txBox="1"/>
-            <p:nvPr/>
-          </p:nvSpPr>
-          <p:spPr>
-            <a:xfrm>
-              <a:off x="1574799" y="194375"/>
-              <a:ext cx="3719594" cy="338554"/>
-            </a:xfrm>
-            <a:prstGeom prst="rect">
-              <a:avLst/>
-            </a:prstGeom>
-            <a:noFill/>
-          </p:spPr>
-          <p:txBody>
-            <a:bodyPr wrap="square" rtlCol="0">
-              <a:spAutoFit/>
-            </a:bodyPr>
-            <a:lstStyle/>
-            <a:p>
-              <a:r>
-                <a:rPr kumimoji="1" lang="en-US" altLang="ja-JP" sz="1600" dirty="0" smtClean="0">
-                  <a:effectLst>
-                    <a:outerShdw blurRad="38100" dist="38100" dir="2700000" algn="tl">
-                      <a:srgbClr val="000000">
-                        <a:alpha val="43137"/>
-                      </a:srgbClr>
-                    </a:outerShdw>
-                  </a:effectLst>
-                </a:rPr>
-                <a:t>Spring Security</a:t>
-              </a:r>
-              <a:endParaRPr kumimoji="1" lang="ja-JP" altLang="en-US" sz="1600" dirty="0">
-                <a:effectLst>
-                  <a:outerShdw blurRad="38100" dist="38100" dir="2700000" algn="tl">
-                    <a:srgbClr val="000000">
-                      <a:alpha val="43137"/>
-                    </a:srgbClr>
-                  </a:outerShdw>
-                </a:effectLst>
-              </a:endParaRPr>
-            </a:p>
-          </p:txBody>
-        </p:sp>
-      </p:grpSp>
-    </p:spTree>
-  </p:cSld>
-  <p:clrMapOvr>
-    <a:masterClrMapping/>
-  </p:clrMapOvr>
-</p:sld>
-</file>
-
-<file path=ppt/slides/slide4.xml><?xml version="1.0" encoding="utf-8"?>
-<p:sld xmlns:a="http://schemas.openxmlformats.org/drawingml/2006/main" xmlns:r="http://schemas.openxmlformats.org/officeDocument/2006/relationships" xmlns:p="http://schemas.openxmlformats.org/presentationml/2006/main">
-  <p:cSld>
-    <p:spTree>
-      <p:nvGrpSpPr>
-        <p:cNvPr id="1" name=""/>
-        <p:cNvGrpSpPr/>
-        <p:nvPr/>
-      </p:nvGrpSpPr>
-      <p:grpSpPr>
-        <a:xfrm>
-          <a:off x="0" y="0"/>
-          <a:ext cx="0" cy="0"/>
-          <a:chOff x="0" y="0"/>
-          <a:chExt cx="0" cy="0"/>
-        </a:xfrm>
-      </p:grpSpPr>
-      <p:grpSp>
-        <p:nvGrpSpPr>
-          <p:cNvPr id="26" name="グループ化 25"/>
-          <p:cNvGrpSpPr/>
-          <p:nvPr/>
-        </p:nvGrpSpPr>
-        <p:grpSpPr>
-          <a:xfrm>
-            <a:off x="3132817" y="2355454"/>
-            <a:ext cx="2923721" cy="1701800"/>
-            <a:chOff x="1356179" y="3937000"/>
-            <a:chExt cx="2923721" cy="1701800"/>
-          </a:xfrm>
-        </p:grpSpPr>
-        <p:sp>
-          <p:nvSpPr>
-            <p:cNvPr id="17" name="正方形/長方形 16"/>
-            <p:cNvSpPr/>
-            <p:nvPr/>
-          </p:nvSpPr>
-          <p:spPr>
-            <a:xfrm>
-              <a:off x="1356179" y="3937000"/>
-              <a:ext cx="2923721" cy="1701800"/>
-            </a:xfrm>
-            <a:prstGeom prst="rect">
-              <a:avLst/>
-            </a:prstGeom>
-            <a:ln/>
-          </p:spPr>
-          <p:style>
-            <a:lnRef idx="1">
-              <a:schemeClr val="accent4"/>
-            </a:lnRef>
-            <a:fillRef idx="2">
-              <a:schemeClr val="accent4"/>
-            </a:fillRef>
-            <a:effectRef idx="1">
-              <a:schemeClr val="accent4"/>
-            </a:effectRef>
-            <a:fontRef idx="minor">
-              <a:schemeClr val="dk1"/>
-            </a:fontRef>
-          </p:style>
-          <p:txBody>
-            <a:bodyPr rtlCol="0" anchor="ctr"/>
-            <a:lstStyle/>
-            <a:p>
-              <a:pPr algn="ctr"/>
-              <a:endParaRPr kumimoji="1" lang="ja-JP" altLang="en-US"/>
-            </a:p>
-          </p:txBody>
-        </p:sp>
-        <p:sp>
-          <p:nvSpPr>
-            <p:cNvPr id="20" name="正方形/長方形 19"/>
-            <p:cNvSpPr/>
-            <p:nvPr/>
-          </p:nvSpPr>
-          <p:spPr>
-            <a:xfrm>
-              <a:off x="1721757" y="4508500"/>
-              <a:ext cx="2202543" cy="850900"/>
-            </a:xfrm>
-            <a:prstGeom prst="rect">
-              <a:avLst/>
-            </a:prstGeom>
-            <a:ln/>
-          </p:spPr>
-          <p:style>
-            <a:lnRef idx="1">
-              <a:schemeClr val="accent2"/>
-            </a:lnRef>
-            <a:fillRef idx="2">
-              <a:schemeClr val="accent2"/>
-            </a:fillRef>
-            <a:effectRef idx="1">
-              <a:schemeClr val="accent2"/>
-            </a:effectRef>
-            <a:fontRef idx="minor">
-              <a:schemeClr val="dk1"/>
-            </a:fontRef>
-          </p:style>
-          <p:txBody>
-            <a:bodyPr rtlCol="0" anchor="ctr"/>
-            <a:lstStyle/>
-            <a:p>
-              <a:pPr algn="ctr"/>
-              <a:endParaRPr kumimoji="1" lang="ja-JP" altLang="en-US"/>
-            </a:p>
-          </p:txBody>
-        </p:sp>
-        <p:sp>
-          <p:nvSpPr>
-            <p:cNvPr id="22" name="テキスト ボックス 21"/>
-            <p:cNvSpPr txBox="1"/>
-            <p:nvPr/>
-          </p:nvSpPr>
-          <p:spPr>
-            <a:xfrm>
-              <a:off x="2164897" y="4064000"/>
-              <a:ext cx="1461860" cy="307777"/>
-            </a:xfrm>
-            <a:prstGeom prst="rect">
-              <a:avLst/>
-            </a:prstGeom>
-            <a:noFill/>
-          </p:spPr>
-          <p:txBody>
-            <a:bodyPr wrap="square" rtlCol="0">
-              <a:spAutoFit/>
-            </a:bodyPr>
-            <a:lstStyle/>
-            <a:p>
-              <a:r>
-                <a:rPr lang="ja-JP" altLang="en-US" sz="1400" dirty="0" smtClean="0">
-                  <a:effectLst>
-                    <a:outerShdw blurRad="38100" dist="38100" dir="2700000" algn="tl">
-                      <a:srgbClr val="000000">
-                        <a:alpha val="43137"/>
-                      </a:srgbClr>
-                    </a:outerShdw>
-                  </a:effectLst>
-                </a:rPr>
-                <a:t> </a:t>
-              </a:r>
-              <a:r>
-                <a:rPr lang="en-US" altLang="ja-JP" sz="1400" dirty="0" smtClean="0">
-                  <a:effectLst>
-                    <a:outerShdw blurRad="38100" dist="38100" dir="2700000" algn="tl">
-                      <a:srgbClr val="000000">
-                        <a:alpha val="43137"/>
-                      </a:srgbClr>
-                    </a:outerShdw>
-                  </a:effectLst>
-                </a:rPr>
-                <a:t>ROLE_ADMIN</a:t>
-              </a:r>
-              <a:endParaRPr kumimoji="1" lang="ja-JP" altLang="en-US" sz="1400" dirty="0">
-                <a:effectLst>
-                  <a:outerShdw blurRad="38100" dist="38100" dir="2700000" algn="tl">
-                    <a:srgbClr val="000000">
-                      <a:alpha val="43137"/>
-                    </a:srgbClr>
-                  </a:outerShdw>
-                </a:effectLst>
-              </a:endParaRPr>
-            </a:p>
-          </p:txBody>
-        </p:sp>
-        <p:sp>
-          <p:nvSpPr>
-            <p:cNvPr id="23" name="テキスト ボックス 22"/>
-            <p:cNvSpPr txBox="1"/>
-            <p:nvPr/>
-          </p:nvSpPr>
-          <p:spPr>
-            <a:xfrm>
-              <a:off x="2222500" y="4790877"/>
-              <a:ext cx="1752600" cy="307777"/>
-            </a:xfrm>
-            <a:prstGeom prst="rect">
-              <a:avLst/>
-            </a:prstGeom>
-            <a:noFill/>
-          </p:spPr>
-          <p:txBody>
-            <a:bodyPr wrap="square" rtlCol="0">
-              <a:spAutoFit/>
-            </a:bodyPr>
-            <a:lstStyle/>
-            <a:p>
-              <a:r>
-                <a:rPr lang="ja-JP" altLang="en-US" sz="1400" dirty="0" smtClean="0">
-                  <a:effectLst>
-                    <a:outerShdw blurRad="38100" dist="38100" dir="2700000" algn="tl">
-                      <a:srgbClr val="000000">
-                        <a:alpha val="43137"/>
-                      </a:srgbClr>
-                    </a:outerShdw>
-                  </a:effectLst>
-                </a:rPr>
-                <a:t> </a:t>
-              </a:r>
-              <a:r>
-                <a:rPr lang="en-US" altLang="ja-JP" sz="1400" dirty="0" smtClean="0">
-                  <a:effectLst>
-                    <a:outerShdw blurRad="38100" dist="38100" dir="2700000" algn="tl">
-                      <a:srgbClr val="000000">
-                        <a:alpha val="43137"/>
-                      </a:srgbClr>
-                    </a:outerShdw>
-                  </a:effectLst>
-                </a:rPr>
-                <a:t>ROLE_USER</a:t>
-              </a:r>
-              <a:endParaRPr kumimoji="1" lang="ja-JP" altLang="en-US" sz="1400" dirty="0">
-                <a:effectLst>
-                  <a:outerShdw blurRad="38100" dist="38100" dir="2700000" algn="tl">
-                    <a:srgbClr val="000000">
-                      <a:alpha val="43137"/>
-                    </a:srgbClr>
-                  </a:outerShdw>
-                </a:effectLst>
-              </a:endParaRPr>
-            </a:p>
-          </p:txBody>
-        </p:sp>
-      </p:grpSp>
-    </p:spTree>
-  </p:cSld>
-  <p:clrMapOvr>
-    <a:masterClrMapping/>
-  </p:clrMapOvr>
+  <p:timing>
+    <p:tnLst>
+      <p:par>
+        <p:cTn id="1" dur="indefinite" restart="never" nodeType="tmRoot"/>
+      </p:par>
+    </p:tnLst>
+  </p:timing>
 </p:sld>
 </file>
 
